--- a/tdd-presentation/Droga perfekcjonisty-TDD.pptx
+++ b/tdd-presentation/Droga perfekcjonisty-TDD.pptx
@@ -5,7 +5,7 @@
     <p:sldMasterId id="2147483648" r:id="rId1"/>
   </p:sldMasterIdLst>
   <p:notesMasterIdLst>
-    <p:notesMasterId r:id="rId22"/>
+    <p:notesMasterId r:id="rId26"/>
   </p:notesMasterIdLst>
   <p:sldIdLst>
     <p:sldId id="256" r:id="rId2"/>
@@ -26,8 +26,12 @@
     <p:sldId id="270" r:id="rId17"/>
     <p:sldId id="274" r:id="rId18"/>
     <p:sldId id="275" r:id="rId19"/>
-    <p:sldId id="266" r:id="rId20"/>
-    <p:sldId id="276" r:id="rId21"/>
+    <p:sldId id="277" r:id="rId20"/>
+    <p:sldId id="278" r:id="rId21"/>
+    <p:sldId id="279" r:id="rId22"/>
+    <p:sldId id="280" r:id="rId23"/>
+    <p:sldId id="266" r:id="rId24"/>
+    <p:sldId id="276" r:id="rId25"/>
   </p:sldIdLst>
   <p:sldSz cx="12192000" cy="6858000"/>
   <p:notesSz cx="6858000" cy="9144000"/>
@@ -126,6 +130,36 @@
       </a:defRPr>
     </a:lvl9pPr>
   </p:defaultTextStyle>
+  <p:extLst>
+    <p:ext uri="{EFAFB233-063F-42B5-8137-9DF3F51BA10A}">
+      <p15:sldGuideLst xmlns:p15="http://schemas.microsoft.com/office/powerpoint/2012/main">
+        <p15:guide id="1" orient="horz" pos="2160">
+          <p15:clr>
+            <a:srgbClr val="A4A3A4"/>
+          </p15:clr>
+        </p15:guide>
+        <p15:guide id="2" pos="3840">
+          <p15:clr>
+            <a:srgbClr val="A4A3A4"/>
+          </p15:clr>
+        </p15:guide>
+      </p15:sldGuideLst>
+    </p:ext>
+    <p:ext uri="{2D200454-40CA-4A62-9FC3-DE9A4176ACB9}">
+      <p15:notesGuideLst xmlns:p15="http://schemas.microsoft.com/office/powerpoint/2012/main">
+        <p15:guide id="1" orient="horz" pos="2880">
+          <p15:clr>
+            <a:srgbClr val="A4A3A4"/>
+          </p15:clr>
+        </p15:guide>
+        <p15:guide id="2" pos="2160">
+          <p15:clr>
+            <a:srgbClr val="A4A3A4"/>
+          </p15:clr>
+        </p15:guide>
+      </p15:notesGuideLst>
+    </p:ext>
+  </p:extLst>
 </p:presentation>
 </file>
 
@@ -221,7 +255,7 @@
           <a:p>
             <a:fld id="{4C5DE0C2-A04E-4D94-8EEE-86AE11C873DF}" type="datetimeFigureOut">
               <a:rPr lang="pl-PL" smtClean="0"/>
-              <a:t>10.12.2017</a:t>
+              <a:t>11.12.2017</a:t>
             </a:fld>
             <a:endParaRPr lang="pl-PL"/>
           </a:p>
@@ -625,20 +659,16 @@
               <a:t> </a:t>
             </a:r>
             <a:r>
-              <a:rPr lang="en-GB" b="1" dirty="0" smtClean="0"/>
-              <a:t> </a:t>
-            </a:r>
-            <a:r>
-              <a:rPr lang="en-GB" dirty="0" smtClean="0"/>
+              <a:rPr lang="en-GB" b="1" dirty="0"/>
+              <a:t> </a:t>
+            </a:r>
+            <a:r>
+              <a:rPr lang="en-GB" dirty="0"/>
               <a:t>- </a:t>
             </a:r>
             <a:r>
-              <a:rPr lang="pl-PL" dirty="0" smtClean="0"/>
-              <a:t>bo </a:t>
-            </a:r>
-            <a:r>
-              <a:rPr lang="pl-PL" dirty="0"/>
-              <a:t>nie </a:t>
+              <a:rPr lang="pl-PL" dirty="0"/>
+              <a:t>bo nie </a:t>
             </a:r>
             <a:r>
               <a:rPr lang="pl-PL" dirty="0" err="1"/>
@@ -662,15 +692,7 @@
             </a:r>
             <a:r>
               <a:rPr lang="pl-PL" dirty="0"/>
-              <a:t> metoda </a:t>
-            </a:r>
-            <a:r>
-              <a:rPr lang="pl-PL" dirty="0" smtClean="0"/>
-              <a:t>dokładnie </a:t>
-            </a:r>
-            <a:r>
-              <a:rPr lang="pl-PL" dirty="0"/>
-              <a:t>w </a:t>
+              <a:t> metoda dokładnie w </a:t>
             </a:r>
             <a:r>
               <a:rPr lang="pl-PL" dirty="0" err="1"/>
@@ -736,26 +758,26 @@
               <a:rPr lang="pl-PL" dirty="0"/>
               <a:t> </a:t>
             </a:r>
-            <a:endParaRPr lang="en-GB" dirty="0" smtClean="0"/>
-          </a:p>
-          <a:p>
-            <a:endParaRPr lang="en-GB" dirty="0" smtClean="0"/>
-          </a:p>
-          <a:p>
-            <a:r>
-              <a:rPr lang="en-GB" b="1" dirty="0" err="1" smtClean="0"/>
+            <a:endParaRPr lang="en-GB" dirty="0"/>
+          </a:p>
+          <a:p>
+            <a:endParaRPr lang="en-GB" dirty="0"/>
+          </a:p>
+          <a:p>
+            <a:r>
+              <a:rPr lang="en-GB" b="1" dirty="0" err="1"/>
               <a:t>assercja</a:t>
             </a:r>
             <a:r>
-              <a:rPr lang="en-GB" b="1" dirty="0" smtClean="0"/>
-              <a:t> </a:t>
-            </a:r>
-            <a:r>
-              <a:rPr lang="en-GB" dirty="0" smtClean="0"/>
+              <a:rPr lang="en-GB" b="1" dirty="0"/>
+              <a:t> </a:t>
+            </a:r>
+            <a:r>
+              <a:rPr lang="en-GB" dirty="0"/>
               <a:t>- </a:t>
             </a:r>
             <a:r>
-              <a:rPr lang="pl-PL" dirty="0" smtClean="0"/>
+              <a:rPr lang="pl-PL" dirty="0"/>
               <a:t>jak </a:t>
             </a:r>
             <a:r>
@@ -788,19 +810,7 @@
             </a:r>
             <a:r>
               <a:rPr lang="pl-PL" dirty="0"/>
-              <a:t> czy tylko to </a:t>
-            </a:r>
-            <a:r>
-              <a:rPr lang="pl-PL" dirty="0" smtClean="0"/>
-              <a:t>jedno </a:t>
-            </a:r>
-            <a:r>
-              <a:rPr lang="pl-PL" dirty="0"/>
-              <a:t>czy </a:t>
-            </a:r>
-            <a:r>
-              <a:rPr lang="pl-PL" dirty="0" smtClean="0"/>
-              <a:t>wszystkie </a:t>
+              <a:t> czy tylko to jedno czy wszystkie </a:t>
             </a:r>
             <a:r>
               <a:rPr lang="pl-PL" dirty="0" err="1"/>
@@ -904,16 +914,12 @@
               <a:t>-  </a:t>
             </a:r>
             <a:r>
-              <a:rPr lang="en-GB" b="1" dirty="0" smtClean="0"/>
+              <a:rPr lang="en-GB" b="1" dirty="0"/>
               <a:t>Inline </a:t>
             </a:r>
             <a:r>
-              <a:rPr lang="pl-PL" dirty="0" smtClean="0"/>
-              <a:t>- </a:t>
-            </a:r>
-            <a:r>
-              <a:rPr lang="pl-PL" dirty="0"/>
-              <a:t>nie powinno </a:t>
+              <a:rPr lang="pl-PL" dirty="0"/>
+              <a:t>- nie powinno </a:t>
             </a:r>
             <a:r>
               <a:rPr lang="pl-PL" dirty="0" err="1"/>
@@ -955,12 +961,8 @@
               <a:rPr lang="pl-PL" dirty="0"/>
               <a:t> </a:t>
             </a:r>
-            <a:r>
-              <a:rPr lang="en-GB" dirty="0" smtClean="0"/>
-              <a:t/>
-            </a:r>
             <a:br>
-              <a:rPr lang="en-GB" dirty="0" smtClean="0"/>
+              <a:rPr lang="en-GB" dirty="0"/>
             </a:br>
             <a:endParaRPr lang="pl-PL" dirty="0"/>
           </a:p>
@@ -970,15 +972,15 @@
               <a:t>-  </a:t>
             </a:r>
             <a:r>
-              <a:rPr lang="en-GB" b="1" dirty="0" err="1" smtClean="0"/>
+              <a:rPr lang="en-GB" b="1" dirty="0" err="1"/>
               <a:t>LocalDate</a:t>
             </a:r>
             <a:r>
-              <a:rPr lang="en-GB" b="1" dirty="0" smtClean="0"/>
-              <a:t> </a:t>
-            </a:r>
-            <a:r>
-              <a:rPr lang="pl-PL" dirty="0" smtClean="0"/>
+              <a:rPr lang="en-GB" b="1" dirty="0"/>
+              <a:t> </a:t>
+            </a:r>
+            <a:r>
+              <a:rPr lang="pl-PL" dirty="0"/>
               <a:t>- </a:t>
             </a:r>
             <a:r>
@@ -1111,24 +1113,16 @@
               <a:t>-  </a:t>
             </a:r>
             <a:r>
-              <a:rPr lang="en-GB" b="1" dirty="0" err="1" smtClean="0"/>
+              <a:rPr lang="en-GB" b="1" dirty="0" err="1"/>
               <a:t>Pliki</a:t>
             </a:r>
             <a:r>
-              <a:rPr lang="en-GB" dirty="0" smtClean="0"/>
-              <a:t> </a:t>
-            </a:r>
-            <a:r>
-              <a:rPr lang="pl-PL" dirty="0" smtClean="0"/>
-              <a:t>- nie </a:t>
-            </a:r>
-            <a:r>
-              <a:rPr lang="pl-PL" dirty="0"/>
-              <a:t>powinno </a:t>
-            </a:r>
-            <a:r>
-              <a:rPr lang="pl-PL" dirty="0" smtClean="0"/>
-              <a:t>być </a:t>
+              <a:rPr lang="en-GB" dirty="0"/>
+              <a:t> </a:t>
+            </a:r>
+            <a:r>
+              <a:rPr lang="pl-PL" dirty="0"/>
+              <a:t>- nie powinno być </a:t>
             </a:r>
             <a:r>
               <a:rPr lang="pl-PL" dirty="0" err="1"/>
@@ -1140,28 +1134,20 @@
             </a:r>
           </a:p>
           <a:p>
-            <a:r>
-              <a:rPr lang="en-GB" dirty="0" smtClean="0"/>
-              <a:t/>
-            </a:r>
             <a:br>
-              <a:rPr lang="en-GB" dirty="0" smtClean="0"/>
+              <a:rPr lang="en-GB" dirty="0"/>
             </a:br>
             <a:r>
-              <a:rPr lang="pl-PL" dirty="0" smtClean="0"/>
+              <a:rPr lang="pl-PL" dirty="0"/>
               <a:t>-  </a:t>
             </a:r>
             <a:r>
-              <a:rPr lang="en-GB" b="1" dirty="0" smtClean="0"/>
+              <a:rPr lang="en-GB" b="1" dirty="0"/>
               <a:t>Mock </a:t>
             </a:r>
             <a:r>
-              <a:rPr lang="pl-PL" dirty="0" smtClean="0"/>
-              <a:t>- </a:t>
-            </a:r>
-            <a:r>
-              <a:rPr lang="pl-PL" dirty="0"/>
-              <a:t>to tez mocno spowolnia test tutaj tez </a:t>
+              <a:rPr lang="pl-PL" dirty="0"/>
+              <a:t>- to tez mocno spowolnia test tutaj tez </a:t>
             </a:r>
             <a:r>
               <a:rPr lang="pl-PL" dirty="0" err="1"/>
@@ -1185,11 +1171,7 @@
             </a:r>
             <a:r>
               <a:rPr lang="pl-PL" dirty="0"/>
-              <a:t> SRP to nie </a:t>
-            </a:r>
-            <a:r>
-              <a:rPr lang="pl-PL" dirty="0" smtClean="0"/>
-              <a:t>trzeba </a:t>
+              <a:t> SRP to nie trzeba </a:t>
             </a:r>
             <a:r>
               <a:rPr lang="pl-PL" dirty="0" err="1"/>
@@ -1214,43 +1196,27 @@
             <a:endParaRPr lang="pl-PL" dirty="0"/>
           </a:p>
           <a:p>
-            <a:r>
-              <a:rPr lang="en-GB" dirty="0" smtClean="0"/>
-              <a:t/>
-            </a:r>
             <a:br>
-              <a:rPr lang="en-GB" dirty="0" smtClean="0"/>
+              <a:rPr lang="en-GB" dirty="0"/>
             </a:br>
             <a:r>
-              <a:rPr lang="pl-PL" dirty="0" smtClean="0"/>
+              <a:rPr lang="pl-PL" dirty="0"/>
               <a:t>-</a:t>
             </a:r>
             <a:r>
-              <a:rPr lang="en-GB" dirty="0" smtClean="0"/>
-              <a:t> </a:t>
-            </a:r>
-            <a:r>
-              <a:rPr lang="en-GB" b="1" dirty="0" smtClean="0"/>
+              <a:rPr lang="en-GB" dirty="0"/>
+              <a:t> </a:t>
+            </a:r>
+            <a:r>
+              <a:rPr lang="en-GB" b="1" dirty="0"/>
               <a:t>Ignore</a:t>
             </a:r>
             <a:r>
-              <a:rPr lang="pl-PL" dirty="0" smtClean="0"/>
-              <a:t>- </a:t>
-            </a:r>
-            <a:r>
-              <a:rPr lang="pl-PL" dirty="0"/>
-              <a:t>mamy to w gicie </a:t>
-            </a:r>
-            <a:r>
-              <a:rPr lang="pl-PL" dirty="0" smtClean="0"/>
-              <a:t>przecież </a:t>
-            </a:r>
-            <a:r>
-              <a:rPr lang="en-GB" dirty="0" smtClean="0"/>
-              <a:t/>
+              <a:rPr lang="pl-PL" dirty="0"/>
+              <a:t>- mamy to w gicie przecież </a:t>
             </a:r>
             <a:br>
-              <a:rPr lang="en-GB" dirty="0" smtClean="0"/>
+              <a:rPr lang="en-GB" dirty="0"/>
             </a:br>
             <a:endParaRPr lang="en-GB" dirty="0"/>
           </a:p>
@@ -1421,83 +1387,67 @@
           <a:lstStyle/>
           <a:p>
             <a:r>
-              <a:rPr lang="pl-PL" b="1" dirty="0" smtClean="0"/>
-              <a:t>bazy </a:t>
-            </a:r>
-            <a:r>
               <a:rPr lang="pl-PL" b="1" dirty="0"/>
-              <a:t>danych </a:t>
-            </a:r>
-            <a:r>
-              <a:rPr lang="pl-PL" dirty="0"/>
-              <a:t>(o ile nie </a:t>
-            </a:r>
-            <a:r>
-              <a:rPr lang="pl-PL" dirty="0" smtClean="0"/>
-              <a:t>używamy pamięciowej </a:t>
-            </a:r>
-            <a:r>
-              <a:rPr lang="pl-PL" dirty="0"/>
-              <a:t>bazy danych - ta jest najlepsza np. H2, </a:t>
+              <a:t>bazy danych </a:t>
+            </a:r>
+            <a:r>
+              <a:rPr lang="pl-PL" dirty="0"/>
+              <a:t>(o ile nie używamy pamięciowej bazy danych - ta jest najlepsza np. H2, </a:t>
             </a:r>
             <a:r>
               <a:rPr lang="pl-PL" dirty="0" err="1"/>
               <a:t>hsql</a:t>
             </a:r>
             <a:r>
-              <a:rPr lang="pl-PL" dirty="0" smtClean="0"/>
+              <a:rPr lang="pl-PL" dirty="0"/>
               <a:t>)</a:t>
             </a:r>
             <a:endParaRPr lang="en-GB" dirty="0"/>
           </a:p>
           <a:p>
-            <a:endParaRPr lang="en-GB" dirty="0" smtClean="0"/>
-          </a:p>
-          <a:p>
-            <a:r>
-              <a:rPr lang="en-GB" b="1" dirty="0" err="1" smtClean="0"/>
+            <a:endParaRPr lang="en-GB" dirty="0"/>
+          </a:p>
+          <a:p>
+            <a:r>
+              <a:rPr lang="en-GB" b="1" dirty="0" err="1"/>
               <a:t>Srodowisko</a:t>
             </a:r>
             <a:r>
-              <a:rPr lang="en-GB" b="1" dirty="0" smtClean="0"/>
-              <a:t> </a:t>
-            </a:r>
-            <a:r>
-              <a:rPr lang="en-GB" dirty="0" smtClean="0"/>
+              <a:rPr lang="en-GB" b="1" dirty="0"/>
+              <a:t> </a:t>
+            </a:r>
+            <a:r>
+              <a:rPr lang="en-GB" dirty="0"/>
               <a:t>- </a:t>
             </a:r>
             <a:r>
-              <a:rPr lang="pl-PL" dirty="0" smtClean="0"/>
-              <a:t>zabezpieczenie się </a:t>
-            </a:r>
-            <a:r>
-              <a:rPr lang="pl-PL" dirty="0"/>
-              <a:t>przed u mnie działa </a:t>
-            </a:r>
-            <a:endParaRPr lang="en-GB" dirty="0" smtClean="0"/>
-          </a:p>
-          <a:p>
+              <a:rPr lang="pl-PL" dirty="0"/>
+              <a:t>zabezpieczenie się przed u mnie działa </a:t>
+            </a:r>
             <a:endParaRPr lang="en-GB" dirty="0"/>
           </a:p>
           <a:p>
-            <a:r>
-              <a:rPr lang="en-GB" b="1" dirty="0" err="1" smtClean="0"/>
+            <a:endParaRPr lang="en-GB" dirty="0"/>
+          </a:p>
+          <a:p>
+            <a:r>
+              <a:rPr lang="en-GB" b="1" dirty="0" err="1"/>
               <a:t>Hierarchia</a:t>
             </a:r>
             <a:r>
-              <a:rPr lang="en-GB" b="1" dirty="0" smtClean="0"/>
-              <a:t> </a:t>
-            </a:r>
-            <a:r>
-              <a:rPr lang="en-GB" dirty="0" smtClean="0"/>
+              <a:rPr lang="en-GB" b="1" dirty="0"/>
+              <a:t> </a:t>
+            </a:r>
+            <a:r>
+              <a:rPr lang="en-GB" dirty="0"/>
               <a:t>- </a:t>
             </a:r>
             <a:r>
-              <a:rPr lang="pl-PL" dirty="0" err="1" smtClean="0"/>
+              <a:rPr lang="pl-PL" dirty="0" err="1"/>
               <a:t>ciezko</a:t>
             </a:r>
             <a:r>
-              <a:rPr lang="pl-PL" dirty="0" smtClean="0"/>
+              <a:rPr lang="pl-PL" dirty="0"/>
               <a:t> </a:t>
             </a:r>
             <a:r>
@@ -1517,38 +1467,26 @@
               <a:t> czyta unikamy </a:t>
             </a:r>
             <a:r>
-              <a:rPr lang="pl-PL" dirty="0" err="1" smtClean="0"/>
+              <a:rPr lang="pl-PL" dirty="0" err="1"/>
               <a:t>acstractCos</a:t>
             </a:r>
-            <a:endParaRPr lang="en-GB" dirty="0" smtClean="0"/>
-          </a:p>
-          <a:p>
             <a:endParaRPr lang="en-GB" dirty="0"/>
           </a:p>
           <a:p>
-            <a:r>
-              <a:rPr lang="en-GB" b="1" dirty="0" smtClean="0"/>
+            <a:endParaRPr lang="en-GB" dirty="0"/>
+          </a:p>
+          <a:p>
+            <a:r>
+              <a:rPr lang="en-GB" b="1" dirty="0"/>
               <a:t>Equals</a:t>
             </a:r>
             <a:r>
-              <a:rPr lang="en-GB" dirty="0" smtClean="0"/>
-              <a:t> </a:t>
-            </a:r>
-            <a:r>
-              <a:rPr lang="pl-PL" dirty="0" smtClean="0"/>
-              <a:t>- porównanie </a:t>
-            </a:r>
-            <a:r>
-              <a:rPr lang="pl-PL" dirty="0"/>
-              <a:t>co do </a:t>
-            </a:r>
-            <a:r>
-              <a:rPr lang="pl-PL" dirty="0" smtClean="0"/>
-              <a:t>milisekundy </a:t>
-            </a:r>
-            <a:r>
-              <a:rPr lang="pl-PL" dirty="0"/>
-              <a:t>czyli </a:t>
+              <a:rPr lang="en-GB" dirty="0"/>
+              <a:t> </a:t>
+            </a:r>
+            <a:r>
+              <a:rPr lang="pl-PL" dirty="0"/>
+              <a:t>- porównanie co do milisekundy czyli </a:t>
             </a:r>
             <a:r>
               <a:rPr lang="pl-PL" dirty="0" err="1"/>
@@ -1556,31 +1494,7 @@
             </a:r>
             <a:r>
               <a:rPr lang="pl-PL" dirty="0"/>
-              <a:t> </a:t>
-            </a:r>
-            <a:r>
-              <a:rPr lang="pl-PL" dirty="0" smtClean="0"/>
-              <a:t>może być </a:t>
-            </a:r>
-            <a:r>
-              <a:rPr lang="pl-PL" dirty="0"/>
-              <a:t>zawodne bo </a:t>
-            </a:r>
-            <a:r>
-              <a:rPr lang="pl-PL" dirty="0" smtClean="0"/>
-              <a:t>porównywanie </a:t>
-            </a:r>
-            <a:r>
-              <a:rPr lang="pl-PL" dirty="0"/>
-              <a:t>bo jak </a:t>
-            </a:r>
-            <a:r>
-              <a:rPr lang="pl-PL" dirty="0" smtClean="0"/>
-              <a:t>stworzymy </a:t>
-            </a:r>
-            <a:r>
-              <a:rPr lang="pl-PL" dirty="0"/>
-              <a:t>dwa razy </a:t>
+              <a:t> może być zawodne bo porównywanie bo jak stworzymy dwa razy </a:t>
             </a:r>
             <a:r>
               <a:rPr lang="pl-PL" dirty="0" err="1"/>
@@ -1596,31 +1510,7 @@
             </a:r>
             <a:r>
               <a:rPr lang="pl-PL" dirty="0"/>
-              <a:t>(0 to w jednostkowym </a:t>
-            </a:r>
-            <a:r>
-              <a:rPr lang="pl-PL" dirty="0" smtClean="0"/>
-              <a:t>może działać </a:t>
-            </a:r>
-            <a:r>
-              <a:rPr lang="pl-PL" dirty="0"/>
-              <a:t>ale integracyjne gdy to </a:t>
-            </a:r>
-            <a:r>
-              <a:rPr lang="pl-PL" dirty="0" smtClean="0"/>
-              <a:t>działa </a:t>
-            </a:r>
-            <a:r>
-              <a:rPr lang="pl-PL" dirty="0"/>
-              <a:t>na wolnej maszynie </a:t>
-            </a:r>
-            <a:r>
-              <a:rPr lang="pl-PL" dirty="0" smtClean="0"/>
-              <a:t>już </a:t>
-            </a:r>
-            <a:r>
-              <a:rPr lang="pl-PL" dirty="0"/>
-              <a:t>nie </a:t>
+              <a:t>(0 to w jednostkowym może działać ale integracyjne gdy to działa na wolnej maszynie już nie </a:t>
             </a:r>
             <a:endParaRPr lang="en-GB" dirty="0"/>
           </a:p>
@@ -1808,27 +1698,15 @@
             </a:r>
             <a:r>
               <a:rPr lang="pl-PL" b="1" dirty="0"/>
-              <a:t> </a:t>
-            </a:r>
-            <a:r>
-              <a:rPr lang="pl-PL" b="1" dirty="0" smtClean="0"/>
-              <a:t>Spock</a:t>
-            </a:r>
-            <a:r>
-              <a:rPr lang="en-GB" dirty="0"/>
-              <a:t> </a:t>
-            </a:r>
-            <a:r>
-              <a:rPr lang="en-GB" dirty="0" smtClean="0"/>
-              <a:t>-</a:t>
-            </a:r>
-            <a:r>
-              <a:rPr lang="pl-PL" dirty="0" smtClean="0"/>
-              <a:t> </a:t>
-            </a:r>
-            <a:r>
-              <a:rPr lang="pl-PL" dirty="0"/>
-              <a:t>do </a:t>
+              <a:t> Spock</a:t>
+            </a:r>
+            <a:r>
+              <a:rPr lang="en-GB" dirty="0"/>
+              <a:t> -</a:t>
+            </a:r>
+            <a:r>
+              <a:rPr lang="pl-PL" dirty="0"/>
+              <a:t> do </a:t>
             </a:r>
             <a:r>
               <a:rPr lang="pl-PL" dirty="0" err="1"/>
@@ -1887,34 +1765,26 @@
           </a:p>
           <a:p>
             <a:r>
-              <a:rPr lang="pl-PL" dirty="0" smtClean="0"/>
+              <a:rPr lang="pl-PL" dirty="0"/>
               <a:t>- </a:t>
             </a:r>
             <a:r>
-              <a:rPr lang="pl-PL" b="1" dirty="0" err="1" smtClean="0"/>
+              <a:rPr lang="pl-PL" b="1" dirty="0" err="1"/>
               <a:t>Pitest</a:t>
             </a:r>
             <a:r>
-              <a:rPr lang="pl-PL" b="1" dirty="0" smtClean="0"/>
-              <a:t> </a:t>
-            </a:r>
-            <a:r>
-              <a:rPr lang="pl-PL" dirty="0"/>
-              <a:t>-&gt; testy mutacyjne do </a:t>
-            </a:r>
-            <a:r>
-              <a:rPr lang="pl-PL" dirty="0" smtClean="0"/>
-              <a:t>testów </a:t>
-            </a:r>
-            <a:r>
-              <a:rPr lang="pl-PL" dirty="0"/>
-              <a:t>jednostkowych </a:t>
+              <a:rPr lang="pl-PL" b="1" dirty="0"/>
+              <a:t> </a:t>
+            </a:r>
+            <a:r>
+              <a:rPr lang="pl-PL" dirty="0"/>
+              <a:t>-&gt; testy mutacyjne do testów jednostkowych </a:t>
             </a:r>
             <a:endParaRPr lang="en-GB" dirty="0"/>
           </a:p>
           <a:p>
             <a:r>
-              <a:rPr lang="pl-PL" dirty="0" smtClean="0"/>
+              <a:rPr lang="pl-PL" dirty="0"/>
               <a:t>- </a:t>
             </a:r>
             <a:r>
@@ -1935,15 +1805,7 @@
             </a:r>
             <a:r>
               <a:rPr lang="pl-PL" dirty="0"/>
-              <a:t>-&gt; </a:t>
-            </a:r>
-            <a:r>
-              <a:rPr lang="pl-PL" dirty="0" smtClean="0"/>
-              <a:t>jeżeli </a:t>
-            </a:r>
-            <a:r>
-              <a:rPr lang="pl-PL" dirty="0"/>
-              <a:t>w firmie jest mocny kontakt z biznesowymi osobami i korzystacie z </a:t>
+              <a:t>-&gt; jeżeli w firmie jest mocny kontakt z biznesowymi osobami i korzystacie z </a:t>
             </a:r>
             <a:r>
               <a:rPr lang="pl-PL" dirty="0" err="1"/>
@@ -1965,11 +1827,7 @@
             </a:r>
             <a:r>
               <a:rPr lang="pl-PL" dirty="0"/>
-              <a:t> </a:t>
-            </a:r>
-            <a:r>
-              <a:rPr lang="pl-PL" dirty="0" smtClean="0"/>
-              <a:t>-&gt; </a:t>
+              <a:t> -&gt; </a:t>
             </a:r>
             <a:r>
               <a:rPr lang="pl-PL" dirty="0" err="1"/>
@@ -1977,13 +1835,8 @@
             </a:r>
             <a:r>
               <a:rPr lang="pl-PL" dirty="0"/>
-              <a:t> (biblioteka która daje serwer mailowy no i </a:t>
-            </a:r>
-            <a:r>
-              <a:rPr lang="pl-PL" dirty="0" smtClean="0"/>
-              <a:t>skrzynkę)</a:t>
-            </a:r>
-            <a:endParaRPr lang="pl-PL" dirty="0"/>
+              <a:t> (biblioteka która daje serwer mailowy no i skrzynkę)</a:t>
+            </a:r>
           </a:p>
           <a:p>
             <a:r>
@@ -1999,16 +1852,12 @@
               <a:t> </a:t>
             </a:r>
             <a:r>
-              <a:rPr lang="en-GB" dirty="0" smtClean="0"/>
-              <a:t> </a:t>
-            </a:r>
-            <a:r>
-              <a:rPr lang="pl-PL" dirty="0" smtClean="0"/>
-              <a:t>-&gt; </a:t>
-            </a:r>
-            <a:r>
-              <a:rPr lang="pl-PL" dirty="0"/>
-              <a:t>FTP </a:t>
+              <a:rPr lang="en-GB" dirty="0"/>
+              <a:t> </a:t>
+            </a:r>
+            <a:r>
+              <a:rPr lang="pl-PL" dirty="0"/>
+              <a:t>-&gt; FTP </a:t>
             </a:r>
           </a:p>
           <a:p>
@@ -2017,7 +1866,7 @@
               <a:t>- </a:t>
             </a:r>
             <a:r>
-              <a:rPr lang="pl-PL" b="1" dirty="0" err="1" smtClean="0"/>
+              <a:rPr lang="pl-PL" b="1" dirty="0" err="1"/>
               <a:t>okhttp</a:t>
             </a:r>
             <a:r>
@@ -2033,11 +1882,11 @@
               <a:t> -&gt; </a:t>
             </a:r>
             <a:r>
-              <a:rPr lang="en-GB" dirty="0" smtClean="0"/>
-              <a:t> </a:t>
-            </a:r>
-            <a:r>
-              <a:rPr lang="pl-PL" dirty="0" smtClean="0"/>
+              <a:rPr lang="en-GB" dirty="0"/>
+              <a:t> </a:t>
+            </a:r>
+            <a:r>
+              <a:rPr lang="pl-PL" dirty="0"/>
               <a:t>HTTP (</a:t>
             </a:r>
             <a:r>
@@ -2054,13 +1903,8 @@
             </a:r>
             <a:r>
               <a:rPr lang="pl-PL" dirty="0"/>
-              <a:t> </a:t>
-            </a:r>
-            <a:r>
-              <a:rPr lang="pl-PL" dirty="0" smtClean="0"/>
-              <a:t>dwóch kontekstów )</a:t>
-            </a:r>
-            <a:endParaRPr lang="pl-PL" dirty="0"/>
+              <a:t> dwóch kontekstów )</a:t>
+            </a:r>
           </a:p>
         </p:txBody>
       </p:sp>
@@ -2091,6 +1935,90 @@
     <p:extLst>
       <p:ext uri="{BB962C8B-B14F-4D97-AF65-F5344CB8AC3E}">
         <p14:creationId xmlns:p14="http://schemas.microsoft.com/office/powerpoint/2010/main" val="1942969792"/>
+      </p:ext>
+    </p:extLst>
+  </p:cSld>
+  <p:clrMapOvr>
+    <a:masterClrMapping/>
+  </p:clrMapOvr>
+</p:notes>
+</file>
+
+<file path=ppt/notesSlides/notesSlide16.xml><?xml version="1.0" encoding="utf-8"?>
+<p:notes xmlns:a="http://schemas.openxmlformats.org/drawingml/2006/main" xmlns:r="http://schemas.openxmlformats.org/officeDocument/2006/relationships" xmlns:p="http://schemas.openxmlformats.org/presentationml/2006/main">
+  <p:cSld>
+    <p:spTree>
+      <p:nvGrpSpPr>
+        <p:cNvPr id="1" name=""/>
+        <p:cNvGrpSpPr/>
+        <p:nvPr/>
+      </p:nvGrpSpPr>
+      <p:grpSpPr>
+        <a:xfrm>
+          <a:off x="0" y="0"/>
+          <a:ext cx="0" cy="0"/>
+          <a:chOff x="0" y="0"/>
+          <a:chExt cx="0" cy="0"/>
+        </a:xfrm>
+      </p:grpSpPr>
+      <p:sp>
+        <p:nvSpPr>
+          <p:cNvPr id="2" name="Symbol zastępczy obrazu slajdu 1"/>
+          <p:cNvSpPr>
+            <a:spLocks noGrp="1" noRot="1" noChangeAspect="1"/>
+          </p:cNvSpPr>
+          <p:nvPr>
+            <p:ph type="sldImg"/>
+          </p:nvPr>
+        </p:nvSpPr>
+        <p:spPr/>
+      </p:sp>
+      <p:sp>
+        <p:nvSpPr>
+          <p:cNvPr id="3" name="Symbol zastępczy notatek 2"/>
+          <p:cNvSpPr>
+            <a:spLocks noGrp="1"/>
+          </p:cNvSpPr>
+          <p:nvPr>
+            <p:ph type="body" idx="1"/>
+          </p:nvPr>
+        </p:nvSpPr>
+        <p:spPr/>
+        <p:txBody>
+          <a:bodyPr/>
+          <a:lstStyle/>
+          <a:p>
+            <a:endParaRPr lang="pl-PL" dirty="0"/>
+          </a:p>
+        </p:txBody>
+      </p:sp>
+      <p:sp>
+        <p:nvSpPr>
+          <p:cNvPr id="4" name="Symbol zastępczy numeru slajdu 3"/>
+          <p:cNvSpPr>
+            <a:spLocks noGrp="1"/>
+          </p:cNvSpPr>
+          <p:nvPr>
+            <p:ph type="sldNum" sz="quarter" idx="10"/>
+          </p:nvPr>
+        </p:nvSpPr>
+        <p:spPr/>
+        <p:txBody>
+          <a:bodyPr/>
+          <a:lstStyle/>
+          <a:p>
+            <a:fld id="{DB7B9A66-6EA2-4307-B8FA-D70830600775}" type="slidenum">
+              <a:rPr lang="pl-PL" smtClean="0"/>
+              <a:t>21</a:t>
+            </a:fld>
+            <a:endParaRPr lang="pl-PL"/>
+          </a:p>
+        </p:txBody>
+      </p:sp>
+    </p:spTree>
+    <p:extLst>
+      <p:ext uri="{BB962C8B-B14F-4D97-AF65-F5344CB8AC3E}">
+        <p14:creationId xmlns:p14="http://schemas.microsoft.com/office/powerpoint/2010/main" val="2281036580"/>
       </p:ext>
     </p:extLst>
   </p:cSld>
@@ -2150,30 +2078,26 @@
           <a:lstStyle/>
           <a:p>
             <a:r>
-              <a:rPr lang="pl-PL" sz="1000" b="1" dirty="0" smtClean="0"/>
+              <a:rPr lang="pl-PL" sz="1000" b="1" dirty="0"/>
               <a:t>Funkcjonalne</a:t>
             </a:r>
             <a:r>
-              <a:rPr lang="en-GB" sz="1000" b="1" dirty="0" smtClean="0"/>
-              <a:t> </a:t>
-            </a:r>
-            <a:r>
-              <a:rPr lang="en-GB" sz="1000" dirty="0" smtClean="0"/>
-              <a:t/>
+              <a:rPr lang="en-GB" sz="1000" b="1" dirty="0"/>
+              <a:t> </a:t>
             </a:r>
             <a:br>
-              <a:rPr lang="en-GB" sz="1000" dirty="0" smtClean="0"/>
+              <a:rPr lang="en-GB" sz="1000" dirty="0"/>
             </a:br>
             <a:r>
-              <a:rPr lang="en-GB" sz="1000" dirty="0" smtClean="0"/>
+              <a:rPr lang="en-GB" sz="1000" dirty="0"/>
               <a:t>- </a:t>
             </a:r>
             <a:r>
-              <a:rPr lang="en-GB" sz="1000" dirty="0" err="1" smtClean="0"/>
+              <a:rPr lang="en-GB" sz="1000" dirty="0" err="1"/>
               <a:t>weryfikacja</a:t>
             </a:r>
             <a:r>
-              <a:rPr lang="en-GB" sz="1000" dirty="0" smtClean="0"/>
+              <a:rPr lang="en-GB" sz="1000" dirty="0"/>
               <a:t> </a:t>
             </a:r>
             <a:r>
@@ -2185,169 +2109,121 @@
               <a:t> </a:t>
             </a:r>
             <a:r>
-              <a:rPr lang="en-GB" sz="1000" dirty="0" err="1" smtClean="0"/>
+              <a:rPr lang="en-GB" sz="1000" dirty="0" err="1"/>
               <a:t>funkcjonalnych</a:t>
             </a:r>
-            <a:r>
-              <a:rPr lang="en-GB" sz="1000" dirty="0" smtClean="0"/>
-              <a:t/>
-            </a:r>
             <a:br>
-              <a:rPr lang="en-GB" sz="1000" dirty="0" smtClean="0"/>
-            </a:br>
-            <a:r>
-              <a:rPr lang="en-GB" sz="1000" dirty="0" smtClean="0"/>
-              <a:t>- </a:t>
-            </a:r>
-            <a:r>
-              <a:rPr lang="pl-PL" sz="1000" dirty="0" smtClean="0"/>
-              <a:t>sprawdzają </a:t>
-            </a:r>
-            <a:r>
-              <a:rPr lang="pl-PL" sz="1000" dirty="0"/>
-              <a:t>“co” dany moduł </a:t>
-            </a:r>
-            <a:r>
-              <a:rPr lang="pl-PL" sz="1000" dirty="0" smtClean="0"/>
-              <a:t>robi</a:t>
-            </a:r>
-            <a:r>
-              <a:rPr lang="en-GB" sz="1000" dirty="0" smtClean="0"/>
-              <a:t/>
-            </a:r>
-            <a:br>
-              <a:rPr lang="en-GB" sz="1000" dirty="0" smtClean="0"/>
-            </a:br>
-            <a:r>
-              <a:rPr lang="en-GB" sz="1000" dirty="0" smtClean="0"/>
-              <a:t>- w</a:t>
-            </a:r>
-            <a:r>
-              <a:rPr lang="pl-PL" sz="1000" dirty="0" err="1" smtClean="0"/>
-              <a:t>ykorzystuj</a:t>
-            </a:r>
-            <a:r>
-              <a:rPr lang="en-GB" sz="1000" dirty="0" smtClean="0"/>
-              <a:t>ą</a:t>
-            </a:r>
-            <a:r>
-              <a:rPr lang="pl-PL" sz="1000" dirty="0" smtClean="0"/>
-              <a:t> techniki czarnoskrzynkowe (</a:t>
-            </a:r>
-            <a:r>
-              <a:rPr lang="en-GB" sz="1000" dirty="0" err="1" smtClean="0"/>
-              <a:t>przy</a:t>
-            </a:r>
-            <a:r>
-              <a:rPr lang="en-GB" sz="1000" dirty="0" smtClean="0"/>
-              <a:t> </a:t>
-            </a:r>
-            <a:r>
-              <a:rPr lang="en-GB" sz="1000" dirty="0" err="1" smtClean="0"/>
-              <a:t>projektowaniu</a:t>
-            </a:r>
-            <a:r>
-              <a:rPr lang="en-GB" sz="1000" dirty="0" smtClean="0"/>
-              <a:t> </a:t>
-            </a:r>
-            <a:r>
-              <a:rPr lang="en-GB" sz="1000" dirty="0" err="1" smtClean="0"/>
-              <a:t>testów</a:t>
-            </a:r>
-            <a:r>
-              <a:rPr lang="en-GB" sz="1000" dirty="0" smtClean="0"/>
-              <a:t> </a:t>
-            </a:r>
-            <a:r>
-              <a:rPr lang="pl-PL" sz="1000" dirty="0" smtClean="0"/>
-              <a:t>bazuj</a:t>
-            </a:r>
-            <a:r>
-              <a:rPr lang="en-GB" sz="1000" dirty="0" smtClean="0"/>
-              <a:t>e </a:t>
-            </a:r>
-            <a:r>
-              <a:rPr lang="en-GB" sz="1000" dirty="0" err="1" smtClean="0"/>
-              <a:t>się</a:t>
-            </a:r>
-            <a:r>
-              <a:rPr lang="pl-PL" sz="1000" dirty="0" smtClean="0"/>
-              <a:t> na specyfikacji, bez wnikania w kod programu).</a:t>
-            </a:r>
-            <a:endParaRPr lang="en-GB" sz="1000" dirty="0" smtClean="0"/>
-          </a:p>
-          <a:p>
-            <a:endParaRPr lang="pl-PL" sz="1000" dirty="0" smtClean="0"/>
-          </a:p>
-          <a:p>
-            <a:r>
-              <a:rPr lang="pl-PL" sz="1000" b="1" dirty="0" smtClean="0"/>
-              <a:t>Niefunkcjonalne</a:t>
-            </a:r>
-            <a:r>
-              <a:rPr lang="en-GB" sz="1000" b="1" dirty="0" smtClean="0"/>
-              <a:t> :</a:t>
-            </a:r>
-            <a:r>
-              <a:rPr lang="en-GB" sz="1000" dirty="0" smtClean="0"/>
-              <a:t/>
-            </a:r>
-            <a:br>
-              <a:rPr lang="en-GB" sz="1000" dirty="0" smtClean="0"/>
+              <a:rPr lang="en-GB" sz="1000" dirty="0"/>
             </a:br>
             <a:r>
               <a:rPr lang="en-GB" sz="1000" dirty="0"/>
               <a:t>- </a:t>
             </a:r>
             <a:r>
-              <a:rPr lang="pl-PL" sz="1000" dirty="0" smtClean="0"/>
-              <a:t>sprawdzanie </a:t>
-            </a:r>
-            <a:r>
               <a:rPr lang="pl-PL" sz="1000" dirty="0"/>
-              <a:t>“jak” działają dane </a:t>
-            </a:r>
-            <a:r>
-              <a:rPr lang="pl-PL" sz="1000" dirty="0" smtClean="0"/>
-              <a:t>komponenty</a:t>
-            </a:r>
-            <a:r>
-              <a:rPr lang="en-GB" sz="1000" dirty="0" smtClean="0"/>
-              <a:t/>
+              <a:t>sprawdzają “co” dany moduł robi</a:t>
             </a:r>
             <a:br>
-              <a:rPr lang="en-GB" sz="1000" dirty="0" smtClean="0"/>
+              <a:rPr lang="en-GB" sz="1000" dirty="0"/>
+            </a:br>
+            <a:r>
+              <a:rPr lang="en-GB" sz="1000" dirty="0"/>
+              <a:t>- w</a:t>
+            </a:r>
+            <a:r>
+              <a:rPr lang="pl-PL" sz="1000" dirty="0" err="1"/>
+              <a:t>ykorzystuj</a:t>
+            </a:r>
+            <a:r>
+              <a:rPr lang="en-GB" sz="1000" dirty="0"/>
+              <a:t>ą</a:t>
+            </a:r>
+            <a:r>
+              <a:rPr lang="pl-PL" sz="1000" dirty="0"/>
+              <a:t> techniki czarnoskrzynkowe (</a:t>
+            </a:r>
+            <a:r>
+              <a:rPr lang="en-GB" sz="1000" dirty="0" err="1"/>
+              <a:t>przy</a:t>
+            </a:r>
+            <a:r>
+              <a:rPr lang="en-GB" sz="1000" dirty="0"/>
+              <a:t> </a:t>
+            </a:r>
+            <a:r>
+              <a:rPr lang="en-GB" sz="1000" dirty="0" err="1"/>
+              <a:t>projektowaniu</a:t>
+            </a:r>
+            <a:r>
+              <a:rPr lang="en-GB" sz="1000" dirty="0"/>
+              <a:t> </a:t>
+            </a:r>
+            <a:r>
+              <a:rPr lang="en-GB" sz="1000" dirty="0" err="1"/>
+              <a:t>testów</a:t>
+            </a:r>
+            <a:r>
+              <a:rPr lang="en-GB" sz="1000" dirty="0"/>
+              <a:t> </a:t>
+            </a:r>
+            <a:r>
+              <a:rPr lang="pl-PL" sz="1000" dirty="0"/>
+              <a:t>bazuj</a:t>
+            </a:r>
+            <a:r>
+              <a:rPr lang="en-GB" sz="1000" dirty="0"/>
+              <a:t>e </a:t>
+            </a:r>
+            <a:r>
+              <a:rPr lang="en-GB" sz="1000" dirty="0" err="1"/>
+              <a:t>się</a:t>
+            </a:r>
+            <a:r>
+              <a:rPr lang="pl-PL" sz="1000" dirty="0"/>
+              <a:t> na specyfikacji, bez wnikania w kod programu).</a:t>
+            </a:r>
+            <a:endParaRPr lang="en-GB" sz="1000" dirty="0"/>
+          </a:p>
+          <a:p>
+            <a:endParaRPr lang="pl-PL" sz="1000" dirty="0"/>
+          </a:p>
+          <a:p>
+            <a:r>
+              <a:rPr lang="pl-PL" sz="1000" b="1" dirty="0"/>
+              <a:t>Niefunkcjonalne</a:t>
+            </a:r>
+            <a:r>
+              <a:rPr lang="en-GB" sz="1000" b="1" dirty="0"/>
+              <a:t> :</a:t>
+            </a:r>
+            <a:br>
+              <a:rPr lang="en-GB" sz="1000" dirty="0"/>
             </a:br>
             <a:r>
               <a:rPr lang="en-GB" sz="1000" dirty="0"/>
               <a:t>- </a:t>
             </a:r>
             <a:r>
-              <a:rPr lang="pl-PL" sz="1000" dirty="0" smtClean="0"/>
-              <a:t>między </a:t>
-            </a:r>
-            <a:r>
               <a:rPr lang="pl-PL" sz="1000" dirty="0"/>
-              <a:t>innymi niezawodność, efektywność, obciążenie systemu, </a:t>
-            </a:r>
-            <a:r>
-              <a:rPr lang="pl-PL" sz="1000" dirty="0" smtClean="0"/>
-              <a:t>bezpieczeństwo.</a:t>
-            </a:r>
-            <a:r>
-              <a:rPr lang="en-GB" sz="1000" dirty="0" smtClean="0"/>
-              <a:t/>
+              <a:t>sprawdzanie “jak” działają dane komponenty</a:t>
             </a:r>
             <a:br>
-              <a:rPr lang="en-GB" sz="1000" dirty="0" smtClean="0"/>
+              <a:rPr lang="en-GB" sz="1000" dirty="0"/>
             </a:br>
             <a:r>
               <a:rPr lang="en-GB" sz="1000" dirty="0"/>
               <a:t>- </a:t>
             </a:r>
             <a:r>
-              <a:rPr lang="en-GB" sz="1000" dirty="0" smtClean="0"/>
-              <a:t>w</a:t>
+              <a:rPr lang="pl-PL" sz="1000" dirty="0"/>
+              <a:t>między innymi niezawodność, efektywność, obciążenie systemu, bezpieczeństwo.</a:t>
+            </a:r>
+            <a:br>
+              <a:rPr lang="en-GB" sz="1000" dirty="0"/>
+            </a:br>
+            <a:r>
+              <a:rPr lang="en-GB" sz="1000" dirty="0"/>
+              <a:t>- w</a:t>
             </a:r>
             <a:r>
               <a:rPr lang="pl-PL" sz="1000" dirty="0" err="1"/>
@@ -2363,73 +2239,45 @@
             </a:r>
           </a:p>
           <a:p>
-            <a:endParaRPr lang="en-GB" sz="1000" dirty="0" smtClean="0"/>
-          </a:p>
-          <a:p>
-            <a:r>
-              <a:rPr lang="pl-PL" sz="1000" b="1" dirty="0" smtClean="0"/>
+            <a:endParaRPr lang="en-GB" sz="1000" dirty="0"/>
+          </a:p>
+          <a:p>
+            <a:r>
+              <a:rPr lang="pl-PL" sz="1000" b="1" dirty="0"/>
               <a:t>Strukturalne</a:t>
             </a:r>
             <a:r>
-              <a:rPr lang="en-GB" sz="1000" b="1" dirty="0" smtClean="0"/>
+              <a:rPr lang="en-GB" sz="1000" b="1" dirty="0"/>
               <a:t> :</a:t>
             </a:r>
-            <a:r>
-              <a:rPr lang="en-GB" sz="1000" dirty="0" smtClean="0"/>
-              <a:t/>
-            </a:r>
             <a:br>
-              <a:rPr lang="en-GB" sz="1000" dirty="0" smtClean="0"/>
+              <a:rPr lang="en-GB" sz="1000" dirty="0"/>
             </a:br>
             <a:r>
-              <a:rPr lang="en-GB" sz="1000" dirty="0" smtClean="0"/>
+              <a:rPr lang="en-GB" sz="1000" dirty="0"/>
               <a:t>- </a:t>
             </a:r>
             <a:r>
               <a:rPr lang="pl-PL" sz="1000" dirty="0"/>
-              <a:t> ich zadaniem jest przetestowanie każdej możliwej </a:t>
-            </a:r>
-            <a:r>
-              <a:rPr lang="pl-PL" sz="1000" dirty="0" smtClean="0"/>
-              <a:t>ścieżki</a:t>
-            </a:r>
-            <a:r>
-              <a:rPr lang="en-GB" sz="1000" dirty="0" smtClean="0"/>
-              <a:t/>
+              <a:t> ich zadaniem jest przetestowanie każdej możliwej ścieżki</a:t>
             </a:r>
             <a:br>
-              <a:rPr lang="en-GB" sz="1000" dirty="0" smtClean="0"/>
+              <a:rPr lang="en-GB" sz="1000" dirty="0"/>
             </a:br>
             <a:r>
-              <a:rPr lang="en-GB" sz="1000" dirty="0" smtClean="0"/>
-              <a:t>- </a:t>
-            </a:r>
-            <a:r>
               <a:rPr lang="en-GB" sz="1000" dirty="0"/>
-              <a:t>u</a:t>
-            </a:r>
-            <a:r>
-              <a:rPr lang="pl-PL" sz="1000" dirty="0" err="1" smtClean="0"/>
+              <a:t>- u</a:t>
+            </a:r>
+            <a:r>
+              <a:rPr lang="pl-PL" sz="1000" dirty="0" err="1"/>
               <a:t>pewniamy</a:t>
             </a:r>
             <a:r>
-              <a:rPr lang="pl-PL" sz="1000" dirty="0" smtClean="0"/>
-              <a:t> </a:t>
-            </a:r>
-            <a:r>
               <a:rPr lang="pl-PL" sz="1000" dirty="0"/>
-              <a:t>się, że wszystkie elementy oprogramowania zostały </a:t>
-            </a:r>
-            <a:r>
-              <a:rPr lang="pl-PL" sz="1000" dirty="0" smtClean="0"/>
-              <a:t>pokryte</a:t>
-            </a:r>
-            <a:r>
-              <a:rPr lang="en-GB" sz="1000" dirty="0" smtClean="0"/>
-              <a:t/>
+              <a:t> się, że wszystkie elementy oprogramowania zostały pokryte</a:t>
             </a:r>
             <a:br>
-              <a:rPr lang="en-GB" sz="1000" dirty="0" smtClean="0"/>
+              <a:rPr lang="en-GB" sz="1000" dirty="0"/>
             </a:br>
             <a:r>
               <a:rPr lang="en-GB" sz="1000" dirty="0"/>
@@ -2448,7 +2296,7 @@
               <a:t> techniki </a:t>
             </a:r>
             <a:r>
-              <a:rPr lang="en-GB" sz="1000" dirty="0" err="1" smtClean="0"/>
+              <a:rPr lang="en-GB" sz="1000" dirty="0" err="1"/>
               <a:t>białoskrzynkowe</a:t>
             </a:r>
             <a:endParaRPr lang="pl-PL" sz="1000" dirty="0"/>
@@ -2458,81 +2306,53 @@
           </a:p>
           <a:p>
             <a:r>
-              <a:rPr lang="pl-PL" sz="1000" b="1" dirty="0" smtClean="0"/>
-              <a:t>ze </a:t>
-            </a:r>
-            <a:r>
               <a:rPr lang="pl-PL" sz="1000" b="1" dirty="0"/>
-              <a:t>względu na wprowadzane </a:t>
-            </a:r>
-            <a:r>
-              <a:rPr lang="pl-PL" sz="1000" b="1" dirty="0" smtClean="0"/>
-              <a:t>zmiany</a:t>
-            </a:r>
-            <a:r>
-              <a:rPr lang="en-GB" sz="1000" b="1" dirty="0" smtClean="0"/>
+              <a:t>ze względu na wprowadzane zmiany</a:t>
+            </a:r>
+            <a:r>
+              <a:rPr lang="en-GB" sz="1000" b="1" dirty="0"/>
               <a:t> :</a:t>
             </a:r>
-            <a:r>
-              <a:rPr lang="en-GB" sz="1000" dirty="0" smtClean="0"/>
-              <a:t/>
-            </a:r>
             <a:br>
-              <a:rPr lang="en-GB" sz="1000" dirty="0" smtClean="0"/>
+              <a:rPr lang="en-GB" sz="1000" dirty="0"/>
             </a:br>
             <a:r>
-              <a:rPr lang="en-GB" sz="1000" dirty="0" smtClean="0"/>
+              <a:rPr lang="en-GB" sz="1000" dirty="0"/>
               <a:t>- </a:t>
             </a:r>
             <a:r>
               <a:rPr lang="pl-PL" sz="1000" dirty="0"/>
-              <a:t>dotyczą ponownego wykonania testu po wprowadzanych </a:t>
-            </a:r>
-            <a:r>
-              <a:rPr lang="pl-PL" sz="1000" dirty="0" smtClean="0"/>
-              <a:t>zmianach</a:t>
-            </a:r>
-            <a:endParaRPr lang="en-GB" sz="1000" dirty="0" smtClean="0"/>
-          </a:p>
-          <a:p>
-            <a:r>
-              <a:rPr lang="en-GB" sz="1000" dirty="0" smtClean="0"/>
+              <a:t>dotyczą ponownego wykonania testu po wprowadzanych zmianach</a:t>
+            </a:r>
+            <a:endParaRPr lang="en-GB" sz="1000" dirty="0"/>
+          </a:p>
+          <a:p>
+            <a:r>
+              <a:rPr lang="en-GB" sz="1000" dirty="0"/>
               <a:t>** </a:t>
             </a:r>
             <a:r>
-              <a:rPr lang="pl-PL" sz="1000" dirty="0" smtClean="0"/>
+              <a:rPr lang="pl-PL" sz="1000" dirty="0"/>
               <a:t>regresywne –</a:t>
             </a:r>
             <a:r>
-              <a:rPr lang="en-GB" sz="1000" dirty="0" smtClean="0"/>
-              <a:t> </a:t>
-            </a:r>
-            <a:r>
-              <a:rPr lang="pl-PL" sz="1000" dirty="0" smtClean="0"/>
-              <a:t>po </a:t>
+              <a:rPr lang="en-GB" sz="1000" dirty="0"/>
+              <a:t> </a:t>
             </a:r>
             <a:r>
               <a:rPr lang="pl-PL" sz="1000" dirty="0"/>
-              <a:t>zaplanowanych zmianach kodu, upewniamy się, że po wprowadzonych zmianach nie pojawiły się nowe błędy</a:t>
-            </a:r>
-            <a:r>
-              <a:rPr lang="pl-PL" sz="1000" dirty="0" smtClean="0"/>
-              <a:t>.</a:t>
-            </a:r>
-            <a:endParaRPr lang="en-GB" sz="1000" dirty="0" smtClean="0"/>
-          </a:p>
-          <a:p>
-            <a:r>
-              <a:rPr lang="en-GB" sz="1000" dirty="0" smtClean="0"/>
+              <a:t>po zaplanowanych zmianach kodu, upewniamy się, że po wprowadzonych zmianach nie pojawiły się nowe błędy.</a:t>
+            </a:r>
+            <a:endParaRPr lang="en-GB" sz="1000" dirty="0"/>
+          </a:p>
+          <a:p>
+            <a:r>
+              <a:rPr lang="en-GB" sz="1000" dirty="0"/>
               <a:t>** </a:t>
             </a:r>
             <a:r>
-              <a:rPr lang="pl-PL" sz="1000" dirty="0" smtClean="0"/>
-              <a:t>retesty </a:t>
-            </a:r>
-            <a:r>
               <a:rPr lang="pl-PL" sz="1000" dirty="0"/>
-              <a:t>– testy zmiany kodu po wykryciu i naprawie błędu</a:t>
+              <a:t>retesty – testy zmiany kodu po wykryciu i naprawie błędu</a:t>
             </a:r>
           </a:p>
           <a:p>
@@ -2627,15 +2447,15 @@
           <a:lstStyle/>
           <a:p>
             <a:r>
-              <a:rPr lang="en-GB" sz="1300" dirty="0" smtClean="0"/>
+              <a:rPr lang="en-GB" sz="1300" dirty="0"/>
               <a:t>- </a:t>
             </a:r>
             <a:r>
-              <a:rPr lang="pl-PL" sz="1300" b="1" dirty="0" smtClean="0"/>
+              <a:rPr lang="pl-PL" sz="1300" b="1" dirty="0"/>
               <a:t>Jednostkowe</a:t>
             </a:r>
             <a:r>
-              <a:rPr lang="pl-PL" sz="1300" dirty="0" smtClean="0"/>
+              <a:rPr lang="pl-PL" sz="1300" dirty="0"/>
               <a:t> (</a:t>
             </a:r>
             <a:r>
@@ -2645,318 +2465,202 @@
             <a:r>
               <a:rPr lang="pl-PL" sz="1300" dirty="0"/>
               <a:t>) </a:t>
-            </a:r>
-            <a:r>
-              <a:rPr lang="en-GB" sz="1300" dirty="0" smtClean="0"/>
-              <a:t/>
-            </a:r>
-            <a:br>
-              <a:rPr lang="en-GB" sz="1300" dirty="0" smtClean="0"/>
-            </a:br>
-            <a:r>
-              <a:rPr lang="en-GB" sz="1300" dirty="0" smtClean="0"/>
-              <a:t>* </a:t>
-            </a:r>
-            <a:r>
-              <a:rPr lang="pl-PL" sz="1300" dirty="0" smtClean="0"/>
-              <a:t>powinny sprawdzać </a:t>
-            </a:r>
-            <a:r>
-              <a:rPr lang="pl-PL" sz="1300" dirty="0"/>
-              <a:t>prawie wszystkie </a:t>
-            </a:r>
-            <a:r>
-              <a:rPr lang="pl-PL" sz="1300" dirty="0" smtClean="0"/>
-              <a:t>możliwe </a:t>
-            </a:r>
-            <a:r>
-              <a:rPr lang="pl-PL" sz="1300" dirty="0"/>
-              <a:t>przypadki</a:t>
-            </a:r>
-            <a:r>
-              <a:rPr lang="pl-PL" sz="1300" dirty="0" smtClean="0"/>
-              <a:t>,</a:t>
-            </a:r>
-            <a:r>
-              <a:rPr lang="en-GB" sz="1300" dirty="0" smtClean="0"/>
-              <a:t/>
-            </a:r>
-            <a:br>
-              <a:rPr lang="en-GB" sz="1300" dirty="0" smtClean="0"/>
-            </a:br>
-            <a:r>
-              <a:rPr lang="en-GB" sz="1300" dirty="0" smtClean="0"/>
-              <a:t>* </a:t>
-            </a:r>
-            <a:r>
-              <a:rPr lang="pl-PL" sz="1300" dirty="0" smtClean="0"/>
-              <a:t>bardzo </a:t>
-            </a:r>
-            <a:r>
-              <a:rPr lang="pl-PL" sz="1300" dirty="0"/>
-              <a:t>szybkie, </a:t>
-            </a:r>
-            <a:r>
-              <a:rPr lang="en-GB" sz="1300" dirty="0" smtClean="0"/>
-              <a:t/>
-            </a:r>
-            <a:br>
-              <a:rPr lang="en-GB" sz="1300" dirty="0" smtClean="0"/>
-            </a:br>
-            <a:r>
-              <a:rPr lang="en-GB" sz="1300" dirty="0" smtClean="0"/>
-              <a:t>* </a:t>
-            </a:r>
-            <a:r>
-              <a:rPr lang="pl-PL" sz="1300" dirty="0" smtClean="0"/>
-              <a:t>nie </a:t>
-            </a:r>
-            <a:r>
-              <a:rPr lang="pl-PL" sz="1300" dirty="0"/>
-              <a:t>testują one komponentów graficznych </a:t>
-            </a:r>
-            <a:r>
-              <a:rPr lang="en-GB" sz="1300" dirty="0" smtClean="0"/>
-              <a:t/>
-            </a:r>
-            <a:br>
-              <a:rPr lang="en-GB" sz="1300" dirty="0" smtClean="0"/>
-            </a:br>
-            <a:r>
-              <a:rPr lang="en-GB" sz="1300" dirty="0" smtClean="0"/>
-              <a:t>* </a:t>
-            </a:r>
-            <a:r>
-              <a:rPr lang="en-GB" sz="1300" dirty="0" err="1" smtClean="0"/>
-              <a:t>nie</a:t>
-            </a:r>
-            <a:r>
-              <a:rPr lang="en-GB" sz="1300" dirty="0" smtClean="0"/>
-              <a:t> </a:t>
-            </a:r>
-            <a:r>
-              <a:rPr lang="en-GB" sz="1300" dirty="0" err="1" smtClean="0"/>
-              <a:t>testują</a:t>
-            </a:r>
-            <a:r>
-              <a:rPr lang="en-GB" sz="1300" dirty="0" smtClean="0"/>
-              <a:t> </a:t>
-            </a:r>
-            <a:r>
-              <a:rPr lang="pl-PL" sz="1300" dirty="0" smtClean="0"/>
-              <a:t>integracji </a:t>
-            </a:r>
-            <a:r>
-              <a:rPr lang="pl-PL" sz="1300" dirty="0"/>
-              <a:t>z innymi systemami</a:t>
-            </a:r>
-            <a:r>
-              <a:rPr lang="pl-PL" sz="1300" dirty="0" smtClean="0"/>
-              <a:t>,</a:t>
-            </a:r>
-            <a:r>
-              <a:rPr lang="en-GB" sz="1300" dirty="0" smtClean="0"/>
-              <a:t/>
-            </a:r>
-            <a:br>
-              <a:rPr lang="en-GB" sz="1300" dirty="0" smtClean="0"/>
-            </a:br>
-            <a:endParaRPr lang="pl-PL" sz="1300" dirty="0"/>
-          </a:p>
-          <a:p>
-            <a:r>
-              <a:rPr lang="en-GB" sz="1300" dirty="0" smtClean="0"/>
-              <a:t>- </a:t>
-            </a:r>
-            <a:r>
-              <a:rPr lang="pl-PL" sz="1300" b="1" dirty="0" smtClean="0"/>
-              <a:t>Integracyjne</a:t>
-            </a:r>
-            <a:r>
-              <a:rPr lang="pl-PL" sz="1300" dirty="0" smtClean="0"/>
-              <a:t> (</a:t>
-            </a:r>
-            <a:r>
-              <a:rPr lang="pl-PL" sz="1300" dirty="0"/>
-              <a:t>mniej) </a:t>
-            </a:r>
-            <a:r>
-              <a:rPr lang="en-GB" sz="1300" dirty="0" smtClean="0"/>
-              <a:t/>
-            </a:r>
-            <a:br>
-              <a:rPr lang="en-GB" sz="1300" dirty="0" smtClean="0"/>
-            </a:br>
-            <a:r>
-              <a:rPr lang="en-GB" sz="1300" dirty="0" smtClean="0"/>
-              <a:t>* </a:t>
-            </a:r>
-            <a:r>
-              <a:rPr lang="pl-PL" sz="1300" dirty="0" smtClean="0"/>
-              <a:t>powinny przechodzić przez </a:t>
-            </a:r>
-            <a:r>
-              <a:rPr lang="pl-PL" sz="1300" dirty="0"/>
-              <a:t>jedna tzw. </a:t>
-            </a:r>
-            <a:r>
-              <a:rPr lang="pl-PL" sz="1300" dirty="0" smtClean="0"/>
-              <a:t>szczęśliwą ścieżkę zęby </a:t>
-            </a:r>
-            <a:r>
-              <a:rPr lang="en-GB" sz="1300" dirty="0" smtClean="0"/>
-              <a:t/>
-            </a:r>
-            <a:br>
-              <a:rPr lang="en-GB" sz="1300" dirty="0" smtClean="0"/>
-            </a:br>
-            <a:r>
-              <a:rPr lang="en-GB" sz="1300" dirty="0" smtClean="0"/>
-              <a:t>* </a:t>
-            </a:r>
-            <a:r>
-              <a:rPr lang="pl-PL" sz="1300" dirty="0" smtClean="0"/>
-              <a:t>sprawdza</a:t>
-            </a:r>
-            <a:r>
-              <a:rPr lang="en-GB" sz="1300" dirty="0" err="1" smtClean="0"/>
-              <a:t>ją</a:t>
-            </a:r>
-            <a:r>
-              <a:rPr lang="pl-PL" sz="1300" dirty="0" smtClean="0"/>
-              <a:t> </a:t>
-            </a:r>
-            <a:r>
-              <a:rPr lang="pl-PL" sz="1300" dirty="0"/>
-              <a:t>czy tak </a:t>
-            </a:r>
-            <a:r>
-              <a:rPr lang="pl-PL" sz="1300" dirty="0" smtClean="0"/>
-              <a:t>naprawdę </a:t>
-            </a:r>
-            <a:r>
-              <a:rPr lang="pl-PL" sz="1300" dirty="0"/>
-              <a:t>te nasze komponenty dobrze "</a:t>
-            </a:r>
-            <a:r>
-              <a:rPr lang="pl-PL" sz="1300" dirty="0" err="1"/>
-              <a:t>integruja</a:t>
-            </a:r>
-            <a:r>
-              <a:rPr lang="pl-PL" sz="1300" dirty="0"/>
-              <a:t>" </a:t>
-            </a:r>
-            <a:r>
-              <a:rPr lang="pl-PL" sz="1300" dirty="0" smtClean="0"/>
-              <a:t>się </a:t>
-            </a:r>
-            <a:r>
-              <a:rPr lang="pl-PL" sz="1300" dirty="0"/>
-              <a:t>ze </a:t>
-            </a:r>
-            <a:r>
-              <a:rPr lang="pl-PL" sz="1300" dirty="0" smtClean="0"/>
-              <a:t>sobą</a:t>
-            </a:r>
-            <a:r>
-              <a:rPr lang="en-GB" sz="1300" dirty="0" smtClean="0"/>
-              <a:t/>
-            </a:r>
-            <a:br>
-              <a:rPr lang="en-GB" sz="1300" dirty="0" smtClean="0"/>
-            </a:br>
-            <a:endParaRPr lang="pl-PL" sz="1300" dirty="0"/>
-          </a:p>
-          <a:p>
-            <a:r>
-              <a:rPr lang="en-GB" sz="1300" dirty="0" smtClean="0"/>
-              <a:t>- </a:t>
-            </a:r>
-            <a:r>
-              <a:rPr lang="pl-PL" sz="1300" b="1" dirty="0" smtClean="0"/>
-              <a:t>Akceptacyjne</a:t>
-            </a:r>
-            <a:r>
-              <a:rPr lang="pl-PL" sz="1300" dirty="0" smtClean="0"/>
-              <a:t> </a:t>
-            </a:r>
-            <a:r>
-              <a:rPr lang="en-GB" sz="1300" dirty="0" smtClean="0"/>
-              <a:t> (</a:t>
-            </a:r>
-            <a:r>
-              <a:rPr lang="en-GB" sz="1300" dirty="0" err="1" smtClean="0"/>
-              <a:t>najmniej</a:t>
-            </a:r>
-            <a:r>
-              <a:rPr lang="en-GB" sz="1300" dirty="0" smtClean="0"/>
-              <a:t> / </a:t>
-            </a:r>
-            <a:r>
-              <a:rPr lang="pl-PL" sz="1300" dirty="0" smtClean="0"/>
-              <a:t>różne nazwy</a:t>
-            </a:r>
-            <a:r>
-              <a:rPr lang="en-GB" sz="1300" dirty="0" smtClean="0"/>
-              <a:t>)</a:t>
-            </a:r>
-            <a:r>
-              <a:rPr lang="en-GB" sz="1300" dirty="0"/>
-              <a:t/>
             </a:r>
             <a:br>
               <a:rPr lang="en-GB" sz="1300" dirty="0"/>
             </a:br>
             <a:r>
-              <a:rPr lang="en-GB" sz="1300" dirty="0" smtClean="0"/>
+              <a:rPr lang="en-GB" sz="1300" dirty="0"/>
               <a:t>* </a:t>
             </a:r>
             <a:r>
-              <a:rPr lang="pl-PL" sz="1300" dirty="0" err="1" smtClean="0"/>
+              <a:rPr lang="pl-PL" sz="1300" dirty="0"/>
+              <a:t>powinny sprawdzać prawie wszystkie możliwe przypadki,</a:t>
+            </a:r>
+            <a:br>
+              <a:rPr lang="en-GB" sz="1300" dirty="0"/>
+            </a:br>
+            <a:r>
+              <a:rPr lang="en-GB" sz="1300" dirty="0"/>
+              <a:t>* </a:t>
+            </a:r>
+            <a:r>
+              <a:rPr lang="pl-PL" sz="1300" dirty="0"/>
+              <a:t>bardzo szybkie, </a:t>
+            </a:r>
+            <a:br>
+              <a:rPr lang="en-GB" sz="1300" dirty="0"/>
+            </a:br>
+            <a:r>
+              <a:rPr lang="en-GB" sz="1300" dirty="0"/>
+              <a:t>* </a:t>
+            </a:r>
+            <a:r>
+              <a:rPr lang="pl-PL" sz="1300" dirty="0"/>
+              <a:t>nie testują one komponentów graficznych </a:t>
+            </a:r>
+            <a:br>
+              <a:rPr lang="en-GB" sz="1300" dirty="0"/>
+            </a:br>
+            <a:r>
+              <a:rPr lang="en-GB" sz="1300" dirty="0"/>
+              <a:t>* </a:t>
+            </a:r>
+            <a:r>
+              <a:rPr lang="en-GB" sz="1300" dirty="0" err="1"/>
+              <a:t>nie</a:t>
+            </a:r>
+            <a:r>
+              <a:rPr lang="en-GB" sz="1300" dirty="0"/>
+              <a:t> </a:t>
+            </a:r>
+            <a:r>
+              <a:rPr lang="en-GB" sz="1300" dirty="0" err="1"/>
+              <a:t>testują</a:t>
+            </a:r>
+            <a:r>
+              <a:rPr lang="en-GB" sz="1300" dirty="0"/>
+              <a:t> </a:t>
+            </a:r>
+            <a:r>
+              <a:rPr lang="pl-PL" sz="1300" dirty="0"/>
+              <a:t>integracji z innymi systemami,</a:t>
+            </a:r>
+            <a:br>
+              <a:rPr lang="en-GB" sz="1300" dirty="0"/>
+            </a:br>
+            <a:endParaRPr lang="pl-PL" sz="1300" dirty="0"/>
+          </a:p>
+          <a:p>
+            <a:r>
+              <a:rPr lang="en-GB" sz="1300" dirty="0"/>
+              <a:t>- </a:t>
+            </a:r>
+            <a:r>
+              <a:rPr lang="pl-PL" sz="1300" b="1" dirty="0"/>
+              <a:t>Integracyjne</a:t>
+            </a:r>
+            <a:r>
+              <a:rPr lang="pl-PL" sz="1300" dirty="0"/>
+              <a:t> (mniej) </a:t>
+            </a:r>
+            <a:br>
+              <a:rPr lang="en-GB" sz="1300" dirty="0"/>
+            </a:br>
+            <a:r>
+              <a:rPr lang="en-GB" sz="1300" dirty="0"/>
+              <a:t>* </a:t>
+            </a:r>
+            <a:r>
+              <a:rPr lang="pl-PL" sz="1300" dirty="0"/>
+              <a:t>powinny przechodzić przez jedna tzw. szczęśliwą ścieżkę zęby </a:t>
+            </a:r>
+            <a:br>
+              <a:rPr lang="en-GB" sz="1300" dirty="0"/>
+            </a:br>
+            <a:r>
+              <a:rPr lang="en-GB" sz="1300" dirty="0"/>
+              <a:t>* </a:t>
+            </a:r>
+            <a:r>
+              <a:rPr lang="pl-PL" sz="1300" dirty="0"/>
+              <a:t>sprawdza</a:t>
+            </a:r>
+            <a:r>
+              <a:rPr lang="en-GB" sz="1300" dirty="0" err="1"/>
+              <a:t>ją</a:t>
+            </a:r>
+            <a:r>
+              <a:rPr lang="pl-PL" sz="1300" dirty="0"/>
+              <a:t> czy tak naprawdę te nasze komponenty dobrze "</a:t>
+            </a:r>
+            <a:r>
+              <a:rPr lang="pl-PL" sz="1300" dirty="0" err="1"/>
+              <a:t>integruja</a:t>
+            </a:r>
+            <a:r>
+              <a:rPr lang="pl-PL" sz="1300" dirty="0"/>
+              <a:t>" się ze sobą</a:t>
+            </a:r>
+            <a:br>
+              <a:rPr lang="en-GB" sz="1300" dirty="0"/>
+            </a:br>
+            <a:endParaRPr lang="pl-PL" sz="1300" dirty="0"/>
+          </a:p>
+          <a:p>
+            <a:r>
+              <a:rPr lang="en-GB" sz="1300" dirty="0"/>
+              <a:t>- </a:t>
+            </a:r>
+            <a:r>
+              <a:rPr lang="pl-PL" sz="1300" b="1" dirty="0"/>
+              <a:t>Akceptacyjne</a:t>
+            </a:r>
+            <a:r>
+              <a:rPr lang="pl-PL" sz="1300" dirty="0"/>
+              <a:t> </a:t>
+            </a:r>
+            <a:r>
+              <a:rPr lang="en-GB" sz="1300" dirty="0"/>
+              <a:t> (</a:t>
+            </a:r>
+            <a:r>
+              <a:rPr lang="en-GB" sz="1300" dirty="0" err="1"/>
+              <a:t>najmniej</a:t>
+            </a:r>
+            <a:r>
+              <a:rPr lang="en-GB" sz="1300" dirty="0"/>
+              <a:t> / </a:t>
+            </a:r>
+            <a:r>
+              <a:rPr lang="pl-PL" sz="1300" dirty="0"/>
+              <a:t>różne nazwy</a:t>
+            </a:r>
+            <a:r>
+              <a:rPr lang="en-GB" sz="1300" dirty="0"/>
+              <a:t>)</a:t>
+            </a:r>
+            <a:br>
+              <a:rPr lang="en-GB" sz="1300" dirty="0"/>
+            </a:br>
+            <a:r>
+              <a:rPr lang="en-GB" sz="1300" dirty="0"/>
+              <a:t>* </a:t>
+            </a:r>
+            <a:r>
+              <a:rPr lang="pl-PL" sz="1300" dirty="0" err="1"/>
               <a:t>testuja</a:t>
             </a:r>
             <a:r>
-              <a:rPr lang="pl-PL" sz="1300" dirty="0" smtClean="0"/>
-              <a:t> </a:t>
-            </a:r>
-            <a:r>
-              <a:rPr lang="en-GB" sz="1300" dirty="0" smtClean="0"/>
+              <a:rPr lang="pl-PL" sz="1300" dirty="0"/>
+              <a:t> </a:t>
+            </a:r>
+            <a:r>
+              <a:rPr lang="en-GB" sz="1300" dirty="0"/>
               <a:t>c</a:t>
             </a:r>
             <a:r>
-              <a:rPr lang="pl-PL" sz="1300" dirty="0" err="1" smtClean="0"/>
+              <a:rPr lang="pl-PL" sz="1300" dirty="0" err="1"/>
               <a:t>ał</a:t>
             </a:r>
             <a:r>
-              <a:rPr lang="en-GB" sz="1300" dirty="0" smtClean="0"/>
+              <a:rPr lang="en-GB" sz="1300" dirty="0"/>
               <a:t>ą</a:t>
             </a:r>
             <a:r>
-              <a:rPr lang="pl-PL" sz="1300" dirty="0" smtClean="0"/>
-              <a:t> </a:t>
-            </a:r>
-            <a:r>
               <a:rPr lang="pl-PL" sz="1300" dirty="0"/>
-              <a:t>funkcjonalność od początku do końca, </a:t>
-            </a:r>
-            <a:r>
-              <a:rPr lang="en-GB" sz="1300" dirty="0" smtClean="0"/>
-              <a:t/>
+              <a:t> funkcjonalność od początku do końca, </a:t>
             </a:r>
             <a:br>
-              <a:rPr lang="en-GB" sz="1300" dirty="0" smtClean="0"/>
+              <a:rPr lang="en-GB" sz="1300" dirty="0"/>
             </a:br>
             <a:r>
-              <a:rPr lang="en-GB" sz="1300" dirty="0" smtClean="0"/>
+              <a:rPr lang="en-GB" sz="1300" dirty="0"/>
               <a:t>* </a:t>
             </a:r>
             <a:r>
-              <a:rPr lang="pl-PL" sz="1300" dirty="0" smtClean="0"/>
-              <a:t>ich </a:t>
-            </a:r>
-            <a:r>
               <a:rPr lang="pl-PL" sz="1300" dirty="0"/>
-              <a:t>celem tak </a:t>
+              <a:t>ich celem tak </a:t>
             </a:r>
             <a:r>
               <a:rPr lang="pl-PL" sz="1300" dirty="0" err="1"/>
@@ -2964,61 +2668,17 @@
             </a:r>
             <a:r>
               <a:rPr lang="pl-PL" sz="1300" dirty="0"/>
-              <a:t> nie jest wykrycie błędów, a jedynie uzyskanie formalnego potwierdzenia wykonania oprogramowania odpowiedniej </a:t>
-            </a:r>
-            <a:r>
-              <a:rPr lang="pl-PL" sz="1300" dirty="0" smtClean="0"/>
-              <a:t>jakości</a:t>
-            </a:r>
-            <a:r>
-              <a:rPr lang="en-GB" sz="1300" dirty="0" smtClean="0"/>
-              <a:t/>
+              <a:t> nie jest wykrycie błędów, a jedynie uzyskanie formalnego potwierdzenia wykonania oprogramowania odpowiedniej jakości</a:t>
             </a:r>
             <a:br>
-              <a:rPr lang="en-GB" sz="1300" dirty="0" smtClean="0"/>
+              <a:rPr lang="en-GB" sz="1300" dirty="0"/>
             </a:br>
             <a:endParaRPr lang="pl-PL" sz="1300" dirty="0"/>
           </a:p>
           <a:p>
             <a:r>
-              <a:rPr lang="pl-PL" sz="1300" dirty="0" smtClean="0"/>
-              <a:t>Wszystkie </a:t>
-            </a:r>
-            <a:r>
               <a:rPr lang="pl-PL" sz="1300" dirty="0"/>
-              <a:t>te testy </a:t>
-            </a:r>
-            <a:r>
-              <a:rPr lang="pl-PL" sz="1300" dirty="0" smtClean="0"/>
-              <a:t>nadają się </a:t>
-            </a:r>
-            <a:r>
-              <a:rPr lang="pl-PL" sz="1300" dirty="0"/>
-              <a:t>do TDD ale </a:t>
-            </a:r>
-            <a:r>
-              <a:rPr lang="pl-PL" sz="1300" dirty="0" smtClean="0"/>
-              <a:t>najlepiej </a:t>
-            </a:r>
-            <a:r>
-              <a:rPr lang="pl-PL" sz="1300" dirty="0"/>
-              <a:t>nadają </a:t>
-            </a:r>
-            <a:r>
-              <a:rPr lang="pl-PL" sz="1300" dirty="0" smtClean="0"/>
-              <a:t>się jednostkowe </a:t>
-            </a:r>
-            <a:r>
-              <a:rPr lang="pl-PL" sz="1300" dirty="0"/>
-              <a:t>i o takich dziś </a:t>
-            </a:r>
-            <a:r>
-              <a:rPr lang="pl-PL" sz="1300" dirty="0" smtClean="0"/>
-              <a:t>będziemy </a:t>
-            </a:r>
-            <a:r>
-              <a:rPr lang="pl-PL" sz="1300" dirty="0"/>
-              <a:t>mówić</a:t>
+              <a:t>Wszystkie te testy nadają się do TDD ale najlepiej nadają się jednostkowe i o takich dziś będziemy mówić</a:t>
             </a:r>
           </a:p>
         </p:txBody>
@@ -3188,80 +2848,39 @@
           <a:lstStyle/>
           <a:p>
             <a:r>
-              <a:rPr lang="pl-PL" dirty="0" smtClean="0"/>
-              <a:t>Testów jednostkowych </a:t>
-            </a:r>
-            <a:r>
-              <a:rPr lang="pl-PL" dirty="0"/>
-              <a:t>powinno </a:t>
-            </a:r>
-            <a:r>
-              <a:rPr lang="pl-PL" dirty="0" smtClean="0"/>
-              <a:t>być dużo</a:t>
-            </a:r>
-            <a:r>
-              <a:rPr lang="en-GB" dirty="0" smtClean="0"/>
+              <a:rPr lang="pl-PL" dirty="0"/>
+              <a:t>Testów jednostkowych powinno być dużo</a:t>
+            </a:r>
+            <a:r>
+              <a:rPr lang="en-GB" dirty="0"/>
               <a:t>,</a:t>
             </a:r>
             <a:r>
-              <a:rPr lang="pl-PL" dirty="0" smtClean="0"/>
-              <a:t> </a:t>
-            </a:r>
-            <a:r>
-              <a:rPr lang="pl-PL" dirty="0"/>
-              <a:t>ale nie powinny </a:t>
-            </a:r>
-            <a:r>
-              <a:rPr lang="pl-PL" dirty="0" smtClean="0"/>
-              <a:t>być </a:t>
-            </a:r>
-            <a:r>
-              <a:rPr lang="pl-PL" dirty="0"/>
-              <a:t>to jedyne </a:t>
-            </a:r>
-            <a:r>
-              <a:rPr lang="pl-PL" dirty="0" smtClean="0"/>
-              <a:t>testy</a:t>
-            </a:r>
-            <a:r>
-              <a:rPr lang="en-GB" dirty="0" smtClean="0"/>
-              <a:t/>
+              <a:rPr lang="pl-PL" dirty="0"/>
+              <a:t> ale nie powinny być to jedyne testy</a:t>
             </a:r>
             <a:br>
-              <a:rPr lang="en-GB" dirty="0" smtClean="0"/>
+              <a:rPr lang="en-GB" dirty="0"/>
             </a:br>
-            <a:r>
-              <a:rPr lang="en-GB" dirty="0" smtClean="0"/>
-              <a:t/>
-            </a:r>
             <a:br>
-              <a:rPr lang="en-GB" dirty="0" smtClean="0"/>
+              <a:rPr lang="en-GB" dirty="0"/>
             </a:br>
             <a:r>
-              <a:rPr lang="en-GB" dirty="0" smtClean="0"/>
+              <a:rPr lang="en-GB" dirty="0"/>
               <a:t>I</a:t>
             </a:r>
             <a:r>
-              <a:rPr lang="pl-PL" dirty="0" err="1" smtClean="0"/>
+              <a:rPr lang="pl-PL" dirty="0" err="1"/>
               <a:t>ntegracyjne</a:t>
             </a:r>
             <a:r>
-              <a:rPr lang="pl-PL" dirty="0" smtClean="0"/>
-              <a:t> </a:t>
-            </a:r>
-            <a:r>
-              <a:rPr lang="pl-PL" dirty="0"/>
-              <a:t>tez </a:t>
-            </a:r>
-            <a:r>
-              <a:rPr lang="pl-PL" dirty="0" smtClean="0"/>
-              <a:t>są potrzebne</a:t>
-            </a:r>
-            <a:r>
-              <a:rPr lang="en-GB" dirty="0" smtClean="0"/>
+              <a:rPr lang="pl-PL" dirty="0"/>
+              <a:t> tez są potrzebne</a:t>
+            </a:r>
+            <a:r>
+              <a:rPr lang="en-GB" dirty="0"/>
               <a:t>!</a:t>
             </a:r>
-            <a:endParaRPr lang="en-GB" dirty="0"/>
           </a:p>
         </p:txBody>
       </p:sp>
@@ -3355,38 +2974,18 @@
             </a:r>
             <a:r>
               <a:rPr lang="pl-PL" dirty="0"/>
-              <a:t> (to inwestycja w </a:t>
-            </a:r>
-            <a:r>
-              <a:rPr lang="pl-PL" dirty="0" smtClean="0"/>
-              <a:t>przyszłość </a:t>
-            </a:r>
-            <a:r>
-              <a:rPr lang="pl-PL" dirty="0"/>
-              <a:t>nawet </a:t>
-            </a:r>
-            <a:r>
-              <a:rPr lang="pl-PL" dirty="0" smtClean="0"/>
-              <a:t>jeżeli </a:t>
-            </a:r>
-            <a:r>
-              <a:rPr lang="pl-PL" dirty="0"/>
-              <a:t>na początku tracimy trochę czasu to potem zyskujemy - jest mniej </a:t>
-            </a:r>
-            <a:r>
-              <a:rPr lang="pl-PL" dirty="0" smtClean="0"/>
-              <a:t>b</a:t>
-            </a:r>
-            <a:r>
-              <a:rPr lang="en-GB" dirty="0" err="1" smtClean="0"/>
+              <a:t> (to inwestycja w przyszłość nawet jeżeli na początku tracimy trochę czasu to potem zyskujemy - jest mniej b</a:t>
+            </a:r>
+            <a:r>
+              <a:rPr lang="en-GB" dirty="0" err="1"/>
               <a:t>łę</a:t>
             </a:r>
             <a:r>
-              <a:rPr lang="pl-PL" dirty="0" err="1" smtClean="0"/>
+              <a:rPr lang="pl-PL" dirty="0" err="1"/>
               <a:t>dów</a:t>
             </a:r>
             <a:r>
-              <a:rPr lang="pl-PL" dirty="0" smtClean="0"/>
+              <a:rPr lang="pl-PL" dirty="0"/>
               <a:t> </a:t>
             </a:r>
             <a:r>
@@ -3394,15 +2993,11 @@
               <a:t>itd</a:t>
             </a:r>
             <a:r>
-              <a:rPr lang="pl-PL" dirty="0" smtClean="0"/>
+              <a:rPr lang="pl-PL" dirty="0"/>
               <a:t>)</a:t>
             </a:r>
-            <a:r>
-              <a:rPr lang="en-GB" dirty="0" smtClean="0"/>
-              <a:t/>
-            </a:r>
             <a:br>
-              <a:rPr lang="en-GB" dirty="0" smtClean="0"/>
+              <a:rPr lang="en-GB" dirty="0"/>
             </a:br>
             <a:endParaRPr lang="pl-PL" dirty="0"/>
           </a:p>
@@ -3412,20 +3007,16 @@
               <a:t>- </a:t>
             </a:r>
             <a:r>
-              <a:rPr lang="pl-PL" b="1" dirty="0" smtClean="0"/>
+              <a:rPr lang="pl-PL" b="1" dirty="0"/>
               <a:t>Framework</a:t>
             </a:r>
             <a:r>
-              <a:rPr lang="en-GB" b="1" dirty="0" smtClean="0"/>
-              <a:t> </a:t>
-            </a:r>
-            <a:r>
-              <a:rPr lang="pl-PL" dirty="0" smtClean="0"/>
-              <a:t>(nie </a:t>
-            </a:r>
-            <a:r>
-              <a:rPr lang="pl-PL" dirty="0"/>
-              <a:t>ma potrzeby uczenia </a:t>
+              <a:rPr lang="en-GB" b="1" dirty="0"/>
+              <a:t> </a:t>
+            </a:r>
+            <a:r>
+              <a:rPr lang="pl-PL" dirty="0"/>
+              <a:t>(nie ma potrzeby uczenia </a:t>
             </a:r>
             <a:r>
               <a:rPr lang="pl-PL" dirty="0" err="1"/>
@@ -3433,11 +3024,7 @@
             </a:r>
             <a:r>
               <a:rPr lang="pl-PL" dirty="0"/>
-              <a:t> </a:t>
-            </a:r>
-            <a:r>
-              <a:rPr lang="pl-PL" dirty="0" smtClean="0"/>
-              <a:t>skomplikowanych </a:t>
+              <a:t> skomplikowanych </a:t>
             </a:r>
             <a:r>
               <a:rPr lang="pl-PL" dirty="0" err="1"/>
@@ -3445,15 +3032,7 @@
             </a:r>
             <a:r>
               <a:rPr lang="pl-PL" dirty="0"/>
-              <a:t> - testy jednostkowe </a:t>
-            </a:r>
-            <a:r>
-              <a:rPr lang="pl-PL" dirty="0" smtClean="0"/>
-              <a:t>można pisać </a:t>
-            </a:r>
-            <a:r>
-              <a:rPr lang="pl-PL" dirty="0"/>
-              <a:t>w najprostszym </a:t>
+              <a:t> - testy jednostkowe można pisać w najprostszym </a:t>
             </a:r>
             <a:r>
               <a:rPr lang="pl-PL" dirty="0" err="1"/>
@@ -3473,261 +3052,100 @@
             </a:r>
           </a:p>
           <a:p>
-            <a:r>
-              <a:rPr lang="en-GB" dirty="0" smtClean="0"/>
-              <a:t/>
-            </a:r>
             <a:br>
-              <a:rPr lang="en-GB" dirty="0" smtClean="0"/>
+              <a:rPr lang="en-GB" dirty="0"/>
             </a:br>
             <a:r>
-              <a:rPr lang="pl-PL" dirty="0" smtClean="0"/>
+              <a:rPr lang="pl-PL" dirty="0"/>
               <a:t>- </a:t>
             </a:r>
             <a:r>
-              <a:rPr lang="pl-PL" b="1" dirty="0" smtClean="0"/>
-              <a:t>zbyt </a:t>
-            </a:r>
-            <a:r>
               <a:rPr lang="pl-PL" b="1" dirty="0"/>
-              <a:t>skomplikowany </a:t>
-            </a:r>
-            <a:r>
-              <a:rPr lang="pl-PL" dirty="0" smtClean="0"/>
-              <a:t>(często pisząc </a:t>
-            </a:r>
-            <a:r>
-              <a:rPr lang="pl-PL" dirty="0"/>
-              <a:t>po </a:t>
-            </a:r>
-            <a:r>
-              <a:rPr lang="pl-PL" dirty="0" smtClean="0"/>
-              <a:t>trochę test</a:t>
-            </a:r>
-            <a:r>
-              <a:rPr lang="en-GB" dirty="0" err="1" smtClean="0"/>
+              <a:t>zbyt skomplikowany </a:t>
+            </a:r>
+            <a:r>
+              <a:rPr lang="pl-PL" dirty="0"/>
+              <a:t>(często pisząc po trochę test</a:t>
+            </a:r>
+            <a:r>
+              <a:rPr lang="en-GB" dirty="0" err="1"/>
               <a:t>ów</a:t>
             </a:r>
             <a:r>
-              <a:rPr lang="pl-PL" dirty="0" smtClean="0"/>
-              <a:t> </a:t>
-            </a:r>
-            <a:r>
-              <a:rPr lang="pl-PL" dirty="0"/>
-              <a:t>odkrywamy ze </a:t>
-            </a:r>
-            <a:r>
-              <a:rPr lang="pl-PL" dirty="0" smtClean="0"/>
-              <a:t>niektóre </a:t>
-            </a:r>
-            <a:r>
-              <a:rPr lang="pl-PL" dirty="0"/>
-              <a:t>rzeczy da </a:t>
-            </a:r>
-            <a:r>
-              <a:rPr lang="pl-PL" dirty="0" smtClean="0"/>
-              <a:t>się zrobić prościej)</a:t>
-            </a:r>
-            <a:r>
-              <a:rPr lang="en-GB" dirty="0" smtClean="0"/>
-              <a:t/>
+              <a:rPr lang="pl-PL" dirty="0"/>
+              <a:t> odkrywamy ze niektóre rzeczy da się zrobić prościej)</a:t>
             </a:r>
             <a:br>
-              <a:rPr lang="en-GB" dirty="0" smtClean="0"/>
+              <a:rPr lang="en-GB" dirty="0"/>
             </a:br>
-            <a:r>
-              <a:rPr lang="en-GB" dirty="0" smtClean="0"/>
-              <a:t/>
-            </a:r>
             <a:br>
-              <a:rPr lang="en-GB" dirty="0" smtClean="0"/>
+              <a:rPr lang="en-GB" dirty="0"/>
             </a:br>
             <a:r>
-              <a:rPr lang="pl-PL" b="1" dirty="0" smtClean="0"/>
+              <a:rPr lang="pl-PL" b="1" dirty="0"/>
+              <a:t>- kod nie potrzebuje testów </a:t>
+            </a:r>
+            <a:r>
+              <a:rPr lang="pl-PL" dirty="0"/>
+              <a:t>(ludzie się mylą nawet w najprostszych funkcjach)</a:t>
+            </a:r>
+          </a:p>
+          <a:p>
+            <a:br>
+              <a:rPr lang="en-GB" dirty="0"/>
+            </a:br>
+            <a:r>
+              <a:rPr lang="pl-PL" dirty="0"/>
               <a:t>- </a:t>
             </a:r>
             <a:r>
               <a:rPr lang="pl-PL" b="1" dirty="0"/>
-              <a:t>kod nie potrzebuje testów </a:t>
-            </a:r>
-            <a:r>
-              <a:rPr lang="pl-PL" dirty="0"/>
-              <a:t>(ludzie </a:t>
-            </a:r>
-            <a:r>
-              <a:rPr lang="pl-PL" dirty="0" smtClean="0"/>
-              <a:t>się mylą </a:t>
-            </a:r>
-            <a:r>
-              <a:rPr lang="pl-PL" dirty="0"/>
-              <a:t>nawet w najprostszych funkcjach)</a:t>
-            </a:r>
-          </a:p>
-          <a:p>
-            <a:r>
-              <a:rPr lang="en-GB" dirty="0" smtClean="0"/>
-              <a:t/>
-            </a:r>
+              <a:t>nie pozwala </a:t>
+            </a:r>
+            <a:r>
+              <a:rPr lang="pl-PL" dirty="0"/>
+              <a:t>(czy narzuca wam jak nazywamy klasę albo </a:t>
+            </a:r>
+            <a:r>
+              <a:rPr lang="en-GB" dirty="0" err="1"/>
+              <a:t>jakiego</a:t>
+            </a:r>
+            <a:r>
+              <a:rPr lang="en-GB" dirty="0"/>
+              <a:t> </a:t>
+            </a:r>
+            <a:r>
+              <a:rPr lang="en-GB" dirty="0" err="1"/>
+              <a:t>sortowania</a:t>
+            </a:r>
+            <a:r>
+              <a:rPr lang="en-GB" dirty="0"/>
+              <a:t> </a:t>
+            </a:r>
+            <a:r>
+              <a:rPr lang="en-GB" dirty="0" err="1"/>
+              <a:t>użyć</a:t>
+            </a:r>
+            <a:r>
+              <a:rPr lang="pl-PL" dirty="0"/>
+              <a:t>, to Ty decydujesz jak cos zrobić)</a:t>
+            </a:r>
+          </a:p>
+          <a:p>
             <a:br>
-              <a:rPr lang="en-GB" dirty="0" smtClean="0"/>
+              <a:rPr lang="en-GB" dirty="0"/>
             </a:br>
             <a:r>
-              <a:rPr lang="pl-PL" dirty="0" smtClean="0"/>
+              <a:rPr lang="pl-PL" dirty="0"/>
               <a:t>- </a:t>
             </a:r>
             <a:r>
-              <a:rPr lang="pl-PL" b="1" dirty="0" smtClean="0"/>
-              <a:t>nie </a:t>
-            </a:r>
-            <a:r>
               <a:rPr lang="pl-PL" b="1" dirty="0"/>
-              <a:t>pozwala </a:t>
-            </a:r>
-            <a:r>
-              <a:rPr lang="pl-PL" dirty="0"/>
-              <a:t>(czy narzuca wam jak nazywamy </a:t>
-            </a:r>
-            <a:r>
-              <a:rPr lang="pl-PL" dirty="0" smtClean="0"/>
-              <a:t>klasę </a:t>
-            </a:r>
-            <a:r>
-              <a:rPr lang="pl-PL" dirty="0"/>
-              <a:t>albo </a:t>
-            </a:r>
-            <a:r>
-              <a:rPr lang="en-GB" dirty="0" err="1" smtClean="0"/>
-              <a:t>jakiego</a:t>
-            </a:r>
-            <a:r>
-              <a:rPr lang="en-GB" dirty="0" smtClean="0"/>
-              <a:t> </a:t>
-            </a:r>
-            <a:r>
-              <a:rPr lang="en-GB" dirty="0" err="1" smtClean="0"/>
-              <a:t>sortowania</a:t>
-            </a:r>
-            <a:r>
-              <a:rPr lang="en-GB" dirty="0" smtClean="0"/>
-              <a:t> </a:t>
-            </a:r>
-            <a:r>
-              <a:rPr lang="en-GB" dirty="0" err="1" smtClean="0"/>
-              <a:t>użyć</a:t>
-            </a:r>
-            <a:r>
-              <a:rPr lang="pl-PL" dirty="0" smtClean="0"/>
-              <a:t>, </a:t>
-            </a:r>
-            <a:r>
-              <a:rPr lang="pl-PL" dirty="0"/>
-              <a:t>to Ty decydujesz jak cos </a:t>
-            </a:r>
-            <a:r>
-              <a:rPr lang="pl-PL" dirty="0" smtClean="0"/>
-              <a:t>zrobić)</a:t>
-            </a:r>
-            <a:endParaRPr lang="pl-PL" dirty="0"/>
-          </a:p>
-          <a:p>
-            <a:r>
-              <a:rPr lang="en-GB" dirty="0" smtClean="0"/>
-              <a:t/>
-            </a:r>
-            <a:br>
-              <a:rPr lang="en-GB" dirty="0" smtClean="0"/>
-            </a:br>
-            <a:r>
-              <a:rPr lang="pl-PL" dirty="0" smtClean="0"/>
-              <a:t>- </a:t>
-            </a:r>
-            <a:r>
-              <a:rPr lang="pl-PL" b="1" dirty="0"/>
-              <a:t>mamy </a:t>
-            </a:r>
-            <a:r>
-              <a:rPr lang="pl-PL" b="1" dirty="0" smtClean="0"/>
-              <a:t>testerów</a:t>
-            </a:r>
-            <a:r>
-              <a:rPr lang="pl-PL" dirty="0" smtClean="0"/>
-              <a:t> (</a:t>
-            </a:r>
-            <a:r>
-              <a:rPr lang="pl-PL" dirty="0"/>
-              <a:t>to developer najlepiej pozna </a:t>
-            </a:r>
-            <a:r>
-              <a:rPr lang="pl-PL" dirty="0" smtClean="0"/>
-              <a:t>funkcjonalność </a:t>
-            </a:r>
-            <a:r>
-              <a:rPr lang="pl-PL" dirty="0"/>
-              <a:t>i to on wie </a:t>
-            </a:r>
-            <a:r>
-              <a:rPr lang="pl-PL" dirty="0" smtClean="0"/>
-              <a:t>które </a:t>
-            </a:r>
-            <a:r>
-              <a:rPr lang="pl-PL" dirty="0"/>
-              <a:t>miejsca </a:t>
-            </a:r>
-            <a:r>
-              <a:rPr lang="pl-PL" dirty="0" smtClean="0"/>
-              <a:t>są </a:t>
-            </a:r>
-            <a:r>
-              <a:rPr lang="pl-PL" dirty="0"/>
-              <a:t>najbardziej </a:t>
-            </a:r>
-            <a:r>
-              <a:rPr lang="pl-PL" dirty="0" smtClean="0"/>
-              <a:t>wrażliwe </a:t>
-            </a:r>
-            <a:r>
-              <a:rPr lang="pl-PL" dirty="0"/>
-              <a:t>na </a:t>
-            </a:r>
-            <a:r>
-              <a:rPr lang="pl-PL" dirty="0" smtClean="0"/>
-              <a:t>błędy </a:t>
-            </a:r>
-            <a:r>
-              <a:rPr lang="pl-PL" dirty="0"/>
-              <a:t>gdzie </a:t>
-            </a:r>
-            <a:r>
-              <a:rPr lang="pl-PL" dirty="0" smtClean="0"/>
-              <a:t>są </a:t>
-            </a:r>
-            <a:r>
-              <a:rPr lang="pl-PL" dirty="0"/>
-              <a:t>warunki brzegowe a po drugie testerzy </a:t>
-            </a:r>
-            <a:r>
-              <a:rPr lang="pl-PL" dirty="0" smtClean="0"/>
-              <a:t>już </a:t>
-            </a:r>
-            <a:r>
-              <a:rPr lang="pl-PL" dirty="0"/>
-              <a:t>na </a:t>
-            </a:r>
-            <a:r>
-              <a:rPr lang="pl-PL" dirty="0" smtClean="0"/>
-              <a:t>późniejszym </a:t>
-            </a:r>
-            <a:r>
-              <a:rPr lang="pl-PL" dirty="0"/>
-              <a:t>poziomie testują, a wiec czym szybciej poprawimy </a:t>
-            </a:r>
-            <a:r>
-              <a:rPr lang="pl-PL" dirty="0" smtClean="0"/>
-              <a:t>błąd </a:t>
-            </a:r>
-            <a:r>
-              <a:rPr lang="pl-PL" dirty="0"/>
-              <a:t>tym mniej czasu stracimy)</a:t>
+              <a:t>mamy testerów</a:t>
+            </a:r>
+            <a:r>
+              <a:rPr lang="pl-PL" dirty="0"/>
+              <a:t> (to developer najlepiej pozna funkcjonalność i to on wie które miejsca są najbardziej wrażliwe na błędy gdzie są warunki brzegowe a po drugie testerzy już na późniejszym poziomie testują, a wiec czym szybciej poprawimy błąd tym mniej czasu stracimy)</a:t>
             </a:r>
             <a:endParaRPr lang="en-GB" dirty="0"/>
           </a:p>
@@ -3822,7 +3240,7 @@
               <a:buFontTx/>
               <a:buChar char="-"/>
             </a:pPr>
-            <a:endParaRPr lang="en-GB" dirty="0" smtClean="0"/>
+            <a:endParaRPr lang="en-GB" dirty="0"/>
           </a:p>
           <a:p>
             <a:pPr marL="171450" indent="-171450">
@@ -3830,167 +3248,147 @@
               <a:buChar char="-"/>
             </a:pPr>
             <a:r>
-              <a:rPr lang="en-GB" b="1" dirty="0" err="1" smtClean="0"/>
+              <a:rPr lang="en-GB" b="1" dirty="0" err="1"/>
               <a:t>Zweryfikować</a:t>
             </a:r>
             <a:r>
-              <a:rPr lang="en-GB" b="1" dirty="0" smtClean="0"/>
-              <a:t> </a:t>
-            </a:r>
-            <a:r>
-              <a:rPr lang="en-GB" b="1" dirty="0" err="1" smtClean="0"/>
+              <a:rPr lang="en-GB" b="1" dirty="0"/>
+              <a:t> </a:t>
+            </a:r>
+            <a:r>
+              <a:rPr lang="en-GB" b="1" dirty="0" err="1"/>
               <a:t>kod</a:t>
             </a:r>
             <a:r>
-              <a:rPr lang="en-GB" b="1" dirty="0" smtClean="0"/>
-              <a:t> </a:t>
-            </a:r>
-            <a:r>
-              <a:rPr lang="en-GB" dirty="0" smtClean="0"/>
+              <a:rPr lang="en-GB" b="1" dirty="0"/>
+              <a:t> </a:t>
+            </a:r>
+            <a:r>
+              <a:rPr lang="en-GB" dirty="0"/>
               <a:t>- </a:t>
             </a:r>
             <a:r>
-              <a:rPr lang="pl-PL" dirty="0" smtClean="0"/>
-              <a:t>w </a:t>
-            </a:r>
-            <a:r>
-              <a:rPr lang="pl-PL" dirty="0"/>
-              <a:t>czasie </a:t>
-            </a:r>
-            <a:r>
-              <a:rPr lang="en-GB" dirty="0" err="1" smtClean="0"/>
+              <a:rPr lang="pl-PL" dirty="0"/>
+              <a:t>w czasie </a:t>
+            </a:r>
+            <a:r>
+              <a:rPr lang="en-GB" dirty="0" err="1"/>
               <a:t>kodzenia</a:t>
             </a:r>
             <a:r>
-              <a:rPr lang="en-GB" dirty="0" smtClean="0"/>
-              <a:t> </a:t>
-            </a:r>
-            <a:r>
-              <a:rPr lang="pl-PL" dirty="0" err="1" smtClean="0"/>
+              <a:rPr lang="en-GB" dirty="0"/>
+              <a:t> </a:t>
+            </a:r>
+            <a:r>
+              <a:rPr lang="pl-PL" dirty="0" err="1"/>
               <a:t>ju</a:t>
             </a:r>
             <a:r>
-              <a:rPr lang="en-GB" dirty="0" smtClean="0"/>
+              <a:rPr lang="en-GB" dirty="0"/>
               <a:t>ż</a:t>
             </a:r>
             <a:r>
-              <a:rPr lang="pl-PL" dirty="0" smtClean="0"/>
-              <a:t> </a:t>
-            </a:r>
-            <a:r>
-              <a:rPr lang="pl-PL" dirty="0" err="1" smtClean="0"/>
+              <a:rPr lang="pl-PL" dirty="0"/>
+              <a:t> </a:t>
+            </a:r>
+            <a:r>
+              <a:rPr lang="pl-PL" dirty="0" err="1"/>
               <a:t>spra</a:t>
             </a:r>
             <a:r>
-              <a:rPr lang="en-GB" dirty="0" smtClean="0"/>
+              <a:rPr lang="en-GB" dirty="0"/>
               <a:t>w</a:t>
             </a:r>
             <a:r>
-              <a:rPr lang="pl-PL" dirty="0" err="1" smtClean="0"/>
+              <a:rPr lang="pl-PL" dirty="0" err="1"/>
               <a:t>dz</a:t>
             </a:r>
             <a:r>
-              <a:rPr lang="en-GB" dirty="0" smtClean="0"/>
+              <a:rPr lang="en-GB" dirty="0"/>
+              <a:t>am</a:t>
+            </a:r>
+            <a:r>
+              <a:rPr lang="pl-PL" dirty="0"/>
+              <a:t>y </a:t>
+            </a:r>
+            <a:r>
+              <a:rPr lang="pl-PL" dirty="0" err="1"/>
+              <a:t>popr</a:t>
+            </a:r>
+            <a:r>
+              <a:rPr lang="en-GB" dirty="0"/>
               <a:t>a</a:t>
             </a:r>
             <a:r>
-              <a:rPr lang="en-GB" dirty="0"/>
-              <a:t>m</a:t>
-            </a:r>
-            <a:r>
-              <a:rPr lang="pl-PL" dirty="0" smtClean="0"/>
-              <a:t>y </a:t>
-            </a:r>
-            <a:r>
-              <a:rPr lang="pl-PL" dirty="0" err="1" smtClean="0"/>
-              <a:t>popr</a:t>
-            </a:r>
-            <a:r>
-              <a:rPr lang="en-GB" dirty="0" smtClean="0"/>
+              <a:rPr lang="pl-PL" dirty="0"/>
+              <a:t>w</a:t>
+            </a:r>
+            <a:r>
+              <a:rPr lang="en-GB" dirty="0"/>
+              <a:t>n</a:t>
+            </a:r>
+            <a:r>
+              <a:rPr lang="pl-PL" dirty="0"/>
+              <a:t>o</a:t>
+            </a:r>
+            <a:r>
+              <a:rPr lang="en-GB" dirty="0" err="1"/>
+              <a:t>ść</a:t>
+            </a:r>
+            <a:r>
+              <a:rPr lang="pl-PL" dirty="0"/>
+              <a:t> </a:t>
+            </a:r>
+            <a:r>
+              <a:rPr lang="pl-PL" dirty="0" err="1"/>
+              <a:t>np</a:t>
+            </a:r>
+            <a:r>
+              <a:rPr lang="en-GB" dirty="0"/>
+              <a:t>.</a:t>
+            </a:r>
+            <a:r>
+              <a:rPr lang="pl-PL" dirty="0"/>
+              <a:t> nie musimy </a:t>
+            </a:r>
+            <a:r>
+              <a:rPr lang="pl-PL" dirty="0" err="1"/>
+              <a:t>st</a:t>
+            </a:r>
+            <a:r>
+              <a:rPr lang="en-GB" dirty="0"/>
               <a:t>a</a:t>
             </a:r>
             <a:r>
-              <a:rPr lang="pl-PL" dirty="0" smtClean="0"/>
-              <a:t>w</a:t>
-            </a:r>
-            <a:r>
-              <a:rPr lang="en-GB" dirty="0" smtClean="0"/>
-              <a:t>n</a:t>
-            </a:r>
-            <a:r>
-              <a:rPr lang="pl-PL" dirty="0" smtClean="0"/>
-              <a:t>o</a:t>
-            </a:r>
-            <a:r>
-              <a:rPr lang="en-GB" dirty="0" err="1" smtClean="0"/>
-              <a:t>ść</a:t>
-            </a:r>
-            <a:r>
-              <a:rPr lang="pl-PL" dirty="0" smtClean="0"/>
-              <a:t> </a:t>
-            </a:r>
-            <a:r>
-              <a:rPr lang="pl-PL" dirty="0" err="1" smtClean="0"/>
-              <a:t>np</a:t>
-            </a:r>
-            <a:r>
-              <a:rPr lang="en-GB" dirty="0" smtClean="0"/>
-              <a:t>.</a:t>
-            </a:r>
-            <a:r>
-              <a:rPr lang="pl-PL" dirty="0" smtClean="0"/>
-              <a:t> </a:t>
-            </a:r>
-            <a:r>
-              <a:rPr lang="pl-PL" dirty="0"/>
-              <a:t>nie musimy </a:t>
-            </a:r>
-            <a:r>
-              <a:rPr lang="pl-PL" dirty="0" err="1" smtClean="0"/>
-              <a:t>st</a:t>
-            </a:r>
-            <a:r>
-              <a:rPr lang="en-GB" dirty="0" smtClean="0"/>
-              <a:t>a</a:t>
-            </a:r>
-            <a:r>
-              <a:rPr lang="pl-PL" dirty="0" err="1" smtClean="0"/>
+              <a:rPr lang="pl-PL" dirty="0" err="1"/>
               <a:t>wia</a:t>
             </a:r>
             <a:r>
-              <a:rPr lang="en-GB" dirty="0" smtClean="0"/>
+              <a:rPr lang="en-GB" dirty="0"/>
               <a:t>ć</a:t>
             </a:r>
             <a:r>
-              <a:rPr lang="pl-PL" dirty="0" smtClean="0"/>
-              <a:t> </a:t>
-            </a:r>
-            <a:r>
-              <a:rPr lang="pl-PL" dirty="0"/>
-              <a:t>serwera </a:t>
-            </a:r>
-            <a:r>
-              <a:rPr lang="pl-PL" dirty="0" smtClean="0"/>
-              <a:t>c</a:t>
-            </a:r>
-            <a:r>
-              <a:rPr lang="en-GB" dirty="0" smtClean="0"/>
+              <a:rPr lang="pl-PL" dirty="0"/>
+              <a:t> serwera c</a:t>
+            </a:r>
+            <a:r>
+              <a:rPr lang="en-GB" dirty="0"/>
               <a:t>z</a:t>
             </a:r>
             <a:r>
-              <a:rPr lang="pl-PL" dirty="0" smtClean="0"/>
+              <a:rPr lang="pl-PL" dirty="0"/>
               <a:t>y</a:t>
             </a:r>
             <a:r>
-              <a:rPr lang="en-GB" dirty="0" smtClean="0"/>
+              <a:rPr lang="en-GB" dirty="0"/>
               <a:t> k</a:t>
             </a:r>
             <a:r>
-              <a:rPr lang="pl-PL" dirty="0" err="1" smtClean="0"/>
+              <a:rPr lang="pl-PL" dirty="0" err="1"/>
               <a:t>ontekstu</a:t>
             </a:r>
             <a:r>
-              <a:rPr lang="pl-PL" dirty="0" smtClean="0"/>
+              <a:rPr lang="pl-PL" dirty="0"/>
               <a:t> </a:t>
             </a:r>
             <a:r>
@@ -4002,11 +3400,11 @@
               <a:t> </a:t>
             </a:r>
             <a:r>
-              <a:rPr lang="en-GB" dirty="0" err="1" smtClean="0"/>
+              <a:rPr lang="en-GB" dirty="0" err="1"/>
               <a:t>że</a:t>
             </a:r>
             <a:r>
-              <a:rPr lang="pl-PL" dirty="0" smtClean="0"/>
+              <a:rPr lang="pl-PL" dirty="0"/>
               <a:t>by co</a:t>
             </a:r>
             <a:r>
@@ -4014,19 +3412,19 @@
               <a:t>ś</a:t>
             </a:r>
             <a:r>
-              <a:rPr lang="pl-PL" dirty="0" smtClean="0"/>
+              <a:rPr lang="pl-PL" dirty="0"/>
               <a:t> spraw</a:t>
             </a:r>
             <a:r>
-              <a:rPr lang="en-GB" dirty="0" smtClean="0"/>
+              <a:rPr lang="en-GB" dirty="0"/>
               <a:t>d</a:t>
             </a:r>
             <a:r>
-              <a:rPr lang="pl-PL" dirty="0" err="1" smtClean="0"/>
+              <a:rPr lang="pl-PL" dirty="0" err="1"/>
               <a:t>zi</a:t>
             </a:r>
             <a:r>
-              <a:rPr lang="en-GB" dirty="0" smtClean="0"/>
+              <a:rPr lang="en-GB" dirty="0"/>
               <a:t>ć</a:t>
             </a:r>
           </a:p>
@@ -4043,24 +3441,20 @@
               <a:buChar char="-"/>
             </a:pPr>
             <a:r>
-              <a:rPr lang="en-GB" b="1" dirty="0" smtClean="0"/>
+              <a:rPr lang="en-GB" b="1" dirty="0"/>
               <a:t>Refactor </a:t>
             </a:r>
             <a:r>
-              <a:rPr lang="en-GB" dirty="0" smtClean="0"/>
+              <a:rPr lang="en-GB" dirty="0"/>
               <a:t>- </a:t>
             </a:r>
             <a:r>
-              <a:rPr lang="pl-PL" dirty="0" err="1" smtClean="0"/>
+              <a:rPr lang="pl-PL" dirty="0" err="1"/>
               <a:t>jezeli</a:t>
             </a:r>
             <a:r>
-              <a:rPr lang="pl-PL" dirty="0" smtClean="0"/>
-              <a:t> </a:t>
-            </a:r>
-            <a:r>
-              <a:rPr lang="pl-PL" dirty="0"/>
-              <a:t>trzeba </a:t>
+              <a:rPr lang="pl-PL" dirty="0"/>
+              <a:t> trzeba </a:t>
             </a:r>
             <a:r>
               <a:rPr lang="pl-PL" dirty="0" err="1"/>
@@ -4071,43 +3465,43 @@
               <a:t> kod </a:t>
             </a:r>
             <a:r>
-              <a:rPr lang="en-GB" dirty="0" smtClean="0"/>
+              <a:rPr lang="en-GB" dirty="0"/>
               <a:t>to w </a:t>
             </a:r>
             <a:r>
-              <a:rPr lang="en-GB" dirty="0" err="1" smtClean="0"/>
+              <a:rPr lang="en-GB" dirty="0" err="1"/>
               <a:t>łatwy</a:t>
             </a:r>
             <a:r>
-              <a:rPr lang="en-GB" dirty="0" smtClean="0"/>
-              <a:t> </a:t>
-            </a:r>
-            <a:r>
-              <a:rPr lang="en-GB" dirty="0" err="1" smtClean="0"/>
+              <a:rPr lang="en-GB" dirty="0"/>
+              <a:t> </a:t>
+            </a:r>
+            <a:r>
+              <a:rPr lang="en-GB" dirty="0" err="1"/>
               <a:t>sposób</a:t>
             </a:r>
             <a:r>
-              <a:rPr lang="en-GB" dirty="0" smtClean="0"/>
-              <a:t> </a:t>
-            </a:r>
-            <a:r>
-              <a:rPr lang="en-GB" dirty="0" err="1" smtClean="0"/>
+              <a:rPr lang="en-GB" dirty="0"/>
+              <a:t> </a:t>
+            </a:r>
+            <a:r>
+              <a:rPr lang="en-GB" dirty="0" err="1"/>
               <a:t>można</a:t>
             </a:r>
             <a:r>
-              <a:rPr lang="en-GB" dirty="0" smtClean="0"/>
-              <a:t> </a:t>
-            </a:r>
-            <a:r>
-              <a:rPr lang="en-GB" dirty="0" err="1" smtClean="0"/>
+              <a:rPr lang="en-GB" dirty="0"/>
+              <a:t> </a:t>
+            </a:r>
+            <a:r>
+              <a:rPr lang="en-GB" dirty="0" err="1"/>
               <a:t>sprawdzić</a:t>
             </a:r>
             <a:r>
-              <a:rPr lang="en-GB" dirty="0" smtClean="0"/>
-              <a:t> </a:t>
-            </a:r>
-            <a:r>
-              <a:rPr lang="pl-PL" dirty="0" smtClean="0"/>
+              <a:rPr lang="en-GB" dirty="0"/>
+              <a:t> </a:t>
+            </a:r>
+            <a:r>
+              <a:rPr lang="pl-PL" dirty="0"/>
               <a:t>czy </a:t>
             </a:r>
             <a:r>
@@ -4116,14 +3510,10 @@
             </a:r>
             <a:r>
               <a:rPr lang="pl-PL" dirty="0"/>
-              <a:t> nie </a:t>
-            </a:r>
-            <a:r>
-              <a:rPr lang="pl-PL" dirty="0" smtClean="0"/>
-              <a:t>zepsuje</a:t>
-            </a:r>
-            <a:r>
-              <a:rPr lang="en-GB" dirty="0" smtClean="0"/>
+              <a:t> nie zepsuje</a:t>
+            </a:r>
+            <a:r>
+              <a:rPr lang="en-GB" dirty="0"/>
               <a:t>, </a:t>
             </a:r>
             <a:r>
@@ -4136,15 +3526,7 @@
             </a:r>
             <a:r>
               <a:rPr lang="pl-PL" dirty="0"/>
-              <a:t> </a:t>
-            </a:r>
-            <a:r>
-              <a:rPr lang="pl-PL" dirty="0" smtClean="0"/>
-              <a:t>zmienić </a:t>
-            </a:r>
-            <a:r>
-              <a:rPr lang="pl-PL" dirty="0"/>
-              <a:t>nazwy </a:t>
+              <a:t> zmienić nazwy </a:t>
             </a:r>
             <a:r>
               <a:rPr lang="pl-PL" dirty="0" err="1"/>
@@ -4162,7 +3544,7 @@
               <a:rPr lang="pl-PL" dirty="0"/>
               <a:t> w kodzie </a:t>
             </a:r>
-            <a:endParaRPr lang="en-GB" dirty="0" smtClean="0"/>
+            <a:endParaRPr lang="en-GB" dirty="0"/>
           </a:p>
           <a:p>
             <a:pPr marL="171450" indent="-171450">
@@ -4177,19 +3559,19 @@
               <a:buChar char="-"/>
             </a:pPr>
             <a:r>
-              <a:rPr lang="en-GB" b="1" dirty="0" err="1" smtClean="0"/>
+              <a:rPr lang="en-GB" b="1" dirty="0" err="1"/>
               <a:t>Regresja</a:t>
             </a:r>
             <a:r>
-              <a:rPr lang="en-GB" b="1" dirty="0" smtClean="0"/>
-              <a:t> </a:t>
-            </a:r>
-            <a:r>
-              <a:rPr lang="en-GB" dirty="0" smtClean="0"/>
+              <a:rPr lang="en-GB" b="1" dirty="0"/>
+              <a:t> </a:t>
+            </a:r>
+            <a:r>
+              <a:rPr lang="en-GB" dirty="0"/>
               <a:t>- </a:t>
             </a:r>
             <a:r>
-              <a:rPr lang="pl-PL" dirty="0" smtClean="0"/>
+              <a:rPr lang="pl-PL" dirty="0"/>
               <a:t>jest </a:t>
             </a:r>
             <a:r>
@@ -4198,23 +3580,15 @@
             </a:r>
             <a:r>
               <a:rPr lang="pl-PL" dirty="0"/>
-              <a:t> naprawiamy go i </a:t>
-            </a:r>
-            <a:r>
-              <a:rPr lang="pl-PL" dirty="0" smtClean="0"/>
-              <a:t>pisz</a:t>
-            </a:r>
-            <a:r>
-              <a:rPr lang="en-GB" dirty="0" smtClean="0"/>
+              <a:t> naprawiamy go i pisz</a:t>
+            </a:r>
+            <a:r>
+              <a:rPr lang="en-GB" dirty="0"/>
               <a:t>e</a:t>
             </a:r>
             <a:r>
-              <a:rPr lang="pl-PL" dirty="0" smtClean="0"/>
-              <a:t>my </a:t>
-            </a:r>
-            <a:r>
-              <a:rPr lang="pl-PL" dirty="0"/>
-              <a:t>test </a:t>
+              <a:rPr lang="pl-PL" dirty="0"/>
+              <a:t>my test </a:t>
             </a:r>
             <a:r>
               <a:rPr lang="pl-PL" dirty="0" err="1"/>
@@ -4241,18 +3615,18 @@
               <a:t> nie </a:t>
             </a:r>
             <a:r>
-              <a:rPr lang="pl-PL" dirty="0" err="1" smtClean="0"/>
+              <a:rPr lang="pl-PL" dirty="0" err="1"/>
               <a:t>wyst</a:t>
             </a:r>
             <a:r>
-              <a:rPr lang="en-GB" dirty="0" smtClean="0"/>
+              <a:rPr lang="en-GB" dirty="0"/>
               <a:t>ą</a:t>
             </a:r>
             <a:r>
-              <a:rPr lang="pl-PL" dirty="0" smtClean="0"/>
+              <a:rPr lang="pl-PL" dirty="0"/>
               <a:t>pi</a:t>
             </a:r>
-            <a:endParaRPr lang="en-GB" dirty="0" smtClean="0"/>
+            <a:endParaRPr lang="en-GB" dirty="0"/>
           </a:p>
           <a:p>
             <a:pPr marL="171450" indent="-171450">
@@ -4267,20 +3641,16 @@
               <a:buChar char="-"/>
             </a:pPr>
             <a:r>
-              <a:rPr lang="en-GB" b="1" dirty="0" smtClean="0"/>
+              <a:rPr lang="en-GB" b="1" dirty="0"/>
               <a:t>Feedback </a:t>
             </a:r>
             <a:r>
-              <a:rPr lang="en-GB" dirty="0" smtClean="0"/>
+              <a:rPr lang="en-GB" dirty="0"/>
               <a:t>- </a:t>
             </a:r>
             <a:r>
-              <a:rPr lang="pl-PL" dirty="0" smtClean="0"/>
-              <a:t>jeżeli </a:t>
-            </a:r>
-            <a:r>
-              <a:rPr lang="pl-PL" dirty="0"/>
-              <a:t>mamy szybkie testy to </a:t>
+              <a:rPr lang="pl-PL" dirty="0"/>
+              <a:t>jeżeli mamy szybkie testy to </a:t>
             </a:r>
             <a:r>
               <a:rPr lang="pl-PL" dirty="0" err="1"/>
@@ -4384,13 +3754,8 @@
           <a:p>
             <a:r>
               <a:rPr lang="pl-PL" dirty="0"/>
-              <a:t>Pomocne przy czytaniu </a:t>
-            </a:r>
-            <a:r>
-              <a:rPr lang="pl-PL" dirty="0" smtClean="0"/>
-              <a:t>testów:</a:t>
-            </a:r>
-            <a:endParaRPr lang="pl-PL" dirty="0"/>
+              <a:t>Pomocne przy czytaniu testów:</a:t>
+            </a:r>
           </a:p>
           <a:p>
             <a:r>
@@ -4439,37 +3804,17 @@
             </a:r>
             <a:r>
               <a:rPr lang="pl-PL" dirty="0"/>
-              <a:t> (sprawdzenie czy wynik jest poprawny</a:t>
-            </a:r>
-            <a:r>
-              <a:rPr lang="pl-PL" dirty="0" smtClean="0"/>
-              <a:t>)</a:t>
-            </a:r>
-            <a:r>
-              <a:rPr lang="en-GB" dirty="0" smtClean="0"/>
-              <a:t/>
+              <a:t> (sprawdzenie czy wynik jest poprawny)</a:t>
             </a:r>
             <a:br>
-              <a:rPr lang="en-GB" dirty="0" smtClean="0"/>
+              <a:rPr lang="en-GB" dirty="0"/>
             </a:br>
             <a:endParaRPr lang="pl-PL" dirty="0"/>
           </a:p>
           <a:p>
             <a:r>
-              <a:rPr lang="pl-PL" dirty="0" smtClean="0"/>
-              <a:t>Jeżeli </a:t>
-            </a:r>
-            <a:r>
-              <a:rPr lang="pl-PL" dirty="0"/>
-              <a:t>przy </a:t>
-            </a:r>
-            <a:r>
-              <a:rPr lang="pl-PL" dirty="0" smtClean="0"/>
-              <a:t>skomplikowanych </a:t>
-            </a:r>
-            <a:r>
-              <a:rPr lang="pl-PL" dirty="0"/>
-              <a:t>testach "</a:t>
+              <a:rPr lang="pl-PL" dirty="0"/>
+              <a:t>Jeżeli przy skomplikowanych testach "</a:t>
             </a:r>
             <a:r>
               <a:rPr lang="pl-PL" b="1" dirty="0" err="1"/>
@@ -4477,23 +3822,7 @@
             </a:r>
             <a:r>
               <a:rPr lang="pl-PL" dirty="0"/>
-              <a:t>" </a:t>
-            </a:r>
-            <a:r>
-              <a:rPr lang="pl-PL" dirty="0" smtClean="0"/>
-              <a:t>się </a:t>
-            </a:r>
-            <a:r>
-              <a:rPr lang="pl-PL" dirty="0"/>
-              <a:t>rozrasta to </a:t>
-            </a:r>
-            <a:r>
-              <a:rPr lang="pl-PL" dirty="0" smtClean="0"/>
-              <a:t>może </a:t>
-            </a:r>
-            <a:r>
-              <a:rPr lang="pl-PL" dirty="0"/>
-              <a:t>nie testujemy jednego przypadku</a:t>
+              <a:t>" się rozrasta to może nie testujemy jednego przypadku</a:t>
             </a:r>
             <a:endParaRPr lang="en-GB" dirty="0"/>
           </a:p>
@@ -4712,7 +4041,7 @@
           <p:cNvPr id="2" name="Tytuł 1">
             <a:extLst>
               <a:ext uri="{FF2B5EF4-FFF2-40B4-BE49-F238E27FC236}">
-                <a16:creationId xmlns:a16="http://schemas.microsoft.com/office/drawing/2014/main" xmlns="" id="{07789CE2-02CB-4A0E-933E-6BCBEF5F9463}"/>
+                <a16:creationId xmlns:a16="http://schemas.microsoft.com/office/drawing/2014/main" id="{07789CE2-02CB-4A0E-933E-6BCBEF5F9463}"/>
               </a:ext>
             </a:extLst>
           </p:cNvPr>
@@ -4749,7 +4078,7 @@
           <p:cNvPr id="3" name="Podtytuł 2">
             <a:extLst>
               <a:ext uri="{FF2B5EF4-FFF2-40B4-BE49-F238E27FC236}">
-                <a16:creationId xmlns:a16="http://schemas.microsoft.com/office/drawing/2014/main" xmlns="" id="{B578179E-436E-481F-AC99-F1E540239A85}"/>
+                <a16:creationId xmlns:a16="http://schemas.microsoft.com/office/drawing/2014/main" id="{B578179E-436E-481F-AC99-F1E540239A85}"/>
               </a:ext>
             </a:extLst>
           </p:cNvPr>
@@ -4819,7 +4148,7 @@
           <p:cNvPr id="4" name="Symbol zastępczy daty 3">
             <a:extLst>
               <a:ext uri="{FF2B5EF4-FFF2-40B4-BE49-F238E27FC236}">
-                <a16:creationId xmlns:a16="http://schemas.microsoft.com/office/drawing/2014/main" xmlns="" id="{889FC906-3FFB-44AB-AE8D-DA202202DF17}"/>
+                <a16:creationId xmlns:a16="http://schemas.microsoft.com/office/drawing/2014/main" id="{889FC906-3FFB-44AB-AE8D-DA202202DF17}"/>
               </a:ext>
             </a:extLst>
           </p:cNvPr>
@@ -4837,7 +4166,7 @@
           <a:p>
             <a:fld id="{17831131-99CE-46D1-951C-00D4EE88907E}" type="datetimeFigureOut">
               <a:rPr lang="pl-PL" smtClean="0"/>
-              <a:t>10.12.2017</a:t>
+              <a:t>11.12.2017</a:t>
             </a:fld>
             <a:endParaRPr lang="pl-PL"/>
           </a:p>
@@ -4848,7 +4177,7 @@
           <p:cNvPr id="5" name="Symbol zastępczy stopki 4">
             <a:extLst>
               <a:ext uri="{FF2B5EF4-FFF2-40B4-BE49-F238E27FC236}">
-                <a16:creationId xmlns:a16="http://schemas.microsoft.com/office/drawing/2014/main" xmlns="" id="{0B397549-EC63-4024-961C-56126D087270}"/>
+                <a16:creationId xmlns:a16="http://schemas.microsoft.com/office/drawing/2014/main" id="{0B397549-EC63-4024-961C-56126D087270}"/>
               </a:ext>
             </a:extLst>
           </p:cNvPr>
@@ -4873,7 +4202,7 @@
           <p:cNvPr id="6" name="Symbol zastępczy numeru slajdu 5">
             <a:extLst>
               <a:ext uri="{FF2B5EF4-FFF2-40B4-BE49-F238E27FC236}">
-                <a16:creationId xmlns:a16="http://schemas.microsoft.com/office/drawing/2014/main" xmlns="" id="{FB53A155-EE84-4C43-BC84-33E7A1AA744B}"/>
+                <a16:creationId xmlns:a16="http://schemas.microsoft.com/office/drawing/2014/main" id="{FB53A155-EE84-4C43-BC84-33E7A1AA744B}"/>
               </a:ext>
             </a:extLst>
           </p:cNvPr>
@@ -4932,7 +4261,7 @@
           <p:cNvPr id="2" name="Tytuł 1">
             <a:extLst>
               <a:ext uri="{FF2B5EF4-FFF2-40B4-BE49-F238E27FC236}">
-                <a16:creationId xmlns:a16="http://schemas.microsoft.com/office/drawing/2014/main" xmlns="" id="{B98E1526-A027-4453-B5E3-7E824C2DF1D0}"/>
+                <a16:creationId xmlns:a16="http://schemas.microsoft.com/office/drawing/2014/main" id="{B98E1526-A027-4453-B5E3-7E824C2DF1D0}"/>
               </a:ext>
             </a:extLst>
           </p:cNvPr>
@@ -4960,7 +4289,7 @@
           <p:cNvPr id="3" name="Symbol zastępczy tytułu pionowego 2">
             <a:extLst>
               <a:ext uri="{FF2B5EF4-FFF2-40B4-BE49-F238E27FC236}">
-                <a16:creationId xmlns:a16="http://schemas.microsoft.com/office/drawing/2014/main" xmlns="" id="{0176EF8F-B078-43B3-92FE-3C7DA000168B}"/>
+                <a16:creationId xmlns:a16="http://schemas.microsoft.com/office/drawing/2014/main" id="{0176EF8F-B078-43B3-92FE-3C7DA000168B}"/>
               </a:ext>
             </a:extLst>
           </p:cNvPr>
@@ -5017,7 +4346,7 @@
           <p:cNvPr id="4" name="Symbol zastępczy daty 3">
             <a:extLst>
               <a:ext uri="{FF2B5EF4-FFF2-40B4-BE49-F238E27FC236}">
-                <a16:creationId xmlns:a16="http://schemas.microsoft.com/office/drawing/2014/main" xmlns="" id="{BF631584-DC8D-43A7-AD14-147A37C4A6E2}"/>
+                <a16:creationId xmlns:a16="http://schemas.microsoft.com/office/drawing/2014/main" id="{BF631584-DC8D-43A7-AD14-147A37C4A6E2}"/>
               </a:ext>
             </a:extLst>
           </p:cNvPr>
@@ -5035,7 +4364,7 @@
           <a:p>
             <a:fld id="{17831131-99CE-46D1-951C-00D4EE88907E}" type="datetimeFigureOut">
               <a:rPr lang="pl-PL" smtClean="0"/>
-              <a:t>10.12.2017</a:t>
+              <a:t>11.12.2017</a:t>
             </a:fld>
             <a:endParaRPr lang="pl-PL"/>
           </a:p>
@@ -5046,7 +4375,7 @@
           <p:cNvPr id="5" name="Symbol zastępczy stopki 4">
             <a:extLst>
               <a:ext uri="{FF2B5EF4-FFF2-40B4-BE49-F238E27FC236}">
-                <a16:creationId xmlns:a16="http://schemas.microsoft.com/office/drawing/2014/main" xmlns="" id="{E018B8D0-3E77-46B6-985E-915E8AEE2428}"/>
+                <a16:creationId xmlns:a16="http://schemas.microsoft.com/office/drawing/2014/main" id="{E018B8D0-3E77-46B6-985E-915E8AEE2428}"/>
               </a:ext>
             </a:extLst>
           </p:cNvPr>
@@ -5071,7 +4400,7 @@
           <p:cNvPr id="6" name="Symbol zastępczy numeru slajdu 5">
             <a:extLst>
               <a:ext uri="{FF2B5EF4-FFF2-40B4-BE49-F238E27FC236}">
-                <a16:creationId xmlns:a16="http://schemas.microsoft.com/office/drawing/2014/main" xmlns="" id="{901AE34F-1A73-459D-9464-04FE38E3EEBA}"/>
+                <a16:creationId xmlns:a16="http://schemas.microsoft.com/office/drawing/2014/main" id="{901AE34F-1A73-459D-9464-04FE38E3EEBA}"/>
               </a:ext>
             </a:extLst>
           </p:cNvPr>
@@ -5130,7 +4459,7 @@
           <p:cNvPr id="2" name="Tytuł pionowy 1">
             <a:extLst>
               <a:ext uri="{FF2B5EF4-FFF2-40B4-BE49-F238E27FC236}">
-                <a16:creationId xmlns:a16="http://schemas.microsoft.com/office/drawing/2014/main" xmlns="" id="{A339AC55-FC5B-437C-9EA0-C89C6441A91C}"/>
+                <a16:creationId xmlns:a16="http://schemas.microsoft.com/office/drawing/2014/main" id="{A339AC55-FC5B-437C-9EA0-C89C6441A91C}"/>
               </a:ext>
             </a:extLst>
           </p:cNvPr>
@@ -5163,7 +4492,7 @@
           <p:cNvPr id="3" name="Symbol zastępczy tytułu pionowego 2">
             <a:extLst>
               <a:ext uri="{FF2B5EF4-FFF2-40B4-BE49-F238E27FC236}">
-                <a16:creationId xmlns:a16="http://schemas.microsoft.com/office/drawing/2014/main" xmlns="" id="{CC452456-1A56-4114-B7B6-F25DB6001E21}"/>
+                <a16:creationId xmlns:a16="http://schemas.microsoft.com/office/drawing/2014/main" id="{CC452456-1A56-4114-B7B6-F25DB6001E21}"/>
               </a:ext>
             </a:extLst>
           </p:cNvPr>
@@ -5225,7 +4554,7 @@
           <p:cNvPr id="4" name="Symbol zastępczy daty 3">
             <a:extLst>
               <a:ext uri="{FF2B5EF4-FFF2-40B4-BE49-F238E27FC236}">
-                <a16:creationId xmlns:a16="http://schemas.microsoft.com/office/drawing/2014/main" xmlns="" id="{837E6BE0-8A8A-40E2-AA08-BA5232CD960E}"/>
+                <a16:creationId xmlns:a16="http://schemas.microsoft.com/office/drawing/2014/main" id="{837E6BE0-8A8A-40E2-AA08-BA5232CD960E}"/>
               </a:ext>
             </a:extLst>
           </p:cNvPr>
@@ -5243,7 +4572,7 @@
           <a:p>
             <a:fld id="{17831131-99CE-46D1-951C-00D4EE88907E}" type="datetimeFigureOut">
               <a:rPr lang="pl-PL" smtClean="0"/>
-              <a:t>10.12.2017</a:t>
+              <a:t>11.12.2017</a:t>
             </a:fld>
             <a:endParaRPr lang="pl-PL"/>
           </a:p>
@@ -5254,7 +4583,7 @@
           <p:cNvPr id="5" name="Symbol zastępczy stopki 4">
             <a:extLst>
               <a:ext uri="{FF2B5EF4-FFF2-40B4-BE49-F238E27FC236}">
-                <a16:creationId xmlns:a16="http://schemas.microsoft.com/office/drawing/2014/main" xmlns="" id="{E3206FD4-5640-48A5-AF98-BA4D3EB04FD9}"/>
+                <a16:creationId xmlns:a16="http://schemas.microsoft.com/office/drawing/2014/main" id="{E3206FD4-5640-48A5-AF98-BA4D3EB04FD9}"/>
               </a:ext>
             </a:extLst>
           </p:cNvPr>
@@ -5279,7 +4608,7 @@
           <p:cNvPr id="6" name="Symbol zastępczy numeru slajdu 5">
             <a:extLst>
               <a:ext uri="{FF2B5EF4-FFF2-40B4-BE49-F238E27FC236}">
-                <a16:creationId xmlns:a16="http://schemas.microsoft.com/office/drawing/2014/main" xmlns="" id="{DF9D1F14-56ED-4C68-98C7-AE8EE9C29E9B}"/>
+                <a16:creationId xmlns:a16="http://schemas.microsoft.com/office/drawing/2014/main" id="{DF9D1F14-56ED-4C68-98C7-AE8EE9C29E9B}"/>
               </a:ext>
             </a:extLst>
           </p:cNvPr>
@@ -5338,7 +4667,7 @@
           <p:cNvPr id="2" name="Tytuł 1">
             <a:extLst>
               <a:ext uri="{FF2B5EF4-FFF2-40B4-BE49-F238E27FC236}">
-                <a16:creationId xmlns:a16="http://schemas.microsoft.com/office/drawing/2014/main" xmlns="" id="{278FDA5E-9994-4B42-9DB0-A28CEFACDA76}"/>
+                <a16:creationId xmlns:a16="http://schemas.microsoft.com/office/drawing/2014/main" id="{278FDA5E-9994-4B42-9DB0-A28CEFACDA76}"/>
               </a:ext>
             </a:extLst>
           </p:cNvPr>
@@ -5366,7 +4695,7 @@
           <p:cNvPr id="3" name="Symbol zastępczy zawartości 2">
             <a:extLst>
               <a:ext uri="{FF2B5EF4-FFF2-40B4-BE49-F238E27FC236}">
-                <a16:creationId xmlns:a16="http://schemas.microsoft.com/office/drawing/2014/main" xmlns="" id="{68872AF2-6DB7-45FA-805E-F5D57D03761B}"/>
+                <a16:creationId xmlns:a16="http://schemas.microsoft.com/office/drawing/2014/main" id="{68872AF2-6DB7-45FA-805E-F5D57D03761B}"/>
               </a:ext>
             </a:extLst>
           </p:cNvPr>
@@ -5423,7 +4752,7 @@
           <p:cNvPr id="4" name="Symbol zastępczy daty 3">
             <a:extLst>
               <a:ext uri="{FF2B5EF4-FFF2-40B4-BE49-F238E27FC236}">
-                <a16:creationId xmlns:a16="http://schemas.microsoft.com/office/drawing/2014/main" xmlns="" id="{695FCCDE-239F-4FFF-B7A9-AC6C79863C6B}"/>
+                <a16:creationId xmlns:a16="http://schemas.microsoft.com/office/drawing/2014/main" id="{695FCCDE-239F-4FFF-B7A9-AC6C79863C6B}"/>
               </a:ext>
             </a:extLst>
           </p:cNvPr>
@@ -5441,7 +4770,7 @@
           <a:p>
             <a:fld id="{17831131-99CE-46D1-951C-00D4EE88907E}" type="datetimeFigureOut">
               <a:rPr lang="pl-PL" smtClean="0"/>
-              <a:t>10.12.2017</a:t>
+              <a:t>11.12.2017</a:t>
             </a:fld>
             <a:endParaRPr lang="pl-PL"/>
           </a:p>
@@ -5452,7 +4781,7 @@
           <p:cNvPr id="5" name="Symbol zastępczy stopki 4">
             <a:extLst>
               <a:ext uri="{FF2B5EF4-FFF2-40B4-BE49-F238E27FC236}">
-                <a16:creationId xmlns:a16="http://schemas.microsoft.com/office/drawing/2014/main" xmlns="" id="{EB1779CD-42CD-40B6-B6F8-CCE09C725415}"/>
+                <a16:creationId xmlns:a16="http://schemas.microsoft.com/office/drawing/2014/main" id="{EB1779CD-42CD-40B6-B6F8-CCE09C725415}"/>
               </a:ext>
             </a:extLst>
           </p:cNvPr>
@@ -5477,7 +4806,7 @@
           <p:cNvPr id="6" name="Symbol zastępczy numeru slajdu 5">
             <a:extLst>
               <a:ext uri="{FF2B5EF4-FFF2-40B4-BE49-F238E27FC236}">
-                <a16:creationId xmlns:a16="http://schemas.microsoft.com/office/drawing/2014/main" xmlns="" id="{2B7A5251-EB4F-4E89-B87D-895C9184D291}"/>
+                <a16:creationId xmlns:a16="http://schemas.microsoft.com/office/drawing/2014/main" id="{2B7A5251-EB4F-4E89-B87D-895C9184D291}"/>
               </a:ext>
             </a:extLst>
           </p:cNvPr>
@@ -5536,7 +4865,7 @@
           <p:cNvPr id="2" name="Tytuł 1">
             <a:extLst>
               <a:ext uri="{FF2B5EF4-FFF2-40B4-BE49-F238E27FC236}">
-                <a16:creationId xmlns:a16="http://schemas.microsoft.com/office/drawing/2014/main" xmlns="" id="{A5156F95-9DEC-429B-8B44-836AFBA37FFA}"/>
+                <a16:creationId xmlns:a16="http://schemas.microsoft.com/office/drawing/2014/main" id="{A5156F95-9DEC-429B-8B44-836AFBA37FFA}"/>
               </a:ext>
             </a:extLst>
           </p:cNvPr>
@@ -5573,7 +4902,7 @@
           <p:cNvPr id="3" name="Symbol zastępczy tekstu 2">
             <a:extLst>
               <a:ext uri="{FF2B5EF4-FFF2-40B4-BE49-F238E27FC236}">
-                <a16:creationId xmlns:a16="http://schemas.microsoft.com/office/drawing/2014/main" xmlns="" id="{0DE08D1F-0DD7-4F11-BA97-41CEDCC282A5}"/>
+                <a16:creationId xmlns:a16="http://schemas.microsoft.com/office/drawing/2014/main" id="{0DE08D1F-0DD7-4F11-BA97-41CEDCC282A5}"/>
               </a:ext>
             </a:extLst>
           </p:cNvPr>
@@ -5698,7 +5027,7 @@
           <p:cNvPr id="4" name="Symbol zastępczy daty 3">
             <a:extLst>
               <a:ext uri="{FF2B5EF4-FFF2-40B4-BE49-F238E27FC236}">
-                <a16:creationId xmlns:a16="http://schemas.microsoft.com/office/drawing/2014/main" xmlns="" id="{85FB2473-2195-4B0A-A8A6-BA427247AC9C}"/>
+                <a16:creationId xmlns:a16="http://schemas.microsoft.com/office/drawing/2014/main" id="{85FB2473-2195-4B0A-A8A6-BA427247AC9C}"/>
               </a:ext>
             </a:extLst>
           </p:cNvPr>
@@ -5716,7 +5045,7 @@
           <a:p>
             <a:fld id="{17831131-99CE-46D1-951C-00D4EE88907E}" type="datetimeFigureOut">
               <a:rPr lang="pl-PL" smtClean="0"/>
-              <a:t>10.12.2017</a:t>
+              <a:t>11.12.2017</a:t>
             </a:fld>
             <a:endParaRPr lang="pl-PL"/>
           </a:p>
@@ -5727,7 +5056,7 @@
           <p:cNvPr id="5" name="Symbol zastępczy stopki 4">
             <a:extLst>
               <a:ext uri="{FF2B5EF4-FFF2-40B4-BE49-F238E27FC236}">
-                <a16:creationId xmlns:a16="http://schemas.microsoft.com/office/drawing/2014/main" xmlns="" id="{B1D9130D-4DD7-4085-9160-8E9D7DD906A7}"/>
+                <a16:creationId xmlns:a16="http://schemas.microsoft.com/office/drawing/2014/main" id="{B1D9130D-4DD7-4085-9160-8E9D7DD906A7}"/>
               </a:ext>
             </a:extLst>
           </p:cNvPr>
@@ -5752,7 +5081,7 @@
           <p:cNvPr id="6" name="Symbol zastępczy numeru slajdu 5">
             <a:extLst>
               <a:ext uri="{FF2B5EF4-FFF2-40B4-BE49-F238E27FC236}">
-                <a16:creationId xmlns:a16="http://schemas.microsoft.com/office/drawing/2014/main" xmlns="" id="{94174245-B8D9-418E-9913-3DD7734AE70A}"/>
+                <a16:creationId xmlns:a16="http://schemas.microsoft.com/office/drawing/2014/main" id="{94174245-B8D9-418E-9913-3DD7734AE70A}"/>
               </a:ext>
             </a:extLst>
           </p:cNvPr>
@@ -5811,7 +5140,7 @@
           <p:cNvPr id="2" name="Tytuł 1">
             <a:extLst>
               <a:ext uri="{FF2B5EF4-FFF2-40B4-BE49-F238E27FC236}">
-                <a16:creationId xmlns:a16="http://schemas.microsoft.com/office/drawing/2014/main" xmlns="" id="{5AE2ECC6-7E83-4533-A878-E1127E2F556E}"/>
+                <a16:creationId xmlns:a16="http://schemas.microsoft.com/office/drawing/2014/main" id="{5AE2ECC6-7E83-4533-A878-E1127E2F556E}"/>
               </a:ext>
             </a:extLst>
           </p:cNvPr>
@@ -5839,7 +5168,7 @@
           <p:cNvPr id="3" name="Symbol zastępczy zawartości 2">
             <a:extLst>
               <a:ext uri="{FF2B5EF4-FFF2-40B4-BE49-F238E27FC236}">
-                <a16:creationId xmlns:a16="http://schemas.microsoft.com/office/drawing/2014/main" xmlns="" id="{11852047-A5D6-44D1-BE56-5237AEC4D9A2}"/>
+                <a16:creationId xmlns:a16="http://schemas.microsoft.com/office/drawing/2014/main" id="{11852047-A5D6-44D1-BE56-5237AEC4D9A2}"/>
               </a:ext>
             </a:extLst>
           </p:cNvPr>
@@ -5901,7 +5230,7 @@
           <p:cNvPr id="4" name="Symbol zastępczy zawartości 3">
             <a:extLst>
               <a:ext uri="{FF2B5EF4-FFF2-40B4-BE49-F238E27FC236}">
-                <a16:creationId xmlns:a16="http://schemas.microsoft.com/office/drawing/2014/main" xmlns="" id="{A05C4D29-28DE-4A79-B9D9-42C9CEB53C8F}"/>
+                <a16:creationId xmlns:a16="http://schemas.microsoft.com/office/drawing/2014/main" id="{A05C4D29-28DE-4A79-B9D9-42C9CEB53C8F}"/>
               </a:ext>
             </a:extLst>
           </p:cNvPr>
@@ -5963,7 +5292,7 @@
           <p:cNvPr id="5" name="Symbol zastępczy daty 4">
             <a:extLst>
               <a:ext uri="{FF2B5EF4-FFF2-40B4-BE49-F238E27FC236}">
-                <a16:creationId xmlns:a16="http://schemas.microsoft.com/office/drawing/2014/main" xmlns="" id="{E7F9ED71-0EAF-4749-A8DE-02FAC607DFBF}"/>
+                <a16:creationId xmlns:a16="http://schemas.microsoft.com/office/drawing/2014/main" id="{E7F9ED71-0EAF-4749-A8DE-02FAC607DFBF}"/>
               </a:ext>
             </a:extLst>
           </p:cNvPr>
@@ -5981,7 +5310,7 @@
           <a:p>
             <a:fld id="{17831131-99CE-46D1-951C-00D4EE88907E}" type="datetimeFigureOut">
               <a:rPr lang="pl-PL" smtClean="0"/>
-              <a:t>10.12.2017</a:t>
+              <a:t>11.12.2017</a:t>
             </a:fld>
             <a:endParaRPr lang="pl-PL"/>
           </a:p>
@@ -5992,7 +5321,7 @@
           <p:cNvPr id="6" name="Symbol zastępczy stopki 5">
             <a:extLst>
               <a:ext uri="{FF2B5EF4-FFF2-40B4-BE49-F238E27FC236}">
-                <a16:creationId xmlns:a16="http://schemas.microsoft.com/office/drawing/2014/main" xmlns="" id="{EE63FAB1-035E-44D6-984E-FD9FE60FB20E}"/>
+                <a16:creationId xmlns:a16="http://schemas.microsoft.com/office/drawing/2014/main" id="{EE63FAB1-035E-44D6-984E-FD9FE60FB20E}"/>
               </a:ext>
             </a:extLst>
           </p:cNvPr>
@@ -6017,7 +5346,7 @@
           <p:cNvPr id="7" name="Symbol zastępczy numeru slajdu 6">
             <a:extLst>
               <a:ext uri="{FF2B5EF4-FFF2-40B4-BE49-F238E27FC236}">
-                <a16:creationId xmlns:a16="http://schemas.microsoft.com/office/drawing/2014/main" xmlns="" id="{E026DE53-5D40-443A-AC9B-7D5B5DD8975E}"/>
+                <a16:creationId xmlns:a16="http://schemas.microsoft.com/office/drawing/2014/main" id="{E026DE53-5D40-443A-AC9B-7D5B5DD8975E}"/>
               </a:ext>
             </a:extLst>
           </p:cNvPr>
@@ -6076,7 +5405,7 @@
           <p:cNvPr id="2" name="Tytuł 1">
             <a:extLst>
               <a:ext uri="{FF2B5EF4-FFF2-40B4-BE49-F238E27FC236}">
-                <a16:creationId xmlns:a16="http://schemas.microsoft.com/office/drawing/2014/main" xmlns="" id="{DEFFBC24-2FA7-4001-886A-317CA5544F1D}"/>
+                <a16:creationId xmlns:a16="http://schemas.microsoft.com/office/drawing/2014/main" id="{DEFFBC24-2FA7-4001-886A-317CA5544F1D}"/>
               </a:ext>
             </a:extLst>
           </p:cNvPr>
@@ -6109,7 +5438,7 @@
           <p:cNvPr id="3" name="Symbol zastępczy tekstu 2">
             <a:extLst>
               <a:ext uri="{FF2B5EF4-FFF2-40B4-BE49-F238E27FC236}">
-                <a16:creationId xmlns:a16="http://schemas.microsoft.com/office/drawing/2014/main" xmlns="" id="{28E922E0-2B81-4F12-AF07-52E70A8C9AEB}"/>
+                <a16:creationId xmlns:a16="http://schemas.microsoft.com/office/drawing/2014/main" id="{28E922E0-2B81-4F12-AF07-52E70A8C9AEB}"/>
               </a:ext>
             </a:extLst>
           </p:cNvPr>
@@ -6180,7 +5509,7 @@
           <p:cNvPr id="4" name="Symbol zastępczy zawartości 3">
             <a:extLst>
               <a:ext uri="{FF2B5EF4-FFF2-40B4-BE49-F238E27FC236}">
-                <a16:creationId xmlns:a16="http://schemas.microsoft.com/office/drawing/2014/main" xmlns="" id="{99C8FE82-5CA6-4F14-BFA5-27879CACBB24}"/>
+                <a16:creationId xmlns:a16="http://schemas.microsoft.com/office/drawing/2014/main" id="{99C8FE82-5CA6-4F14-BFA5-27879CACBB24}"/>
               </a:ext>
             </a:extLst>
           </p:cNvPr>
@@ -6242,7 +5571,7 @@
           <p:cNvPr id="5" name="Symbol zastępczy tekstu 4">
             <a:extLst>
               <a:ext uri="{FF2B5EF4-FFF2-40B4-BE49-F238E27FC236}">
-                <a16:creationId xmlns:a16="http://schemas.microsoft.com/office/drawing/2014/main" xmlns="" id="{8DBAE333-D174-4E9C-8A06-CF29DAF26706}"/>
+                <a16:creationId xmlns:a16="http://schemas.microsoft.com/office/drawing/2014/main" id="{8DBAE333-D174-4E9C-8A06-CF29DAF26706}"/>
               </a:ext>
             </a:extLst>
           </p:cNvPr>
@@ -6313,7 +5642,7 @@
           <p:cNvPr id="6" name="Symbol zastępczy zawartości 5">
             <a:extLst>
               <a:ext uri="{FF2B5EF4-FFF2-40B4-BE49-F238E27FC236}">
-                <a16:creationId xmlns:a16="http://schemas.microsoft.com/office/drawing/2014/main" xmlns="" id="{584DB7AE-08D9-45D2-9F5F-0BC1CDEB33F8}"/>
+                <a16:creationId xmlns:a16="http://schemas.microsoft.com/office/drawing/2014/main" id="{584DB7AE-08D9-45D2-9F5F-0BC1CDEB33F8}"/>
               </a:ext>
             </a:extLst>
           </p:cNvPr>
@@ -6375,7 +5704,7 @@
           <p:cNvPr id="7" name="Symbol zastępczy daty 6">
             <a:extLst>
               <a:ext uri="{FF2B5EF4-FFF2-40B4-BE49-F238E27FC236}">
-                <a16:creationId xmlns:a16="http://schemas.microsoft.com/office/drawing/2014/main" xmlns="" id="{839934AE-4992-492B-9A04-DBDE68C871EE}"/>
+                <a16:creationId xmlns:a16="http://schemas.microsoft.com/office/drawing/2014/main" id="{839934AE-4992-492B-9A04-DBDE68C871EE}"/>
               </a:ext>
             </a:extLst>
           </p:cNvPr>
@@ -6393,7 +5722,7 @@
           <a:p>
             <a:fld id="{17831131-99CE-46D1-951C-00D4EE88907E}" type="datetimeFigureOut">
               <a:rPr lang="pl-PL" smtClean="0"/>
-              <a:t>10.12.2017</a:t>
+              <a:t>11.12.2017</a:t>
             </a:fld>
             <a:endParaRPr lang="pl-PL"/>
           </a:p>
@@ -6404,7 +5733,7 @@
           <p:cNvPr id="8" name="Symbol zastępczy stopki 7">
             <a:extLst>
               <a:ext uri="{FF2B5EF4-FFF2-40B4-BE49-F238E27FC236}">
-                <a16:creationId xmlns:a16="http://schemas.microsoft.com/office/drawing/2014/main" xmlns="" id="{8314BE62-D086-4BED-8A67-16DEAC378962}"/>
+                <a16:creationId xmlns:a16="http://schemas.microsoft.com/office/drawing/2014/main" id="{8314BE62-D086-4BED-8A67-16DEAC378962}"/>
               </a:ext>
             </a:extLst>
           </p:cNvPr>
@@ -6429,7 +5758,7 @@
           <p:cNvPr id="9" name="Symbol zastępczy numeru slajdu 8">
             <a:extLst>
               <a:ext uri="{FF2B5EF4-FFF2-40B4-BE49-F238E27FC236}">
-                <a16:creationId xmlns:a16="http://schemas.microsoft.com/office/drawing/2014/main" xmlns="" id="{5C475B88-6259-4576-A077-0A9661C142A0}"/>
+                <a16:creationId xmlns:a16="http://schemas.microsoft.com/office/drawing/2014/main" id="{5C475B88-6259-4576-A077-0A9661C142A0}"/>
               </a:ext>
             </a:extLst>
           </p:cNvPr>
@@ -6488,7 +5817,7 @@
           <p:cNvPr id="2" name="Tytuł 1">
             <a:extLst>
               <a:ext uri="{FF2B5EF4-FFF2-40B4-BE49-F238E27FC236}">
-                <a16:creationId xmlns:a16="http://schemas.microsoft.com/office/drawing/2014/main" xmlns="" id="{DD416816-2F77-4857-839C-AE55BFCBC8FB}"/>
+                <a16:creationId xmlns:a16="http://schemas.microsoft.com/office/drawing/2014/main" id="{DD416816-2F77-4857-839C-AE55BFCBC8FB}"/>
               </a:ext>
             </a:extLst>
           </p:cNvPr>
@@ -6516,7 +5845,7 @@
           <p:cNvPr id="3" name="Symbol zastępczy daty 2">
             <a:extLst>
               <a:ext uri="{FF2B5EF4-FFF2-40B4-BE49-F238E27FC236}">
-                <a16:creationId xmlns:a16="http://schemas.microsoft.com/office/drawing/2014/main" xmlns="" id="{67031903-0260-4C50-93FC-3B7E63C9E6ED}"/>
+                <a16:creationId xmlns:a16="http://schemas.microsoft.com/office/drawing/2014/main" id="{67031903-0260-4C50-93FC-3B7E63C9E6ED}"/>
               </a:ext>
             </a:extLst>
           </p:cNvPr>
@@ -6534,7 +5863,7 @@
           <a:p>
             <a:fld id="{17831131-99CE-46D1-951C-00D4EE88907E}" type="datetimeFigureOut">
               <a:rPr lang="pl-PL" smtClean="0"/>
-              <a:t>10.12.2017</a:t>
+              <a:t>11.12.2017</a:t>
             </a:fld>
             <a:endParaRPr lang="pl-PL"/>
           </a:p>
@@ -6545,7 +5874,7 @@
           <p:cNvPr id="4" name="Symbol zastępczy stopki 3">
             <a:extLst>
               <a:ext uri="{FF2B5EF4-FFF2-40B4-BE49-F238E27FC236}">
-                <a16:creationId xmlns:a16="http://schemas.microsoft.com/office/drawing/2014/main" xmlns="" id="{964B7A2D-644A-4D3B-B1C2-CC9761F74777}"/>
+                <a16:creationId xmlns:a16="http://schemas.microsoft.com/office/drawing/2014/main" id="{964B7A2D-644A-4D3B-B1C2-CC9761F74777}"/>
               </a:ext>
             </a:extLst>
           </p:cNvPr>
@@ -6570,7 +5899,7 @@
           <p:cNvPr id="5" name="Symbol zastępczy numeru slajdu 4">
             <a:extLst>
               <a:ext uri="{FF2B5EF4-FFF2-40B4-BE49-F238E27FC236}">
-                <a16:creationId xmlns:a16="http://schemas.microsoft.com/office/drawing/2014/main" xmlns="" id="{D3CB70F7-2136-49BD-B02C-7AC13010CF85}"/>
+                <a16:creationId xmlns:a16="http://schemas.microsoft.com/office/drawing/2014/main" id="{D3CB70F7-2136-49BD-B02C-7AC13010CF85}"/>
               </a:ext>
             </a:extLst>
           </p:cNvPr>
@@ -6629,7 +5958,7 @@
           <p:cNvPr id="2" name="Symbol zastępczy daty 1">
             <a:extLst>
               <a:ext uri="{FF2B5EF4-FFF2-40B4-BE49-F238E27FC236}">
-                <a16:creationId xmlns:a16="http://schemas.microsoft.com/office/drawing/2014/main" xmlns="" id="{0C980605-5348-4D87-AD98-FE2E6D28DF13}"/>
+                <a16:creationId xmlns:a16="http://schemas.microsoft.com/office/drawing/2014/main" id="{0C980605-5348-4D87-AD98-FE2E6D28DF13}"/>
               </a:ext>
             </a:extLst>
           </p:cNvPr>
@@ -6647,7 +5976,7 @@
           <a:p>
             <a:fld id="{17831131-99CE-46D1-951C-00D4EE88907E}" type="datetimeFigureOut">
               <a:rPr lang="pl-PL" smtClean="0"/>
-              <a:t>10.12.2017</a:t>
+              <a:t>11.12.2017</a:t>
             </a:fld>
             <a:endParaRPr lang="pl-PL"/>
           </a:p>
@@ -6658,7 +5987,7 @@
           <p:cNvPr id="3" name="Symbol zastępczy stopki 2">
             <a:extLst>
               <a:ext uri="{FF2B5EF4-FFF2-40B4-BE49-F238E27FC236}">
-                <a16:creationId xmlns:a16="http://schemas.microsoft.com/office/drawing/2014/main" xmlns="" id="{78DF6A23-755C-4BD4-A73E-BA2A7596A8A6}"/>
+                <a16:creationId xmlns:a16="http://schemas.microsoft.com/office/drawing/2014/main" id="{78DF6A23-755C-4BD4-A73E-BA2A7596A8A6}"/>
               </a:ext>
             </a:extLst>
           </p:cNvPr>
@@ -6683,7 +6012,7 @@
           <p:cNvPr id="4" name="Symbol zastępczy numeru slajdu 3">
             <a:extLst>
               <a:ext uri="{FF2B5EF4-FFF2-40B4-BE49-F238E27FC236}">
-                <a16:creationId xmlns:a16="http://schemas.microsoft.com/office/drawing/2014/main" xmlns="" id="{BF53F91B-05B8-4079-A49D-22E65D735786}"/>
+                <a16:creationId xmlns:a16="http://schemas.microsoft.com/office/drawing/2014/main" id="{BF53F91B-05B8-4079-A49D-22E65D735786}"/>
               </a:ext>
             </a:extLst>
           </p:cNvPr>
@@ -6742,7 +6071,7 @@
           <p:cNvPr id="2" name="Tytuł 1">
             <a:extLst>
               <a:ext uri="{FF2B5EF4-FFF2-40B4-BE49-F238E27FC236}">
-                <a16:creationId xmlns:a16="http://schemas.microsoft.com/office/drawing/2014/main" xmlns="" id="{8EB652E4-BF49-46D3-B86E-EBCAD6654815}"/>
+                <a16:creationId xmlns:a16="http://schemas.microsoft.com/office/drawing/2014/main" id="{8EB652E4-BF49-46D3-B86E-EBCAD6654815}"/>
               </a:ext>
             </a:extLst>
           </p:cNvPr>
@@ -6779,7 +6108,7 @@
           <p:cNvPr id="3" name="Symbol zastępczy zawartości 2">
             <a:extLst>
               <a:ext uri="{FF2B5EF4-FFF2-40B4-BE49-F238E27FC236}">
-                <a16:creationId xmlns:a16="http://schemas.microsoft.com/office/drawing/2014/main" xmlns="" id="{12C87FD6-C493-4FD6-9A63-25BD966197F7}"/>
+                <a16:creationId xmlns:a16="http://schemas.microsoft.com/office/drawing/2014/main" id="{12C87FD6-C493-4FD6-9A63-25BD966197F7}"/>
               </a:ext>
             </a:extLst>
           </p:cNvPr>
@@ -6869,7 +6198,7 @@
           <p:cNvPr id="4" name="Symbol zastępczy tekstu 3">
             <a:extLst>
               <a:ext uri="{FF2B5EF4-FFF2-40B4-BE49-F238E27FC236}">
-                <a16:creationId xmlns:a16="http://schemas.microsoft.com/office/drawing/2014/main" xmlns="" id="{B937039B-650A-4099-896F-30DC101959C6}"/>
+                <a16:creationId xmlns:a16="http://schemas.microsoft.com/office/drawing/2014/main" id="{B937039B-650A-4099-896F-30DC101959C6}"/>
               </a:ext>
             </a:extLst>
           </p:cNvPr>
@@ -6940,7 +6269,7 @@
           <p:cNvPr id="5" name="Symbol zastępczy daty 4">
             <a:extLst>
               <a:ext uri="{FF2B5EF4-FFF2-40B4-BE49-F238E27FC236}">
-                <a16:creationId xmlns:a16="http://schemas.microsoft.com/office/drawing/2014/main" xmlns="" id="{36A089B8-4DDF-4D1A-A577-34DC886010F8}"/>
+                <a16:creationId xmlns:a16="http://schemas.microsoft.com/office/drawing/2014/main" id="{36A089B8-4DDF-4D1A-A577-34DC886010F8}"/>
               </a:ext>
             </a:extLst>
           </p:cNvPr>
@@ -6958,7 +6287,7 @@
           <a:p>
             <a:fld id="{17831131-99CE-46D1-951C-00D4EE88907E}" type="datetimeFigureOut">
               <a:rPr lang="pl-PL" smtClean="0"/>
-              <a:t>10.12.2017</a:t>
+              <a:t>11.12.2017</a:t>
             </a:fld>
             <a:endParaRPr lang="pl-PL"/>
           </a:p>
@@ -6969,7 +6298,7 @@
           <p:cNvPr id="6" name="Symbol zastępczy stopki 5">
             <a:extLst>
               <a:ext uri="{FF2B5EF4-FFF2-40B4-BE49-F238E27FC236}">
-                <a16:creationId xmlns:a16="http://schemas.microsoft.com/office/drawing/2014/main" xmlns="" id="{4D93C9B5-7BA8-4BBD-935C-99B0E9BFC70C}"/>
+                <a16:creationId xmlns:a16="http://schemas.microsoft.com/office/drawing/2014/main" id="{4D93C9B5-7BA8-4BBD-935C-99B0E9BFC70C}"/>
               </a:ext>
             </a:extLst>
           </p:cNvPr>
@@ -6994,7 +6323,7 @@
           <p:cNvPr id="7" name="Symbol zastępczy numeru slajdu 6">
             <a:extLst>
               <a:ext uri="{FF2B5EF4-FFF2-40B4-BE49-F238E27FC236}">
-                <a16:creationId xmlns:a16="http://schemas.microsoft.com/office/drawing/2014/main" xmlns="" id="{EB2200CD-46CB-4C51-A7B5-C2688AE6AEBC}"/>
+                <a16:creationId xmlns:a16="http://schemas.microsoft.com/office/drawing/2014/main" id="{EB2200CD-46CB-4C51-A7B5-C2688AE6AEBC}"/>
               </a:ext>
             </a:extLst>
           </p:cNvPr>
@@ -7053,7 +6382,7 @@
           <p:cNvPr id="2" name="Tytuł 1">
             <a:extLst>
               <a:ext uri="{FF2B5EF4-FFF2-40B4-BE49-F238E27FC236}">
-                <a16:creationId xmlns:a16="http://schemas.microsoft.com/office/drawing/2014/main" xmlns="" id="{6093DECF-2A82-48F5-8074-2F84173E4ABF}"/>
+                <a16:creationId xmlns:a16="http://schemas.microsoft.com/office/drawing/2014/main" id="{6093DECF-2A82-48F5-8074-2F84173E4ABF}"/>
               </a:ext>
             </a:extLst>
           </p:cNvPr>
@@ -7090,7 +6419,7 @@
           <p:cNvPr id="3" name="Symbol zastępczy obrazu 2">
             <a:extLst>
               <a:ext uri="{FF2B5EF4-FFF2-40B4-BE49-F238E27FC236}">
-                <a16:creationId xmlns:a16="http://schemas.microsoft.com/office/drawing/2014/main" xmlns="" id="{B07F62B1-23DA-4697-B72C-2FFE78B53746}"/>
+                <a16:creationId xmlns:a16="http://schemas.microsoft.com/office/drawing/2014/main" id="{B07F62B1-23DA-4697-B72C-2FFE78B53746}"/>
               </a:ext>
             </a:extLst>
           </p:cNvPr>
@@ -7157,7 +6486,7 @@
           <p:cNvPr id="4" name="Symbol zastępczy tekstu 3">
             <a:extLst>
               <a:ext uri="{FF2B5EF4-FFF2-40B4-BE49-F238E27FC236}">
-                <a16:creationId xmlns:a16="http://schemas.microsoft.com/office/drawing/2014/main" xmlns="" id="{DB951394-739F-4DB3-8D88-7A891AF7E232}"/>
+                <a16:creationId xmlns:a16="http://schemas.microsoft.com/office/drawing/2014/main" id="{DB951394-739F-4DB3-8D88-7A891AF7E232}"/>
               </a:ext>
             </a:extLst>
           </p:cNvPr>
@@ -7228,7 +6557,7 @@
           <p:cNvPr id="5" name="Symbol zastępczy daty 4">
             <a:extLst>
               <a:ext uri="{FF2B5EF4-FFF2-40B4-BE49-F238E27FC236}">
-                <a16:creationId xmlns:a16="http://schemas.microsoft.com/office/drawing/2014/main" xmlns="" id="{1353A353-16C0-4D2C-A483-A6342F8E1967}"/>
+                <a16:creationId xmlns:a16="http://schemas.microsoft.com/office/drawing/2014/main" id="{1353A353-16C0-4D2C-A483-A6342F8E1967}"/>
               </a:ext>
             </a:extLst>
           </p:cNvPr>
@@ -7246,7 +6575,7 @@
           <a:p>
             <a:fld id="{17831131-99CE-46D1-951C-00D4EE88907E}" type="datetimeFigureOut">
               <a:rPr lang="pl-PL" smtClean="0"/>
-              <a:t>10.12.2017</a:t>
+              <a:t>11.12.2017</a:t>
             </a:fld>
             <a:endParaRPr lang="pl-PL"/>
           </a:p>
@@ -7257,7 +6586,7 @@
           <p:cNvPr id="6" name="Symbol zastępczy stopki 5">
             <a:extLst>
               <a:ext uri="{FF2B5EF4-FFF2-40B4-BE49-F238E27FC236}">
-                <a16:creationId xmlns:a16="http://schemas.microsoft.com/office/drawing/2014/main" xmlns="" id="{47804BE4-1C73-4B53-B657-C5A787D89BB8}"/>
+                <a16:creationId xmlns:a16="http://schemas.microsoft.com/office/drawing/2014/main" id="{47804BE4-1C73-4B53-B657-C5A787D89BB8}"/>
               </a:ext>
             </a:extLst>
           </p:cNvPr>
@@ -7282,7 +6611,7 @@
           <p:cNvPr id="7" name="Symbol zastępczy numeru slajdu 6">
             <a:extLst>
               <a:ext uri="{FF2B5EF4-FFF2-40B4-BE49-F238E27FC236}">
-                <a16:creationId xmlns:a16="http://schemas.microsoft.com/office/drawing/2014/main" xmlns="" id="{7C3ACC19-8897-40EC-B654-F647B720E465}"/>
+                <a16:creationId xmlns:a16="http://schemas.microsoft.com/office/drawing/2014/main" id="{7C3ACC19-8897-40EC-B654-F647B720E465}"/>
               </a:ext>
             </a:extLst>
           </p:cNvPr>
@@ -7346,7 +6675,7 @@
           <p:cNvPr id="2" name="Symbol zastępczy tytułu 1">
             <a:extLst>
               <a:ext uri="{FF2B5EF4-FFF2-40B4-BE49-F238E27FC236}">
-                <a16:creationId xmlns:a16="http://schemas.microsoft.com/office/drawing/2014/main" xmlns="" id="{E6E92A03-387B-4C4E-8600-0BD2EC5137CB}"/>
+                <a16:creationId xmlns:a16="http://schemas.microsoft.com/office/drawing/2014/main" id="{E6E92A03-387B-4C4E-8600-0BD2EC5137CB}"/>
               </a:ext>
             </a:extLst>
           </p:cNvPr>
@@ -7384,7 +6713,7 @@
           <p:cNvPr id="3" name="Symbol zastępczy tekstu 2">
             <a:extLst>
               <a:ext uri="{FF2B5EF4-FFF2-40B4-BE49-F238E27FC236}">
-                <a16:creationId xmlns:a16="http://schemas.microsoft.com/office/drawing/2014/main" xmlns="" id="{016C6BC4-7401-46D3-BF9F-6FC7E6D0C210}"/>
+                <a16:creationId xmlns:a16="http://schemas.microsoft.com/office/drawing/2014/main" id="{016C6BC4-7401-46D3-BF9F-6FC7E6D0C210}"/>
               </a:ext>
             </a:extLst>
           </p:cNvPr>
@@ -7451,7 +6780,7 @@
           <p:cNvPr id="4" name="Symbol zastępczy daty 3">
             <a:extLst>
               <a:ext uri="{FF2B5EF4-FFF2-40B4-BE49-F238E27FC236}">
-                <a16:creationId xmlns:a16="http://schemas.microsoft.com/office/drawing/2014/main" xmlns="" id="{8614F191-9AB7-4DC5-966E-8C5B40E33B02}"/>
+                <a16:creationId xmlns:a16="http://schemas.microsoft.com/office/drawing/2014/main" id="{8614F191-9AB7-4DC5-966E-8C5B40E33B02}"/>
               </a:ext>
             </a:extLst>
           </p:cNvPr>
@@ -7487,7 +6816,7 @@
           <a:p>
             <a:fld id="{17831131-99CE-46D1-951C-00D4EE88907E}" type="datetimeFigureOut">
               <a:rPr lang="pl-PL" smtClean="0"/>
-              <a:t>10.12.2017</a:t>
+              <a:t>11.12.2017</a:t>
             </a:fld>
             <a:endParaRPr lang="pl-PL"/>
           </a:p>
@@ -7498,7 +6827,7 @@
           <p:cNvPr id="5" name="Symbol zastępczy stopki 4">
             <a:extLst>
               <a:ext uri="{FF2B5EF4-FFF2-40B4-BE49-F238E27FC236}">
-                <a16:creationId xmlns:a16="http://schemas.microsoft.com/office/drawing/2014/main" xmlns="" id="{2F12A9D9-BB7C-4D07-AF9D-F78F75EC4595}"/>
+                <a16:creationId xmlns:a16="http://schemas.microsoft.com/office/drawing/2014/main" id="{2F12A9D9-BB7C-4D07-AF9D-F78F75EC4595}"/>
               </a:ext>
             </a:extLst>
           </p:cNvPr>
@@ -7541,7 +6870,7 @@
           <p:cNvPr id="6" name="Symbol zastępczy numeru slajdu 5">
             <a:extLst>
               <a:ext uri="{FF2B5EF4-FFF2-40B4-BE49-F238E27FC236}">
-                <a16:creationId xmlns:a16="http://schemas.microsoft.com/office/drawing/2014/main" xmlns="" id="{6F5E05D6-0B48-4EAD-A857-20B2D990A622}"/>
+                <a16:creationId xmlns:a16="http://schemas.microsoft.com/office/drawing/2014/main" id="{6F5E05D6-0B48-4EAD-A857-20B2D990A622}"/>
               </a:ext>
             </a:extLst>
           </p:cNvPr>
@@ -7909,7 +7238,7 @@
           <p:cNvPr id="2" name="Tytuł 1">
             <a:extLst>
               <a:ext uri="{FF2B5EF4-FFF2-40B4-BE49-F238E27FC236}">
-                <a16:creationId xmlns:a16="http://schemas.microsoft.com/office/drawing/2014/main" xmlns="" id="{EE460B4C-2B4A-4CF8-B845-1AE9B72AD223}"/>
+                <a16:creationId xmlns:a16="http://schemas.microsoft.com/office/drawing/2014/main" id="{EE460B4C-2B4A-4CF8-B845-1AE9B72AD223}"/>
               </a:ext>
             </a:extLst>
           </p:cNvPr>
@@ -7937,7 +7266,7 @@
           <p:cNvPr id="3" name="Podtytuł 2">
             <a:extLst>
               <a:ext uri="{FF2B5EF4-FFF2-40B4-BE49-F238E27FC236}">
-                <a16:creationId xmlns:a16="http://schemas.microsoft.com/office/drawing/2014/main" xmlns="" id="{75FAD423-FAE5-4542-93CF-A7CC6C45C4C5}"/>
+                <a16:creationId xmlns:a16="http://schemas.microsoft.com/office/drawing/2014/main" id="{75FAD423-FAE5-4542-93CF-A7CC6C45C4C5}"/>
               </a:ext>
             </a:extLst>
           </p:cNvPr>
@@ -7975,13 +7304,6 @@
   <p:clrMapOvr>
     <a:masterClrMapping/>
   </p:clrMapOvr>
-  <p:timing>
-    <p:tnLst>
-      <p:par>
-        <p:cTn id="1" dur="indefinite" restart="never" nodeType="tmRoot"/>
-      </p:par>
-    </p:tnLst>
-  </p:timing>
 </p:sld>
 </file>
 
@@ -8091,13 +7413,6 @@
   <p:clrMapOvr>
     <a:masterClrMapping/>
   </p:clrMapOvr>
-  <p:timing>
-    <p:tnLst>
-      <p:par>
-        <p:cTn id="1" dur="indefinite" restart="never" nodeType="tmRoot"/>
-      </p:par>
-    </p:tnLst>
-  </p:timing>
 </p:sld>
 </file>
 
@@ -8134,88 +7449,79 @@
           <a:lstStyle/>
           <a:p>
             <a:r>
-              <a:rPr lang="en-GB" dirty="0" err="1" smtClean="0"/>
+              <a:rPr lang="en-GB" dirty="0" err="1"/>
               <a:t>Rady</a:t>
             </a:r>
             <a:r>
-              <a:rPr lang="en-GB" dirty="0" smtClean="0"/>
-              <a:t> </a:t>
+              <a:rPr lang="en-GB" dirty="0"/>
+              <a:t> </a:t>
+            </a:r>
+          </a:p>
+        </p:txBody>
+      </p:sp>
+      <p:sp>
+        <p:nvSpPr>
+          <p:cNvPr id="3" name="Symbol zastępczy zawartości 2"/>
+          <p:cNvSpPr>
+            <a:spLocks noGrp="1"/>
+          </p:cNvSpPr>
+          <p:nvPr>
+            <p:ph idx="1"/>
+          </p:nvPr>
+        </p:nvSpPr>
+        <p:spPr/>
+        <p:txBody>
+          <a:bodyPr/>
+          <a:lstStyle/>
+          <a:p>
+            <a:r>
+              <a:rPr lang="pl-PL" dirty="0"/>
+              <a:t>testuj poje</a:t>
+            </a:r>
+            <a:r>
+              <a:rPr lang="en-GB" dirty="0" err="1"/>
+              <a:t>dyń</a:t>
+            </a:r>
+            <a:r>
+              <a:rPr lang="pl-PL" dirty="0" err="1"/>
+              <a:t>cze</a:t>
+            </a:r>
+            <a:r>
+              <a:rPr lang="pl-PL" dirty="0"/>
+              <a:t> wymagania </a:t>
+            </a:r>
+            <a:r>
+              <a:rPr lang="en-GB" dirty="0"/>
+              <a:t>(</a:t>
+            </a:r>
+            <a:r>
+              <a:rPr lang="pl-PL" dirty="0"/>
+              <a:t>jak najmniejsze</a:t>
+            </a:r>
+            <a:r>
+              <a:rPr lang="en-GB" dirty="0"/>
+              <a:t>)</a:t>
+            </a:r>
+          </a:p>
+          <a:p>
+            <a:r>
+              <a:rPr lang="en-GB" dirty="0"/>
+              <a:t>refactor </a:t>
+            </a:r>
+            <a:r>
+              <a:rPr lang="en-GB" dirty="0" err="1"/>
+              <a:t>kodu</a:t>
+            </a:r>
+            <a:r>
+              <a:rPr lang="en-GB" dirty="0"/>
+              <a:t> i </a:t>
+            </a:r>
+            <a:r>
+              <a:rPr lang="en-GB" dirty="0" err="1"/>
+              <a:t>testów</a:t>
             </a:r>
             <a:endParaRPr lang="en-GB" dirty="0"/>
           </a:p>
-        </p:txBody>
-      </p:sp>
-      <p:sp>
-        <p:nvSpPr>
-          <p:cNvPr id="3" name="Symbol zastępczy zawartości 2"/>
-          <p:cNvSpPr>
-            <a:spLocks noGrp="1"/>
-          </p:cNvSpPr>
-          <p:nvPr>
-            <p:ph idx="1"/>
-          </p:nvPr>
-        </p:nvSpPr>
-        <p:spPr/>
-        <p:txBody>
-          <a:bodyPr/>
-          <a:lstStyle/>
-          <a:p>
-            <a:r>
-              <a:rPr lang="pl-PL" dirty="0"/>
-              <a:t>testuj </a:t>
-            </a:r>
-            <a:r>
-              <a:rPr lang="pl-PL" dirty="0" smtClean="0"/>
-              <a:t>poje</a:t>
-            </a:r>
-            <a:r>
-              <a:rPr lang="en-GB" dirty="0" err="1" smtClean="0"/>
-              <a:t>dyń</a:t>
-            </a:r>
-            <a:r>
-              <a:rPr lang="pl-PL" dirty="0" err="1" smtClean="0"/>
-              <a:t>cze</a:t>
-            </a:r>
-            <a:r>
-              <a:rPr lang="pl-PL" dirty="0" smtClean="0"/>
-              <a:t> </a:t>
-            </a:r>
-            <a:r>
-              <a:rPr lang="pl-PL" dirty="0"/>
-              <a:t>wymagania </a:t>
-            </a:r>
-            <a:r>
-              <a:rPr lang="en-GB" dirty="0" smtClean="0"/>
-              <a:t>(</a:t>
-            </a:r>
-            <a:r>
-              <a:rPr lang="pl-PL" dirty="0" smtClean="0"/>
-              <a:t>jak najmniejsze</a:t>
-            </a:r>
-            <a:r>
-              <a:rPr lang="en-GB" dirty="0" smtClean="0"/>
-              <a:t>)</a:t>
-            </a:r>
-          </a:p>
-          <a:p>
-            <a:r>
-              <a:rPr lang="en-GB" dirty="0" smtClean="0"/>
-              <a:t>refactor </a:t>
-            </a:r>
-            <a:r>
-              <a:rPr lang="en-GB" dirty="0" err="1"/>
-              <a:t>kodu</a:t>
-            </a:r>
-            <a:r>
-              <a:rPr lang="en-GB" dirty="0"/>
-              <a:t> i </a:t>
-            </a:r>
-            <a:r>
-              <a:rPr lang="en-GB" dirty="0" err="1" smtClean="0"/>
-              <a:t>testów</a:t>
-            </a:r>
-            <a:endParaRPr lang="en-GB" dirty="0" smtClean="0"/>
-          </a:p>
           <a:p>
             <a:r>
               <a:rPr lang="pl-PL" dirty="0"/>
@@ -8227,18 +7533,14 @@
             </a:r>
             <a:r>
               <a:rPr lang="pl-PL" dirty="0"/>
-              <a:t> </a:t>
-            </a:r>
-            <a:r>
-              <a:rPr lang="pl-PL" dirty="0" smtClean="0"/>
-              <a:t>wywala</a:t>
-            </a:r>
-            <a:r>
-              <a:rPr lang="en-GB" dirty="0" smtClean="0"/>
+              <a:t> wywala</a:t>
+            </a:r>
+            <a:r>
+              <a:rPr lang="en-GB" dirty="0"/>
               <a:t>ć</a:t>
             </a:r>
             <a:r>
-              <a:rPr lang="pl-PL" dirty="0" smtClean="0"/>
+              <a:rPr lang="pl-PL" dirty="0"/>
               <a:t> si</a:t>
             </a:r>
             <a:r>
@@ -8246,34 +7548,18 @@
               <a:t>ę</a:t>
             </a:r>
             <a:r>
-              <a:rPr lang="pl-PL" dirty="0" smtClean="0"/>
-              <a:t> </a:t>
-            </a:r>
-            <a:r>
-              <a:rPr lang="pl-PL" dirty="0"/>
-              <a:t>tylko z jednego </a:t>
-            </a:r>
-            <a:r>
-              <a:rPr lang="pl-PL" dirty="0" smtClean="0"/>
-              <a:t>powodu</a:t>
-            </a:r>
-            <a:r>
-              <a:rPr lang="en-GB" dirty="0" smtClean="0"/>
+              <a:rPr lang="pl-PL" dirty="0"/>
+              <a:t> tylko z jednego powodu</a:t>
+            </a:r>
+            <a:r>
+              <a:rPr lang="en-GB" dirty="0"/>
               <a:t>,</a:t>
             </a:r>
             <a:r>
-              <a:rPr lang="pl-PL" dirty="0" smtClean="0"/>
-              <a:t> </a:t>
-            </a:r>
-            <a:r>
-              <a:rPr lang="pl-PL" dirty="0"/>
-              <a:t>a nie z </a:t>
-            </a:r>
-            <a:r>
-              <a:rPr lang="pl-PL" dirty="0" smtClean="0"/>
-              <a:t>kilku</a:t>
-            </a:r>
-            <a:endParaRPr lang="en-GB" dirty="0" smtClean="0"/>
+              <a:rPr lang="pl-PL" dirty="0"/>
+              <a:t> a nie z kilku</a:t>
+            </a:r>
+            <a:endParaRPr lang="en-GB" dirty="0"/>
           </a:p>
           <a:p>
             <a:r>
@@ -8309,56 +7595,52 @@
           <a:p>
             <a:r>
               <a:rPr lang="pl-PL" dirty="0"/>
-              <a:t>nie </a:t>
-            </a:r>
-            <a:r>
-              <a:rPr lang="pl-PL" dirty="0" smtClean="0"/>
-              <a:t>u</a:t>
-            </a:r>
-            <a:r>
-              <a:rPr lang="en-GB" dirty="0" smtClean="0"/>
+              <a:t>nie u</a:t>
+            </a:r>
+            <a:r>
+              <a:rPr lang="en-GB" dirty="0"/>
               <a:t>ż</a:t>
             </a:r>
             <a:r>
-              <a:rPr lang="pl-PL" dirty="0" err="1" smtClean="0"/>
+              <a:rPr lang="pl-PL" dirty="0" err="1"/>
               <a:t>ywa</a:t>
             </a:r>
             <a:r>
-              <a:rPr lang="en-GB" dirty="0" smtClean="0"/>
+              <a:rPr lang="en-GB" dirty="0"/>
               <a:t>j</a:t>
             </a:r>
             <a:r>
-              <a:rPr lang="pl-PL" dirty="0" smtClean="0"/>
-              <a:t> </a:t>
-            </a:r>
-            <a:r>
-              <a:rPr lang="en-GB" dirty="0" err="1" smtClean="0"/>
+              <a:rPr lang="pl-PL" dirty="0"/>
+              <a:t> </a:t>
+            </a:r>
+            <a:r>
+              <a:rPr lang="en-GB" dirty="0" err="1"/>
               <a:t>adnotacji</a:t>
             </a:r>
             <a:r>
-              <a:rPr lang="en-GB" dirty="0" smtClean="0"/>
+              <a:rPr lang="en-GB" dirty="0"/>
               <a:t> “</a:t>
             </a:r>
             <a:r>
-              <a:rPr lang="pl-PL" dirty="0" err="1" smtClean="0"/>
+              <a:rPr lang="pl-PL" dirty="0" err="1"/>
               <a:t>expectedException</a:t>
             </a:r>
             <a:r>
-              <a:rPr lang="en-GB" dirty="0" smtClean="0"/>
+              <a:rPr lang="en-GB" dirty="0"/>
               <a:t>”</a:t>
             </a:r>
           </a:p>
           <a:p>
             <a:r>
-              <a:rPr lang="pl-PL" dirty="0" err="1" smtClean="0"/>
+              <a:rPr lang="pl-PL" dirty="0" err="1"/>
               <a:t>jedn</a:t>
             </a:r>
             <a:r>
-              <a:rPr lang="en-GB" dirty="0" smtClean="0"/>
+              <a:rPr lang="en-GB" dirty="0"/>
               <a:t>a</a:t>
             </a:r>
             <a:r>
-              <a:rPr lang="pl-PL" dirty="0" smtClean="0"/>
+              <a:rPr lang="pl-PL" dirty="0"/>
               <a:t> </a:t>
             </a:r>
             <a:r>
@@ -8367,21 +7649,17 @@
             </a:r>
             <a:r>
               <a:rPr lang="pl-PL" dirty="0"/>
-              <a:t> w jednym </a:t>
-            </a:r>
-            <a:r>
-              <a:rPr lang="pl-PL" dirty="0" smtClean="0"/>
-              <a:t>te</a:t>
-            </a:r>
-            <a:r>
-              <a:rPr lang="en-GB" dirty="0" smtClean="0"/>
+              <a:t> w jednym te</a:t>
+            </a:r>
+            <a:r>
+              <a:rPr lang="en-GB" dirty="0"/>
               <a:t>ś</a:t>
             </a:r>
             <a:r>
-              <a:rPr lang="pl-PL" dirty="0" err="1" smtClean="0"/>
+              <a:rPr lang="pl-PL" dirty="0" err="1"/>
               <a:t>cie</a:t>
             </a:r>
-            <a:endParaRPr lang="en-GB" dirty="0" smtClean="0"/>
+            <a:endParaRPr lang="en-GB" dirty="0"/>
           </a:p>
           <a:p>
             <a:r>
@@ -8396,28 +7674,20 @@
               <a:rPr lang="pl-PL" dirty="0"/>
               <a:t> dziedziczenia w testach </a:t>
             </a:r>
-            <a:endParaRPr lang="en-GB" dirty="0" smtClean="0"/>
-          </a:p>
-          <a:p>
-            <a:r>
-              <a:rPr lang="pl-PL" dirty="0"/>
-              <a:t>testy powinny </a:t>
-            </a:r>
-            <a:r>
-              <a:rPr lang="pl-PL" dirty="0" smtClean="0"/>
-              <a:t>testowa</a:t>
-            </a:r>
-            <a:r>
-              <a:rPr lang="en-GB" dirty="0" smtClean="0"/>
+            <a:endParaRPr lang="en-GB" dirty="0"/>
+          </a:p>
+          <a:p>
+            <a:r>
+              <a:rPr lang="pl-PL" dirty="0"/>
+              <a:t>testy powinny testowa</a:t>
+            </a:r>
+            <a:r>
+              <a:rPr lang="en-GB" dirty="0"/>
               <a:t>ć</a:t>
             </a:r>
             <a:r>
-              <a:rPr lang="pl-PL" dirty="0" smtClean="0"/>
-              <a:t> </a:t>
-            </a:r>
-            <a:r>
-              <a:rPr lang="pl-PL" dirty="0"/>
-              <a:t>jedno zachowanie</a:t>
+              <a:rPr lang="pl-PL" dirty="0"/>
+              <a:t> jedno zachowanie</a:t>
             </a:r>
             <a:endParaRPr lang="en-GB" dirty="0"/>
           </a:p>
@@ -8433,13 +7703,6 @@
   <p:clrMapOvr>
     <a:masterClrMapping/>
   </p:clrMapOvr>
-  <p:timing>
-    <p:tnLst>
-      <p:par>
-        <p:cTn id="1" dur="indefinite" restart="never" nodeType="tmRoot"/>
-      </p:par>
-    </p:tnLst>
-  </p:timing>
 </p:sld>
 </file>
 
@@ -8476,40 +7739,114 @@
           <a:lstStyle/>
           <a:p>
             <a:r>
-              <a:rPr lang="en-GB" dirty="0" err="1" smtClean="0"/>
+              <a:rPr lang="en-GB" dirty="0" err="1"/>
               <a:t>Rady</a:t>
             </a:r>
             <a:r>
-              <a:rPr lang="en-GB" dirty="0" smtClean="0"/>
+              <a:rPr lang="en-GB" dirty="0"/>
               <a:t> cd</a:t>
             </a:r>
+          </a:p>
+        </p:txBody>
+      </p:sp>
+      <p:sp>
+        <p:nvSpPr>
+          <p:cNvPr id="3" name="Symbol zastępczy zawartości 2"/>
+          <p:cNvSpPr>
+            <a:spLocks noGrp="1"/>
+          </p:cNvSpPr>
+          <p:nvPr>
+            <p:ph idx="1"/>
+          </p:nvPr>
+        </p:nvSpPr>
+        <p:spPr/>
+        <p:txBody>
+          <a:bodyPr/>
+          <a:lstStyle/>
+          <a:p>
+            <a:r>
+              <a:rPr lang="en-GB" dirty="0"/>
+              <a:t>inline setup</a:t>
+            </a:r>
+          </a:p>
+          <a:p>
+            <a:r>
+              <a:rPr lang="en-GB" dirty="0" err="1"/>
+              <a:t>unikaj</a:t>
+            </a:r>
+            <a:r>
+              <a:rPr lang="en-GB" dirty="0"/>
+              <a:t> </a:t>
+            </a:r>
+            <a:r>
+              <a:rPr lang="en-GB" dirty="0" err="1"/>
+              <a:t>obiektów</a:t>
+            </a:r>
+            <a:r>
+              <a:rPr lang="en-GB" dirty="0"/>
+              <a:t> </a:t>
+            </a:r>
+            <a:r>
+              <a:rPr lang="en-GB" dirty="0" err="1"/>
+              <a:t>LocalDate</a:t>
+            </a:r>
+            <a:r>
+              <a:rPr lang="en-GB" dirty="0"/>
+              <a:t> (</a:t>
+            </a:r>
+            <a:r>
+              <a:rPr lang="en-GB" dirty="0" err="1"/>
+              <a:t>unikaj</a:t>
+            </a:r>
+            <a:r>
+              <a:rPr lang="en-GB" dirty="0"/>
+              <a:t> sleep) -&gt; Clock</a:t>
+            </a:r>
+          </a:p>
+          <a:p>
+            <a:r>
+              <a:rPr lang="pl-PL" dirty="0"/>
+              <a:t>testy nie powinny dotykać systemu </a:t>
+            </a:r>
+            <a:r>
+              <a:rPr lang="pl-PL" dirty="0" err="1"/>
+              <a:t>plikow</a:t>
+            </a:r>
             <a:endParaRPr lang="en-GB" dirty="0"/>
           </a:p>
-        </p:txBody>
-      </p:sp>
-      <p:sp>
-        <p:nvSpPr>
-          <p:cNvPr id="3" name="Symbol zastępczy zawartości 2"/>
-          <p:cNvSpPr>
-            <a:spLocks noGrp="1"/>
-          </p:cNvSpPr>
-          <p:nvPr>
-            <p:ph idx="1"/>
-          </p:nvPr>
-        </p:nvSpPr>
-        <p:spPr/>
-        <p:txBody>
-          <a:bodyPr/>
-          <a:lstStyle/>
-          <a:p>
-            <a:r>
-              <a:rPr lang="en-GB" dirty="0"/>
-              <a:t>inline </a:t>
-            </a:r>
-            <a:r>
-              <a:rPr lang="en-GB" dirty="0" smtClean="0"/>
-              <a:t>setup</a:t>
-            </a:r>
+          <a:p>
+            <a:r>
+              <a:rPr lang="pl-PL" dirty="0"/>
+              <a:t>nie powinno być za dużo </a:t>
+            </a:r>
+            <a:r>
+              <a:rPr lang="pl-PL" dirty="0" err="1"/>
+              <a:t>mockow</a:t>
+            </a:r>
+            <a:endParaRPr lang="en-GB" dirty="0"/>
+          </a:p>
+          <a:p>
+            <a:r>
+              <a:rPr lang="pl-PL" dirty="0"/>
+              <a:t> nie używam @</a:t>
+            </a:r>
+            <a:r>
+              <a:rPr lang="pl-PL" dirty="0" err="1"/>
+              <a:t>Ignore</a:t>
+            </a:r>
+            <a:r>
+              <a:rPr lang="pl-PL" dirty="0"/>
+              <a:t> jeżeli chcemy użyć </a:t>
+            </a:r>
+            <a:r>
+              <a:rPr lang="pl-PL" dirty="0" err="1"/>
+              <a:t>ignore</a:t>
+            </a:r>
+            <a:r>
+              <a:rPr lang="pl-PL" dirty="0"/>
+              <a:t> to usuwamy test </a:t>
+            </a:r>
+            <a:endParaRPr lang="en-GB" dirty="0"/>
           </a:p>
           <a:p>
             <a:r>
@@ -8518,154 +7855,23 @@
             </a:r>
             <a:r>
               <a:rPr lang="en-GB" dirty="0"/>
-              <a:t> </a:t>
-            </a:r>
-            <a:r>
-              <a:rPr lang="en-GB" dirty="0" err="1" smtClean="0"/>
-              <a:t>obiektów</a:t>
-            </a:r>
-            <a:r>
-              <a:rPr lang="en-GB" dirty="0" smtClean="0"/>
-              <a:t> </a:t>
-            </a:r>
-            <a:r>
-              <a:rPr lang="en-GB" dirty="0" err="1" smtClean="0"/>
-              <a:t>LocalDate</a:t>
-            </a:r>
-            <a:r>
-              <a:rPr lang="en-GB" dirty="0" smtClean="0"/>
-              <a:t> (</a:t>
-            </a:r>
-            <a:r>
-              <a:rPr lang="en-GB" dirty="0" err="1" smtClean="0"/>
-              <a:t>unikaj</a:t>
-            </a:r>
-            <a:r>
-              <a:rPr lang="en-GB" dirty="0" smtClean="0"/>
-              <a:t> sleep) -&gt; Clock</a:t>
-            </a:r>
-          </a:p>
-          <a:p>
-            <a:r>
-              <a:rPr lang="pl-PL" dirty="0"/>
-              <a:t>testy nie powinny </a:t>
-            </a:r>
-            <a:r>
-              <a:rPr lang="pl-PL" dirty="0" smtClean="0"/>
-              <a:t>dotykać </a:t>
-            </a:r>
-            <a:r>
-              <a:rPr lang="pl-PL" dirty="0"/>
-              <a:t>systemu </a:t>
-            </a:r>
-            <a:r>
-              <a:rPr lang="pl-PL" dirty="0" err="1" smtClean="0"/>
-              <a:t>plikow</a:t>
-            </a:r>
-            <a:endParaRPr lang="en-GB" dirty="0" smtClean="0"/>
-          </a:p>
-          <a:p>
-            <a:r>
-              <a:rPr lang="pl-PL" dirty="0"/>
-              <a:t>nie </a:t>
-            </a:r>
-            <a:r>
-              <a:rPr lang="pl-PL" dirty="0" smtClean="0"/>
-              <a:t>powinno być </a:t>
-            </a:r>
-            <a:r>
-              <a:rPr lang="pl-PL" dirty="0"/>
-              <a:t>za </a:t>
-            </a:r>
-            <a:r>
-              <a:rPr lang="pl-PL" dirty="0" smtClean="0"/>
-              <a:t>dużo </a:t>
-            </a:r>
-            <a:r>
-              <a:rPr lang="pl-PL" dirty="0" err="1" smtClean="0"/>
-              <a:t>mockow</a:t>
-            </a:r>
-            <a:endParaRPr lang="en-GB" dirty="0" smtClean="0"/>
-          </a:p>
-          <a:p>
-            <a:r>
-              <a:rPr lang="pl-PL" dirty="0"/>
-              <a:t> nie </a:t>
-            </a:r>
-            <a:r>
-              <a:rPr lang="pl-PL" dirty="0" smtClean="0"/>
-              <a:t>używam </a:t>
-            </a:r>
-            <a:r>
-              <a:rPr lang="pl-PL" dirty="0"/>
-              <a:t>@</a:t>
-            </a:r>
-            <a:r>
-              <a:rPr lang="pl-PL" dirty="0" err="1"/>
-              <a:t>Ignore</a:t>
-            </a:r>
-            <a:r>
-              <a:rPr lang="pl-PL" dirty="0"/>
-              <a:t> </a:t>
-            </a:r>
-            <a:r>
-              <a:rPr lang="pl-PL" dirty="0" smtClean="0"/>
-              <a:t>jeżeli </a:t>
-            </a:r>
-            <a:r>
-              <a:rPr lang="pl-PL" dirty="0"/>
-              <a:t>chcemy </a:t>
-            </a:r>
-            <a:r>
-              <a:rPr lang="pl-PL" dirty="0" smtClean="0"/>
-              <a:t>użyć </a:t>
-            </a:r>
-            <a:r>
-              <a:rPr lang="pl-PL" dirty="0" err="1"/>
-              <a:t>ignore</a:t>
-            </a:r>
-            <a:r>
-              <a:rPr lang="pl-PL" dirty="0"/>
-              <a:t> to usuwamy test </a:t>
-            </a:r>
-            <a:endParaRPr lang="en-GB" dirty="0" smtClean="0"/>
-          </a:p>
-          <a:p>
-            <a:r>
-              <a:rPr lang="en-GB" dirty="0" err="1" smtClean="0"/>
-              <a:t>unikaj</a:t>
-            </a:r>
-            <a:r>
-              <a:rPr lang="en-GB" dirty="0" smtClean="0"/>
               <a:t> t</a:t>
             </a:r>
             <a:r>
-              <a:rPr lang="pl-PL" dirty="0" err="1" smtClean="0"/>
+              <a:rPr lang="pl-PL" dirty="0" err="1"/>
               <a:t>est</a:t>
             </a:r>
             <a:r>
-              <a:rPr lang="en-GB" dirty="0" err="1" smtClean="0"/>
+              <a:rPr lang="en-GB" dirty="0" err="1"/>
               <a:t>ów</a:t>
             </a:r>
             <a:r>
-              <a:rPr lang="en-GB" dirty="0" smtClean="0"/>
+              <a:rPr lang="en-GB" dirty="0"/>
               <a:t>,</a:t>
             </a:r>
             <a:r>
-              <a:rPr lang="pl-PL" dirty="0" smtClean="0"/>
-              <a:t> który </a:t>
-            </a:r>
-            <a:r>
-              <a:rPr lang="pl-PL" dirty="0"/>
-              <a:t>raz </a:t>
-            </a:r>
-            <a:r>
-              <a:rPr lang="pl-PL" dirty="0" smtClean="0"/>
-              <a:t>działa </a:t>
-            </a:r>
-            <a:r>
-              <a:rPr lang="pl-PL" dirty="0"/>
-              <a:t>a raz nie</a:t>
+              <a:rPr lang="pl-PL" dirty="0"/>
+              <a:t> który raz działa a raz nie</a:t>
             </a:r>
             <a:endParaRPr lang="en-GB" dirty="0"/>
           </a:p>
@@ -8681,13 +7887,6 @@
   <p:clrMapOvr>
     <a:masterClrMapping/>
   </p:clrMapOvr>
-  <p:timing>
-    <p:tnLst>
-      <p:par>
-        <p:cTn id="1" dur="indefinite" restart="never" nodeType="tmRoot"/>
-      </p:par>
-    </p:tnLst>
-  </p:timing>
 </p:sld>
 </file>
 
@@ -8724,23 +7923,23 @@
           <a:lstStyle/>
           <a:p>
             <a:r>
-              <a:rPr lang="en-GB" dirty="0" err="1" smtClean="0"/>
+              <a:rPr lang="en-GB" dirty="0" err="1"/>
               <a:t>Cechy</a:t>
             </a:r>
             <a:r>
-              <a:rPr lang="en-GB" dirty="0" smtClean="0"/>
-              <a:t> </a:t>
-            </a:r>
-            <a:r>
-              <a:rPr lang="en-GB" dirty="0" err="1" smtClean="0"/>
+              <a:rPr lang="en-GB" dirty="0"/>
+              <a:t> </a:t>
+            </a:r>
+            <a:r>
+              <a:rPr lang="en-GB" dirty="0" err="1"/>
               <a:t>dobrych</a:t>
             </a:r>
             <a:r>
-              <a:rPr lang="en-GB" dirty="0" smtClean="0"/>
-              <a:t> </a:t>
-            </a:r>
-            <a:r>
-              <a:rPr lang="en-GB" dirty="0" err="1" smtClean="0"/>
+              <a:rPr lang="en-GB" dirty="0"/>
+              <a:t> </a:t>
+            </a:r>
+            <a:r>
+              <a:rPr lang="en-GB" dirty="0" err="1"/>
               <a:t>testów</a:t>
             </a:r>
             <a:endParaRPr lang="en-GB" dirty="0"/>
@@ -8763,44 +7962,26 @@
           <a:lstStyle/>
           <a:p>
             <a:r>
-              <a:rPr lang="pl-PL" dirty="0" smtClean="0"/>
-              <a:t>niezależne </a:t>
-            </a:r>
-            <a:r>
-              <a:rPr lang="pl-PL" dirty="0"/>
-              <a:t>od siebie</a:t>
-            </a:r>
-          </a:p>
-          <a:p>
-            <a:r>
-              <a:rPr lang="pl-PL" dirty="0" smtClean="0"/>
+              <a:rPr lang="pl-PL" dirty="0"/>
+              <a:t>niezależne od siebie</a:t>
+            </a:r>
+          </a:p>
+          <a:p>
+            <a:r>
+              <a:rPr lang="pl-PL" dirty="0"/>
               <a:t>niezawodne</a:t>
             </a:r>
-            <a:endParaRPr lang="pl-PL" dirty="0"/>
-          </a:p>
-          <a:p>
-            <a:r>
-              <a:rPr lang="pl-PL" dirty="0" smtClean="0"/>
+          </a:p>
+          <a:p>
+            <a:r>
+              <a:rPr lang="pl-PL" dirty="0"/>
               <a:t>czytelne</a:t>
             </a:r>
-            <a:endParaRPr lang="pl-PL" dirty="0"/>
-          </a:p>
-          <a:p>
-            <a:r>
-              <a:rPr lang="pl-PL" dirty="0" smtClean="0"/>
-              <a:t>testują </a:t>
-            </a:r>
-            <a:r>
-              <a:rPr lang="pl-PL" dirty="0"/>
-              <a:t>jedno zachowanie - jeden </a:t>
-            </a:r>
-            <a:r>
-              <a:rPr lang="pl-PL" dirty="0" smtClean="0"/>
-              <a:t>powód </a:t>
-            </a:r>
-            <a:r>
-              <a:rPr lang="pl-PL" dirty="0"/>
-              <a:t>do zmiany </a:t>
+          </a:p>
+          <a:p>
+            <a:r>
+              <a:rPr lang="pl-PL" dirty="0"/>
+              <a:t>testują jedno zachowanie - jeden powód do zmiany </a:t>
             </a:r>
           </a:p>
           <a:p>
@@ -8809,34 +7990,30 @@
               <a:t>s</a:t>
             </a:r>
             <a:r>
-              <a:rPr lang="pl-PL" dirty="0" err="1" smtClean="0"/>
+              <a:rPr lang="pl-PL" dirty="0" err="1"/>
               <a:t>zybkie</a:t>
             </a:r>
-            <a:endParaRPr lang="en-GB" dirty="0" smtClean="0"/>
-          </a:p>
-          <a:p>
-            <a:r>
-              <a:rPr lang="en-GB" dirty="0" err="1"/>
-              <a:t>t</a:t>
-            </a:r>
-            <a:r>
-              <a:rPr lang="en-GB" dirty="0" err="1" smtClean="0"/>
-              <a:t>ylko</a:t>
-            </a:r>
-            <a:r>
-              <a:rPr lang="en-GB" dirty="0" smtClean="0"/>
-              <a:t> </a:t>
-            </a:r>
-            <a:r>
-              <a:rPr lang="en-GB" dirty="0" err="1" smtClean="0"/>
+            <a:endParaRPr lang="en-GB" dirty="0"/>
+          </a:p>
+          <a:p>
+            <a:r>
+              <a:rPr lang="en-GB" dirty="0" err="1"/>
+              <a:t>tylko</a:t>
+            </a:r>
+            <a:r>
+              <a:rPr lang="en-GB" dirty="0"/>
+              <a:t> </a:t>
+            </a:r>
+            <a:r>
+              <a:rPr lang="en-GB" dirty="0" err="1"/>
               <a:t>jedna</a:t>
             </a:r>
             <a:r>
-              <a:rPr lang="en-GB" dirty="0" smtClean="0"/>
-              <a:t> </a:t>
-            </a:r>
-            <a:r>
-              <a:rPr lang="en-GB" dirty="0" err="1" smtClean="0"/>
+              <a:rPr lang="en-GB" dirty="0"/>
+              <a:t> </a:t>
+            </a:r>
+            <a:r>
+              <a:rPr lang="en-GB" dirty="0" err="1"/>
               <a:t>assercja</a:t>
             </a:r>
             <a:endParaRPr lang="pl-PL" dirty="0"/>
@@ -8853,13 +8030,6 @@
   <p:clrMapOvr>
     <a:masterClrMapping/>
   </p:clrMapOvr>
-  <p:timing>
-    <p:tnLst>
-      <p:par>
-        <p:cTn id="1" dur="indefinite" restart="never" nodeType="tmRoot"/>
-      </p:par>
-    </p:tnLst>
-  </p:timing>
 </p:sld>
 </file>
 
@@ -8896,19 +8066,19 @@
           <a:lstStyle/>
           <a:p>
             <a:r>
-              <a:rPr lang="en-GB" dirty="0" smtClean="0"/>
+              <a:rPr lang="en-GB" dirty="0"/>
               <a:t>Testy </a:t>
             </a:r>
             <a:r>
-              <a:rPr lang="en-GB" dirty="0" err="1" smtClean="0"/>
+              <a:rPr lang="en-GB" dirty="0" err="1"/>
               <a:t>integracyjne</a:t>
             </a:r>
             <a:r>
-              <a:rPr lang="en-GB" dirty="0" smtClean="0"/>
+              <a:rPr lang="en-GB" dirty="0"/>
               <a:t> - </a:t>
             </a:r>
             <a:r>
-              <a:rPr lang="en-GB" dirty="0" err="1" smtClean="0"/>
+              <a:rPr lang="en-GB" dirty="0" err="1"/>
               <a:t>hacki</a:t>
             </a:r>
             <a:endParaRPr lang="en-GB" dirty="0"/>
@@ -8932,53 +8102,41 @@
           <a:p>
             <a:r>
               <a:rPr lang="pl-PL" dirty="0"/>
-              <a:t>zmniejsz </a:t>
-            </a:r>
-            <a:r>
-              <a:rPr lang="pl-PL" dirty="0" smtClean="0"/>
-              <a:t>ilość testów integracyjnych (</a:t>
-            </a:r>
-            <a:r>
-              <a:rPr lang="pl-PL" dirty="0" err="1" smtClean="0"/>
+              <a:t>zmniejsz ilość testów integracyjnych (</a:t>
+            </a:r>
+            <a:r>
+              <a:rPr lang="pl-PL" dirty="0" err="1"/>
               <a:t>zami</a:t>
             </a:r>
             <a:r>
-              <a:rPr lang="en-GB" dirty="0" smtClean="0"/>
+              <a:rPr lang="en-GB" dirty="0"/>
               <a:t>e</a:t>
             </a:r>
             <a:r>
-              <a:rPr lang="pl-PL" dirty="0" smtClean="0"/>
+              <a:rPr lang="pl-PL" dirty="0"/>
               <a:t>ni</a:t>
             </a:r>
             <a:r>
-              <a:rPr lang="en-GB" dirty="0" smtClean="0"/>
+              <a:rPr lang="en-GB" dirty="0"/>
               <a:t>ć</a:t>
             </a:r>
             <a:r>
-              <a:rPr lang="pl-PL" dirty="0" smtClean="0"/>
-              <a:t> </a:t>
-            </a:r>
-            <a:r>
-              <a:rPr lang="en-GB" dirty="0" err="1" smtClean="0"/>
+              <a:rPr lang="pl-PL" dirty="0"/>
+              <a:t> </a:t>
+            </a:r>
+            <a:r>
+              <a:rPr lang="en-GB" dirty="0" err="1"/>
               <a:t>na</a:t>
             </a:r>
             <a:r>
-              <a:rPr lang="en-GB" dirty="0" smtClean="0"/>
-              <a:t> </a:t>
-            </a:r>
-            <a:r>
-              <a:rPr lang="pl-PL" dirty="0" smtClean="0"/>
-              <a:t>testy </a:t>
-            </a:r>
-            <a:r>
-              <a:rPr lang="pl-PL" dirty="0"/>
-              <a:t>jednostkowe</a:t>
-            </a:r>
-            <a:r>
-              <a:rPr lang="pl-PL" dirty="0" smtClean="0"/>
-              <a:t>)</a:t>
-            </a:r>
-            <a:endParaRPr lang="en-GB" dirty="0" smtClean="0"/>
+              <a:rPr lang="en-GB" dirty="0"/>
+              <a:t> </a:t>
+            </a:r>
+            <a:r>
+              <a:rPr lang="pl-PL" dirty="0"/>
+              <a:t>testy jednostkowe)</a:t>
+            </a:r>
+            <a:endParaRPr lang="en-GB" dirty="0"/>
           </a:p>
           <a:p>
             <a:r>
@@ -8990,10 +8148,10 @@
               <a:t> sleep z </a:t>
             </a:r>
             <a:r>
-              <a:rPr lang="en-GB" dirty="0" err="1" smtClean="0"/>
+              <a:rPr lang="en-GB" dirty="0" err="1"/>
               <a:t>testow</a:t>
             </a:r>
-            <a:endParaRPr lang="en-GB" dirty="0" smtClean="0"/>
+            <a:endParaRPr lang="en-GB" dirty="0"/>
           </a:p>
           <a:p>
             <a:r>
@@ -9008,34 +8166,30 @@
               <a:rPr lang="pl-PL" dirty="0"/>
               <a:t> </a:t>
             </a:r>
-            <a:endParaRPr lang="en-GB" dirty="0" smtClean="0"/>
-          </a:p>
-          <a:p>
-            <a:r>
-              <a:rPr lang="pl-PL" dirty="0"/>
-              <a:t>SSD/RAM dysku dla bazy </a:t>
-            </a:r>
-            <a:r>
-              <a:rPr lang="pl-PL" dirty="0" smtClean="0"/>
-              <a:t>danych</a:t>
-            </a:r>
-            <a:endParaRPr lang="en-GB" dirty="0" smtClean="0"/>
-          </a:p>
-          <a:p>
-            <a:r>
-              <a:rPr lang="en-GB" dirty="0" err="1" smtClean="0"/>
+            <a:endParaRPr lang="en-GB" dirty="0"/>
+          </a:p>
+          <a:p>
+            <a:r>
+              <a:rPr lang="pl-PL" dirty="0"/>
+              <a:t>SSD/RAM dysku dla bazy danych</a:t>
+            </a:r>
+            <a:endParaRPr lang="en-GB" dirty="0"/>
+          </a:p>
+          <a:p>
+            <a:r>
+              <a:rPr lang="en-GB" dirty="0" err="1"/>
               <a:t>usuń</a:t>
             </a:r>
             <a:r>
-              <a:rPr lang="en-GB" dirty="0" smtClean="0"/>
-              <a:t> </a:t>
-            </a:r>
-            <a:r>
-              <a:rPr lang="en-GB" dirty="0" err="1" smtClean="0"/>
+              <a:rPr lang="en-GB" dirty="0"/>
+              <a:t> </a:t>
+            </a:r>
+            <a:r>
+              <a:rPr lang="en-GB" dirty="0" err="1"/>
               <a:t>zbędne</a:t>
             </a:r>
             <a:r>
-              <a:rPr lang="en-GB" dirty="0" smtClean="0"/>
+              <a:rPr lang="en-GB" dirty="0"/>
               <a:t> </a:t>
             </a:r>
             <a:r>
@@ -9046,7 +8200,6 @@
               <a:rPr lang="en-GB" dirty="0"/>
               <a:t> </a:t>
             </a:r>
-            <a:endParaRPr lang="en-GB" dirty="0" smtClean="0"/>
           </a:p>
           <a:p>
             <a:r>
@@ -9058,34 +8211,26 @@
               <a:t>ś</a:t>
             </a:r>
             <a:r>
-              <a:rPr lang="pl-PL" dirty="0" err="1" smtClean="0"/>
+              <a:rPr lang="pl-PL" dirty="0" err="1"/>
               <a:t>rodowisko</a:t>
             </a:r>
             <a:r>
-              <a:rPr lang="pl-PL" dirty="0" smtClean="0"/>
-              <a:t> </a:t>
-            </a:r>
-            <a:r>
-              <a:rPr lang="pl-PL" dirty="0"/>
-              <a:t>testowe co </a:t>
-            </a:r>
-            <a:r>
-              <a:rPr lang="pl-PL" dirty="0" smtClean="0"/>
-              <a:t>produkcyjne</a:t>
-            </a:r>
-            <a:endParaRPr lang="en-GB" dirty="0" smtClean="0"/>
-          </a:p>
-          <a:p>
-            <a:r>
-              <a:rPr lang="pl-PL" dirty="0" smtClean="0"/>
+              <a:rPr lang="pl-PL" dirty="0"/>
+              <a:t> testowe co produkcyjne</a:t>
+            </a:r>
+            <a:endParaRPr lang="en-GB" dirty="0"/>
+          </a:p>
+          <a:p>
+            <a:r>
+              <a:rPr lang="pl-PL" dirty="0"/>
               <a:t>unika</a:t>
             </a:r>
             <a:r>
-              <a:rPr lang="en-GB" dirty="0" smtClean="0"/>
+              <a:rPr lang="en-GB" dirty="0"/>
               <a:t>j</a:t>
             </a:r>
             <a:r>
-              <a:rPr lang="pl-PL" dirty="0" smtClean="0"/>
+              <a:rPr lang="pl-PL" dirty="0"/>
               <a:t> </a:t>
             </a:r>
             <a:r>
@@ -9094,41 +8239,37 @@
             </a:r>
             <a:r>
               <a:rPr lang="pl-PL" dirty="0"/>
-              <a:t> dziedziczenia w </a:t>
-            </a:r>
-            <a:r>
-              <a:rPr lang="pl-PL" dirty="0" smtClean="0"/>
-              <a:t>testach</a:t>
-            </a:r>
-            <a:endParaRPr lang="en-GB" dirty="0" smtClean="0"/>
-          </a:p>
-          <a:p>
-            <a:r>
-              <a:rPr lang="en-GB" dirty="0" err="1" smtClean="0"/>
+              <a:t> dziedziczenia w testach</a:t>
+            </a:r>
+            <a:endParaRPr lang="en-GB" dirty="0"/>
+          </a:p>
+          <a:p>
+            <a:r>
+              <a:rPr lang="en-GB" dirty="0" err="1"/>
               <a:t>nie</a:t>
             </a:r>
             <a:r>
-              <a:rPr lang="en-GB" dirty="0" smtClean="0"/>
-              <a:t> </a:t>
-            </a:r>
-            <a:r>
-              <a:rPr lang="en-GB" dirty="0" err="1" smtClean="0"/>
+              <a:rPr lang="en-GB" dirty="0"/>
+              <a:t> </a:t>
+            </a:r>
+            <a:r>
+              <a:rPr lang="en-GB" dirty="0" err="1"/>
               <a:t>używaj</a:t>
             </a:r>
             <a:r>
-              <a:rPr lang="en-GB" dirty="0" smtClean="0"/>
+              <a:rPr lang="en-GB" dirty="0"/>
               <a:t> equals() </a:t>
             </a:r>
             <a:r>
-              <a:rPr lang="en-GB" dirty="0" err="1" smtClean="0"/>
+              <a:rPr lang="en-GB" dirty="0" err="1"/>
               <a:t>przy</a:t>
             </a:r>
             <a:r>
-              <a:rPr lang="en-GB" dirty="0" smtClean="0"/>
-              <a:t> </a:t>
-            </a:r>
-            <a:r>
-              <a:rPr lang="en-GB" dirty="0" err="1" smtClean="0"/>
+              <a:rPr lang="en-GB" dirty="0"/>
+              <a:t> </a:t>
+            </a:r>
+            <a:r>
+              <a:rPr lang="en-GB" dirty="0" err="1"/>
               <a:t>datach</a:t>
             </a:r>
             <a:endParaRPr lang="en-GB" dirty="0"/>
@@ -9145,13 +8286,6 @@
   <p:clrMapOvr>
     <a:masterClrMapping/>
   </p:clrMapOvr>
-  <p:timing>
-    <p:tnLst>
-      <p:par>
-        <p:cTn id="1" dur="indefinite" restart="never" nodeType="tmRoot"/>
-      </p:par>
-    </p:tnLst>
-  </p:timing>
 </p:sld>
 </file>
 
@@ -9188,137 +8322,135 @@
           <a:lstStyle/>
           <a:p>
             <a:r>
-              <a:rPr lang="en-GB" dirty="0" smtClean="0"/>
+              <a:rPr lang="en-GB" dirty="0"/>
               <a:t>Testy </a:t>
             </a:r>
             <a:r>
-              <a:rPr lang="en-GB" dirty="0" err="1" smtClean="0"/>
+              <a:rPr lang="en-GB" dirty="0" err="1"/>
               <a:t>mutacyjne</a:t>
             </a:r>
             <a:r>
-              <a:rPr lang="en-GB" dirty="0" smtClean="0"/>
-              <a:t> </a:t>
+              <a:rPr lang="en-GB" dirty="0"/>
+              <a:t> </a:t>
+            </a:r>
+          </a:p>
+        </p:txBody>
+      </p:sp>
+      <p:sp>
+        <p:nvSpPr>
+          <p:cNvPr id="3" name="Symbol zastępczy zawartości 2"/>
+          <p:cNvSpPr>
+            <a:spLocks noGrp="1"/>
+          </p:cNvSpPr>
+          <p:nvPr>
+            <p:ph idx="1"/>
+          </p:nvPr>
+        </p:nvSpPr>
+        <p:spPr/>
+        <p:txBody>
+          <a:bodyPr/>
+          <a:lstStyle/>
+          <a:p>
+            <a:r>
+              <a:rPr lang="en-GB" dirty="0" err="1"/>
+              <a:t>Uszkodzenie</a:t>
+            </a:r>
+            <a:r>
+              <a:rPr lang="en-GB" dirty="0"/>
+              <a:t> </a:t>
+            </a:r>
+            <a:r>
+              <a:rPr lang="en-GB" dirty="0" err="1"/>
+              <a:t>wybranej</a:t>
+            </a:r>
+            <a:r>
+              <a:rPr lang="en-GB" dirty="0"/>
+              <a:t> </a:t>
+            </a:r>
+            <a:r>
+              <a:rPr lang="en-GB" dirty="0" err="1"/>
+              <a:t>linii</a:t>
+            </a:r>
+            <a:r>
+              <a:rPr lang="en-GB" dirty="0"/>
+              <a:t> </a:t>
+            </a:r>
+            <a:r>
+              <a:rPr lang="en-GB" dirty="0" err="1"/>
+              <a:t>kodu</a:t>
             </a:r>
             <a:endParaRPr lang="en-GB" dirty="0"/>
           </a:p>
-        </p:txBody>
-      </p:sp>
-      <p:sp>
-        <p:nvSpPr>
-          <p:cNvPr id="3" name="Symbol zastępczy zawartości 2"/>
-          <p:cNvSpPr>
-            <a:spLocks noGrp="1"/>
-          </p:cNvSpPr>
-          <p:nvPr>
-            <p:ph idx="1"/>
-          </p:nvPr>
-        </p:nvSpPr>
-        <p:spPr/>
-        <p:txBody>
-          <a:bodyPr/>
-          <a:lstStyle/>
-          <a:p>
-            <a:r>
-              <a:rPr lang="en-GB" dirty="0" err="1" smtClean="0"/>
-              <a:t>Uszkodzenie</a:t>
-            </a:r>
-            <a:r>
-              <a:rPr lang="en-GB" dirty="0" smtClean="0"/>
-              <a:t> </a:t>
-            </a:r>
-            <a:r>
-              <a:rPr lang="en-GB" dirty="0" err="1" smtClean="0"/>
-              <a:t>wybranej</a:t>
-            </a:r>
-            <a:r>
-              <a:rPr lang="en-GB" dirty="0" smtClean="0"/>
-              <a:t> </a:t>
-            </a:r>
-            <a:r>
-              <a:rPr lang="en-GB" dirty="0" err="1" smtClean="0"/>
-              <a:t>linii</a:t>
-            </a:r>
-            <a:r>
-              <a:rPr lang="en-GB" dirty="0" smtClean="0"/>
-              <a:t> </a:t>
-            </a:r>
-            <a:r>
-              <a:rPr lang="en-GB" dirty="0" err="1" smtClean="0"/>
-              <a:t>kodu</a:t>
-            </a:r>
-            <a:endParaRPr lang="en-GB" dirty="0" smtClean="0"/>
-          </a:p>
-          <a:p>
-            <a:endParaRPr lang="en-GB" dirty="0" smtClean="0"/>
-          </a:p>
-          <a:p>
-            <a:r>
-              <a:rPr lang="en-GB" dirty="0" err="1" smtClean="0"/>
+          <a:p>
+            <a:endParaRPr lang="en-GB" dirty="0"/>
+          </a:p>
+          <a:p>
+            <a:r>
+              <a:rPr lang="en-GB" dirty="0" err="1"/>
               <a:t>Sprawdzenie</a:t>
             </a:r>
             <a:r>
-              <a:rPr lang="en-GB" dirty="0" smtClean="0"/>
-              <a:t> </a:t>
-            </a:r>
-            <a:r>
-              <a:rPr lang="en-GB" dirty="0" err="1" smtClean="0"/>
+              <a:rPr lang="en-GB" dirty="0"/>
+              <a:t> </a:t>
+            </a:r>
+            <a:r>
+              <a:rPr lang="en-GB" dirty="0" err="1"/>
               <a:t>czy</a:t>
             </a:r>
             <a:r>
-              <a:rPr lang="en-GB" dirty="0" smtClean="0"/>
+              <a:rPr lang="en-GB" dirty="0"/>
               <a:t> test </a:t>
             </a:r>
             <a:r>
-              <a:rPr lang="en-GB" dirty="0" err="1" smtClean="0"/>
+              <a:rPr lang="en-GB" dirty="0" err="1"/>
               <a:t>wykryje</a:t>
             </a:r>
             <a:r>
-              <a:rPr lang="en-GB" dirty="0" smtClean="0"/>
+              <a:rPr lang="en-GB" dirty="0"/>
               <a:t> to </a:t>
             </a:r>
             <a:r>
-              <a:rPr lang="en-GB" dirty="0" err="1" smtClean="0"/>
+              <a:rPr lang="en-GB" dirty="0" err="1"/>
               <a:t>automatycznie</a:t>
             </a:r>
-            <a:endParaRPr lang="en-GB" dirty="0" smtClean="0"/>
-          </a:p>
-          <a:p>
-            <a:endParaRPr lang="en-GB" dirty="0" smtClean="0"/>
-          </a:p>
-          <a:p>
-            <a:r>
-              <a:rPr lang="en-GB" dirty="0" err="1" smtClean="0"/>
+            <a:endParaRPr lang="en-GB" dirty="0"/>
+          </a:p>
+          <a:p>
+            <a:endParaRPr lang="en-GB" dirty="0"/>
+          </a:p>
+          <a:p>
+            <a:r>
+              <a:rPr lang="en-GB" dirty="0" err="1"/>
               <a:t>Jeżeli</a:t>
             </a:r>
             <a:r>
-              <a:rPr lang="en-GB" dirty="0" smtClean="0"/>
-              <a:t> </a:t>
-            </a:r>
-            <a:r>
-              <a:rPr lang="en-GB" dirty="0" err="1" smtClean="0"/>
+              <a:rPr lang="en-GB" dirty="0"/>
+              <a:t> </a:t>
+            </a:r>
+            <a:r>
+              <a:rPr lang="en-GB" dirty="0" err="1"/>
               <a:t>wszytskie</a:t>
             </a:r>
             <a:r>
-              <a:rPr lang="en-GB" dirty="0" smtClean="0"/>
+              <a:rPr lang="en-GB" dirty="0"/>
               <a:t> testy </a:t>
             </a:r>
             <a:r>
-              <a:rPr lang="en-GB" dirty="0" err="1" smtClean="0"/>
+              <a:rPr lang="en-GB" dirty="0" err="1"/>
               <a:t>przejdą</a:t>
             </a:r>
             <a:r>
-              <a:rPr lang="en-GB" dirty="0" smtClean="0"/>
+              <a:rPr lang="en-GB" dirty="0"/>
               <a:t> to </a:t>
             </a:r>
             <a:r>
-              <a:rPr lang="en-GB" dirty="0" err="1" smtClean="0"/>
+              <a:rPr lang="en-GB" dirty="0" err="1"/>
               <a:t>potencjalny</a:t>
             </a:r>
             <a:r>
-              <a:rPr lang="en-GB" dirty="0" smtClean="0"/>
+              <a:rPr lang="en-GB" dirty="0"/>
               <a:t> problem  </a:t>
             </a:r>
-            <a:endParaRPr lang="en-GB" dirty="0"/>
           </a:p>
         </p:txBody>
       </p:sp>
@@ -9332,13 +8464,6 @@
   <p:clrMapOvr>
     <a:masterClrMapping/>
   </p:clrMapOvr>
-  <p:timing>
-    <p:tnLst>
-      <p:par>
-        <p:cTn id="1" dur="indefinite" restart="never" nodeType="tmRoot"/>
-      </p:par>
-    </p:tnLst>
-  </p:timing>
 </p:sld>
 </file>
 
@@ -9380,7 +8505,7 @@
           <a:lstStyle/>
           <a:p>
             <a:r>
-              <a:rPr lang="en-GB" smtClean="0"/>
+              <a:rPr lang="en-GB" dirty="0" err="1"/>
               <a:t>Narzędzia</a:t>
             </a:r>
             <a:endParaRPr lang="en-GB" dirty="0"/>
@@ -9405,45 +8530,45 @@
           <a:lstStyle/>
           <a:p>
             <a:r>
-              <a:rPr lang="pl-PL" dirty="0" err="1" smtClean="0"/>
+              <a:rPr lang="pl-PL" dirty="0" err="1"/>
               <a:t>Junit</a:t>
             </a:r>
             <a:r>
-              <a:rPr lang="en-GB" dirty="0" smtClean="0"/>
+              <a:rPr lang="en-GB" dirty="0"/>
               <a:t>,</a:t>
             </a:r>
             <a:r>
-              <a:rPr lang="pl-PL" dirty="0" smtClean="0"/>
-              <a:t> </a:t>
-            </a:r>
-            <a:r>
-              <a:rPr lang="pl-PL" dirty="0" err="1" smtClean="0"/>
+              <a:rPr lang="pl-PL" dirty="0"/>
+              <a:t> </a:t>
+            </a:r>
+            <a:r>
+              <a:rPr lang="pl-PL" dirty="0" err="1"/>
               <a:t>TestNG</a:t>
             </a:r>
             <a:r>
-              <a:rPr lang="en-GB" dirty="0" smtClean="0"/>
+              <a:rPr lang="en-GB" dirty="0"/>
               <a:t>,</a:t>
             </a:r>
             <a:r>
-              <a:rPr lang="pl-PL" dirty="0" smtClean="0"/>
+              <a:rPr lang="pl-PL" dirty="0"/>
               <a:t> Spock</a:t>
             </a:r>
-            <a:endParaRPr lang="en-GB" dirty="0" smtClean="0"/>
-          </a:p>
-          <a:p>
-            <a:r>
-              <a:rPr lang="pl-PL" dirty="0" err="1" smtClean="0"/>
+            <a:endParaRPr lang="en-GB" dirty="0"/>
+          </a:p>
+          <a:p>
+            <a:r>
+              <a:rPr lang="pl-PL" dirty="0" err="1"/>
               <a:t>Mockito</a:t>
             </a:r>
             <a:r>
-              <a:rPr lang="pl-PL" dirty="0" smtClean="0"/>
-              <a:t> </a:t>
-            </a:r>
-            <a:endParaRPr lang="en-GB" dirty="0" smtClean="0"/>
-          </a:p>
-          <a:p>
-            <a:r>
-              <a:rPr lang="pl-PL" dirty="0" err="1" smtClean="0"/>
+              <a:rPr lang="pl-PL" dirty="0"/>
+              <a:t> </a:t>
+            </a:r>
+            <a:endParaRPr lang="en-GB" dirty="0"/>
+          </a:p>
+          <a:p>
+            <a:r>
+              <a:rPr lang="pl-PL" dirty="0" err="1"/>
               <a:t>AsserJ</a:t>
             </a:r>
             <a:r>
@@ -9462,18 +8587,18 @@
           </a:p>
           <a:p>
             <a:r>
-              <a:rPr lang="pl-PL" dirty="0" err="1" smtClean="0"/>
+              <a:rPr lang="pl-PL" dirty="0" err="1"/>
               <a:t>Pitest</a:t>
             </a:r>
             <a:r>
-              <a:rPr lang="pl-PL" dirty="0" smtClean="0"/>
-              <a:t> </a:t>
-            </a:r>
-            <a:endParaRPr lang="en-GB" dirty="0" smtClean="0"/>
-          </a:p>
-          <a:p>
-            <a:r>
-              <a:rPr lang="pl-PL" dirty="0" err="1" smtClean="0"/>
+              <a:rPr lang="pl-PL" dirty="0"/>
+              <a:t> </a:t>
+            </a:r>
+            <a:endParaRPr lang="en-GB" dirty="0"/>
+          </a:p>
+          <a:p>
+            <a:r>
+              <a:rPr lang="pl-PL" dirty="0" err="1"/>
               <a:t>Cucumber</a:t>
             </a:r>
             <a:r>
@@ -9481,7 +8606,7 @@
               <a:t>, </a:t>
             </a:r>
             <a:r>
-              <a:rPr lang="pl-PL" dirty="0" err="1" smtClean="0"/>
+              <a:rPr lang="pl-PL" dirty="0" err="1"/>
               <a:t>Jbehave</a:t>
             </a:r>
             <a:endParaRPr lang="en-GB" dirty="0"/>
@@ -9491,32 +8616,32 @@
               <a:rPr lang="pl-PL" dirty="0" err="1"/>
               <a:t>Greenmail</a:t>
             </a:r>
-            <a:endParaRPr lang="en-GB" dirty="0" smtClean="0"/>
-          </a:p>
-          <a:p>
-            <a:r>
-              <a:rPr lang="pl-PL" dirty="0" err="1" smtClean="0"/>
+            <a:endParaRPr lang="en-GB" dirty="0"/>
+          </a:p>
+          <a:p>
+            <a:r>
+              <a:rPr lang="pl-PL" dirty="0" err="1"/>
               <a:t>MockFTPServer</a:t>
             </a:r>
-            <a:endParaRPr lang="en-GB" dirty="0" smtClean="0"/>
-          </a:p>
-          <a:p>
-            <a:r>
-              <a:rPr lang="pl-PL" dirty="0" err="1" smtClean="0"/>
+            <a:endParaRPr lang="en-GB" dirty="0"/>
+          </a:p>
+          <a:p>
+            <a:r>
+              <a:rPr lang="pl-PL" dirty="0" err="1"/>
               <a:t>okhttp</a:t>
             </a:r>
             <a:r>
-              <a:rPr lang="pl-PL" dirty="0" smtClean="0"/>
+              <a:rPr lang="pl-PL" dirty="0"/>
               <a:t>, </a:t>
             </a:r>
             <a:r>
-              <a:rPr lang="pl-PL" dirty="0" err="1" smtClean="0"/>
+              <a:rPr lang="pl-PL" dirty="0" err="1"/>
               <a:t>Wiremock</a:t>
             </a:r>
-            <a:endParaRPr lang="en-GB" dirty="0" smtClean="0"/>
-          </a:p>
-          <a:p>
-            <a:endParaRPr lang="pl-PL" dirty="0" smtClean="0"/>
+            <a:endParaRPr lang="en-GB" dirty="0"/>
+          </a:p>
+          <a:p>
+            <a:endParaRPr lang="pl-PL" dirty="0"/>
           </a:p>
         </p:txBody>
       </p:sp>
@@ -9530,13 +8655,6 @@
   <p:clrMapOvr>
     <a:masterClrMapping/>
   </p:clrMapOvr>
-  <p:timing>
-    <p:tnLst>
-      <p:par>
-        <p:cTn id="1" dur="indefinite" restart="never" nodeType="tmRoot"/>
-      </p:par>
-    </p:tnLst>
-  </p:timing>
 </p:sld>
 </file>
 
@@ -9573,7 +8691,7 @@
           <a:lstStyle/>
           <a:p>
             <a:r>
-              <a:rPr lang="en-GB" dirty="0" err="1" smtClean="0"/>
+              <a:rPr lang="en-GB" dirty="0" err="1"/>
               <a:t>FizzBuzz</a:t>
             </a:r>
             <a:endParaRPr lang="en-GB" dirty="0"/>
@@ -9596,65 +8714,65 @@
           <a:lstStyle/>
           <a:p>
             <a:r>
-              <a:rPr lang="en-GB" dirty="0" smtClean="0"/>
+              <a:rPr lang="en-GB" dirty="0"/>
               <a:t>Dane </a:t>
             </a:r>
             <a:r>
-              <a:rPr lang="en-GB" dirty="0" err="1" smtClean="0"/>
+              <a:rPr lang="en-GB" dirty="0" err="1"/>
               <a:t>wejsciowe</a:t>
             </a:r>
             <a:r>
-              <a:rPr lang="en-GB" dirty="0" smtClean="0"/>
+              <a:rPr lang="en-GB" dirty="0"/>
               <a:t>: </a:t>
             </a:r>
             <a:r>
-              <a:rPr lang="en-GB" dirty="0" err="1" smtClean="0"/>
+              <a:rPr lang="en-GB" dirty="0" err="1"/>
               <a:t>liczby</a:t>
             </a:r>
             <a:r>
-              <a:rPr lang="en-GB" dirty="0" smtClean="0"/>
+              <a:rPr lang="en-GB" dirty="0"/>
               <a:t> od 1 do 100</a:t>
             </a:r>
           </a:p>
           <a:p>
             <a:r>
-              <a:rPr lang="en-GB" dirty="0" err="1" smtClean="0"/>
+              <a:rPr lang="en-GB" dirty="0" err="1"/>
               <a:t>Jeśli</a:t>
             </a:r>
             <a:r>
-              <a:rPr lang="en-GB" dirty="0" smtClean="0"/>
-              <a:t> </a:t>
-            </a:r>
-            <a:r>
-              <a:rPr lang="en-GB" dirty="0" err="1" smtClean="0"/>
+              <a:rPr lang="en-GB" dirty="0"/>
+              <a:t> </a:t>
+            </a:r>
+            <a:r>
+              <a:rPr lang="en-GB" dirty="0" err="1"/>
               <a:t>liczba</a:t>
             </a:r>
             <a:r>
-              <a:rPr lang="en-GB" dirty="0" smtClean="0"/>
+              <a:rPr lang="en-GB" dirty="0"/>
               <a:t> jest </a:t>
             </a:r>
             <a:r>
-              <a:rPr lang="en-GB" dirty="0" err="1" smtClean="0"/>
+              <a:rPr lang="en-GB" dirty="0" err="1"/>
               <a:t>podzielna</a:t>
             </a:r>
             <a:r>
-              <a:rPr lang="en-GB" dirty="0" smtClean="0"/>
-              <a:t> </a:t>
-            </a:r>
-            <a:r>
-              <a:rPr lang="en-GB" dirty="0" err="1" smtClean="0"/>
+              <a:rPr lang="en-GB" dirty="0"/>
+              <a:t> </a:t>
+            </a:r>
+            <a:r>
+              <a:rPr lang="en-GB" dirty="0" err="1"/>
               <a:t>przez</a:t>
             </a:r>
             <a:r>
-              <a:rPr lang="en-GB" dirty="0" smtClean="0"/>
+              <a:rPr lang="en-GB" dirty="0"/>
               <a:t> 3 -&gt; </a:t>
             </a:r>
             <a:r>
-              <a:rPr lang="en-GB" dirty="0" err="1" smtClean="0"/>
+              <a:rPr lang="en-GB" dirty="0" err="1"/>
               <a:t>zwróć</a:t>
             </a:r>
             <a:r>
-              <a:rPr lang="en-GB" dirty="0" smtClean="0"/>
+              <a:rPr lang="en-GB" dirty="0"/>
               <a:t> Fizz</a:t>
             </a:r>
           </a:p>
@@ -9689,15 +8807,7 @@
             </a:r>
             <a:r>
               <a:rPr lang="en-GB" dirty="0"/>
-              <a:t> </a:t>
-            </a:r>
-            <a:r>
-              <a:rPr lang="en-GB" dirty="0" smtClean="0"/>
-              <a:t>5 </a:t>
-            </a:r>
-            <a:r>
-              <a:rPr lang="en-GB" dirty="0"/>
-              <a:t>-&gt; </a:t>
+              <a:t> 5 -&gt; </a:t>
             </a:r>
             <a:r>
               <a:rPr lang="en-GB" dirty="0" err="1"/>
@@ -9705,11 +8815,7 @@
             </a:r>
             <a:r>
               <a:rPr lang="en-GB" dirty="0"/>
-              <a:t> </a:t>
-            </a:r>
-            <a:r>
-              <a:rPr lang="en-GB" dirty="0" smtClean="0"/>
-              <a:t>Buzz</a:t>
+              <a:t> Buzz</a:t>
             </a:r>
           </a:p>
           <a:p>
@@ -9743,15 +8849,7 @@
             </a:r>
             <a:r>
               <a:rPr lang="en-GB" dirty="0"/>
-              <a:t> </a:t>
-            </a:r>
-            <a:r>
-              <a:rPr lang="en-GB" dirty="0" smtClean="0"/>
-              <a:t>3 I 5 </a:t>
-            </a:r>
-            <a:r>
-              <a:rPr lang="en-GB" dirty="0"/>
-              <a:t>-&gt; </a:t>
+              <a:t> 3 I 5 -&gt; </a:t>
             </a:r>
             <a:r>
               <a:rPr lang="en-GB" dirty="0" err="1"/>
@@ -9762,85 +8860,84 @@
               <a:t> </a:t>
             </a:r>
             <a:r>
-              <a:rPr lang="en-GB" dirty="0" err="1" smtClean="0"/>
+              <a:rPr lang="en-GB" dirty="0" err="1"/>
               <a:t>FizzBuzz</a:t>
             </a:r>
-            <a:endParaRPr lang="en-GB" dirty="0" smtClean="0"/>
-          </a:p>
-          <a:p>
-            <a:r>
-              <a:rPr lang="en-GB" dirty="0" err="1" smtClean="0"/>
+            <a:endParaRPr lang="en-GB" dirty="0"/>
+          </a:p>
+          <a:p>
+            <a:r>
+              <a:rPr lang="en-GB" dirty="0" err="1"/>
               <a:t>Jesli</a:t>
             </a:r>
             <a:r>
-              <a:rPr lang="en-GB" dirty="0" smtClean="0"/>
-              <a:t> </a:t>
-            </a:r>
-            <a:r>
-              <a:rPr lang="en-GB" dirty="0" err="1" smtClean="0"/>
+              <a:rPr lang="en-GB" dirty="0"/>
+              <a:t> </a:t>
+            </a:r>
+            <a:r>
+              <a:rPr lang="en-GB" dirty="0" err="1"/>
               <a:t>liczba</a:t>
             </a:r>
             <a:r>
-              <a:rPr lang="en-GB" dirty="0" smtClean="0"/>
-              <a:t> </a:t>
-            </a:r>
-            <a:r>
-              <a:rPr lang="en-GB" dirty="0" err="1" smtClean="0"/>
+              <a:rPr lang="en-GB" dirty="0"/>
+              <a:t> </a:t>
+            </a:r>
+            <a:r>
+              <a:rPr lang="en-GB" dirty="0" err="1"/>
               <a:t>nie</a:t>
             </a:r>
             <a:r>
-              <a:rPr lang="en-GB" dirty="0" smtClean="0"/>
-              <a:t> </a:t>
-            </a:r>
-            <a:r>
-              <a:rPr lang="en-GB" dirty="0" err="1" smtClean="0"/>
+              <a:rPr lang="en-GB" dirty="0"/>
+              <a:t> </a:t>
+            </a:r>
+            <a:r>
+              <a:rPr lang="en-GB" dirty="0" err="1"/>
               <a:t>spełnia</a:t>
             </a:r>
             <a:r>
-              <a:rPr lang="en-GB" dirty="0" smtClean="0"/>
-              <a:t> </a:t>
-            </a:r>
-            <a:r>
-              <a:rPr lang="en-GB" dirty="0" err="1" smtClean="0"/>
+              <a:rPr lang="en-GB" dirty="0"/>
+              <a:t> </a:t>
+            </a:r>
+            <a:r>
+              <a:rPr lang="en-GB" dirty="0" err="1"/>
               <a:t>powyższych</a:t>
             </a:r>
             <a:r>
-              <a:rPr lang="en-GB" dirty="0" smtClean="0"/>
-              <a:t> </a:t>
-            </a:r>
-            <a:r>
-              <a:rPr lang="en-GB" dirty="0" err="1" smtClean="0"/>
+              <a:rPr lang="en-GB" dirty="0"/>
+              <a:t> </a:t>
+            </a:r>
+            <a:r>
+              <a:rPr lang="en-GB" dirty="0" err="1"/>
               <a:t>kryterii</a:t>
             </a:r>
             <a:r>
-              <a:rPr lang="en-GB" dirty="0" smtClean="0"/>
+              <a:rPr lang="en-GB" dirty="0"/>
               <a:t> -&gt; </a:t>
             </a:r>
             <a:r>
-              <a:rPr lang="en-GB" dirty="0" err="1" smtClean="0"/>
+              <a:rPr lang="en-GB" dirty="0" err="1"/>
               <a:t>zwróc</a:t>
             </a:r>
             <a:r>
-              <a:rPr lang="en-GB" dirty="0" smtClean="0"/>
-              <a:t> </a:t>
-            </a:r>
-            <a:r>
-              <a:rPr lang="en-GB" dirty="0" err="1" smtClean="0"/>
+              <a:rPr lang="en-GB" dirty="0"/>
+              <a:t> </a:t>
+            </a:r>
+            <a:r>
+              <a:rPr lang="en-GB" dirty="0" err="1"/>
               <a:t>tą</a:t>
             </a:r>
             <a:r>
-              <a:rPr lang="en-GB" dirty="0" smtClean="0"/>
-              <a:t> </a:t>
-            </a:r>
-            <a:r>
-              <a:rPr lang="en-GB" dirty="0" err="1" smtClean="0"/>
+              <a:rPr lang="en-GB" dirty="0"/>
+              <a:t> </a:t>
+            </a:r>
+            <a:r>
+              <a:rPr lang="en-GB" dirty="0" err="1"/>
               <a:t>liczbę</a:t>
             </a:r>
             <a:r>
-              <a:rPr lang="en-GB" dirty="0" smtClean="0"/>
-              <a:t> </a:t>
-            </a:r>
-            <a:endParaRPr lang="en-GB" dirty="0"/>
+              <a:rPr lang="en-GB" dirty="0"/>
+              <a:t> </a:t>
+            </a:r>
           </a:p>
         </p:txBody>
       </p:sp>
@@ -9890,7 +8987,7 @@
           <a:lstStyle/>
           <a:p>
             <a:r>
-              <a:rPr lang="en-GB" dirty="0" err="1" smtClean="0"/>
+              <a:rPr lang="en-GB" dirty="0" err="1"/>
               <a:t>TennisGame</a:t>
             </a:r>
             <a:endParaRPr lang="en-GB" dirty="0"/>
@@ -9915,66 +9012,66 @@
           <a:lstStyle/>
           <a:p>
             <a:r>
-              <a:rPr lang="en-GB" dirty="0" err="1" smtClean="0"/>
+              <a:rPr lang="en-GB" dirty="0" err="1"/>
               <a:t>Cel</a:t>
             </a:r>
             <a:r>
-              <a:rPr lang="en-GB" dirty="0" smtClean="0"/>
+              <a:rPr lang="en-GB" dirty="0"/>
               <a:t>: </a:t>
             </a:r>
             <a:r>
-              <a:rPr lang="en-GB" dirty="0" err="1" smtClean="0"/>
+              <a:rPr lang="en-GB" dirty="0" err="1"/>
               <a:t>zbudowanie</a:t>
             </a:r>
             <a:r>
-              <a:rPr lang="en-GB" dirty="0" smtClean="0"/>
-              <a:t> </a:t>
-            </a:r>
-            <a:r>
-              <a:rPr lang="en-GB" dirty="0" err="1" smtClean="0"/>
+              <a:rPr lang="en-GB" dirty="0"/>
+              <a:t> </a:t>
+            </a:r>
+            <a:r>
+              <a:rPr lang="en-GB" dirty="0" err="1"/>
               <a:t>tablicy</a:t>
             </a:r>
             <a:r>
-              <a:rPr lang="en-GB" dirty="0" smtClean="0"/>
-              <a:t> </a:t>
-            </a:r>
-            <a:r>
-              <a:rPr lang="en-GB" dirty="0" err="1" smtClean="0"/>
+              <a:rPr lang="en-GB" dirty="0"/>
+              <a:t> </a:t>
+            </a:r>
+            <a:r>
+              <a:rPr lang="en-GB" dirty="0" err="1"/>
               <a:t>punktacji</a:t>
             </a:r>
             <a:r>
-              <a:rPr lang="en-GB" dirty="0" smtClean="0"/>
-              <a:t> </a:t>
-            </a:r>
-            <a:r>
-              <a:rPr lang="en-GB" dirty="0" err="1" smtClean="0"/>
+              <a:rPr lang="en-GB" dirty="0"/>
+              <a:t> </a:t>
+            </a:r>
+            <a:r>
+              <a:rPr lang="en-GB" dirty="0" err="1"/>
               <a:t>wywietlanej</a:t>
             </a:r>
             <a:r>
-              <a:rPr lang="en-GB" dirty="0" smtClean="0"/>
-              <a:t> </a:t>
-            </a:r>
-            <a:r>
-              <a:rPr lang="en-GB" dirty="0" err="1" smtClean="0"/>
+              <a:rPr lang="en-GB" dirty="0"/>
+              <a:t> </a:t>
+            </a:r>
+            <a:r>
+              <a:rPr lang="en-GB" dirty="0" err="1"/>
               <a:t>podczas</a:t>
             </a:r>
             <a:r>
-              <a:rPr lang="en-GB" dirty="0" smtClean="0"/>
-              <a:t> </a:t>
-            </a:r>
-            <a:r>
-              <a:rPr lang="en-GB" dirty="0" err="1" smtClean="0"/>
+              <a:rPr lang="en-GB" dirty="0"/>
+              <a:t> </a:t>
+            </a:r>
+            <a:r>
+              <a:rPr lang="en-GB" dirty="0" err="1"/>
               <a:t>gry</a:t>
             </a:r>
-            <a:endParaRPr lang="en-GB" dirty="0" smtClean="0"/>
-          </a:p>
-          <a:p>
-            <a:r>
-              <a:rPr lang="en-GB" dirty="0" err="1" smtClean="0"/>
+            <a:endParaRPr lang="en-GB" dirty="0"/>
+          </a:p>
+          <a:p>
+            <a:r>
+              <a:rPr lang="en-GB" dirty="0" err="1"/>
               <a:t>Wymagania</a:t>
             </a:r>
             <a:r>
-              <a:rPr lang="en-GB" dirty="0" smtClean="0"/>
+              <a:rPr lang="en-GB" dirty="0"/>
               <a:t>:</a:t>
             </a:r>
           </a:p>
@@ -10087,11 +9184,11 @@
           </a:p>
           <a:p>
             <a:r>
-              <a:rPr lang="en-GB" dirty="0" err="1" smtClean="0"/>
+              <a:rPr lang="en-GB" dirty="0" err="1"/>
               <a:t>Zasady</a:t>
             </a:r>
             <a:r>
-              <a:rPr lang="en-GB" dirty="0" smtClean="0"/>
+              <a:rPr lang="en-GB" dirty="0"/>
               <a:t>:</a:t>
             </a:r>
           </a:p>
@@ -10251,13 +9348,9 @@
             </a:r>
             <a:r>
               <a:rPr lang="pl-PL" dirty="0"/>
-              <a:t> gracz ma co najmniej 3 pkt i jeden gracz zdobędzie jeden pkt to nazywa się to "</a:t>
-            </a:r>
-            <a:r>
-              <a:rPr lang="pl-PL" dirty="0" smtClean="0"/>
-              <a:t>Advantage“</a:t>
-            </a:r>
-            <a:endParaRPr lang="en-GB" dirty="0" smtClean="0"/>
+              <a:t> gracz ma co najmniej 3 pkt i jeden gracz zdobędzie jeden pkt to nazywa się to "Advantage“</a:t>
+            </a:r>
+            <a:endParaRPr lang="en-GB" dirty="0"/>
           </a:p>
           <a:p>
             <a:pPr lvl="1"/>
@@ -10273,7 +9366,7 @@
           </a:p>
           <a:p>
             <a:pPr lvl="1"/>
-            <a:endParaRPr lang="en-GB" dirty="0" smtClean="0"/>
+            <a:endParaRPr lang="en-GB" dirty="0"/>
           </a:p>
           <a:p>
             <a:endParaRPr lang="en-GB" dirty="0"/>
@@ -10312,7 +9405,13 @@
       </p:grpSpPr>
       <p:sp>
         <p:nvSpPr>
-          <p:cNvPr id="2" name="Tytuł 1"/>
+          <p:cNvPr id="2" name="Tytuł 1">
+            <a:extLst>
+              <a:ext uri="{FF2B5EF4-FFF2-40B4-BE49-F238E27FC236}">
+                <a16:creationId xmlns:a16="http://schemas.microsoft.com/office/drawing/2014/main" id="{9438EFEC-646F-4656-AA60-E60BF6505202}"/>
+              </a:ext>
+            </a:extLst>
+          </p:cNvPr>
           <p:cNvSpPr>
             <a:spLocks noGrp="1"/>
           </p:cNvSpPr>
@@ -10326,20 +9425,26 @@
           <a:lstStyle/>
           <a:p>
             <a:r>
-              <a:rPr lang="en-GB" dirty="0" err="1"/>
-              <a:t>Ź</a:t>
-            </a:r>
-            <a:r>
-              <a:rPr lang="en-GB" dirty="0" err="1" smtClean="0"/>
-              <a:t>ródła</a:t>
-            </a:r>
-            <a:endParaRPr lang="en-GB" dirty="0"/>
-          </a:p>
-        </p:txBody>
-      </p:sp>
-      <p:sp>
-        <p:nvSpPr>
-          <p:cNvPr id="3" name="Symbol zastępczy zawartości 2"/>
+              <a:rPr lang="pl-PL" dirty="0"/>
+              <a:t>Harry Potter – </a:t>
+            </a:r>
+            <a:r>
+              <a:rPr lang="pl-PL" dirty="0" err="1"/>
+              <a:t>Bookstore</a:t>
+            </a:r>
+            <a:endParaRPr lang="pl-PL" dirty="0"/>
+          </a:p>
+        </p:txBody>
+      </p:sp>
+      <p:sp>
+        <p:nvSpPr>
+          <p:cNvPr id="3" name="Symbol zastępczy zawartości 2">
+            <a:extLst>
+              <a:ext uri="{FF2B5EF4-FFF2-40B4-BE49-F238E27FC236}">
+                <a16:creationId xmlns:a16="http://schemas.microsoft.com/office/drawing/2014/main" id="{2F30EAD8-5BD0-4327-868D-4D36224DA34E}"/>
+              </a:ext>
+            </a:extLst>
+          </p:cNvPr>
           <p:cNvSpPr>
             <a:spLocks noGrp="1"/>
           </p:cNvSpPr>
@@ -10349,158 +9454,60 @@
         </p:nvSpPr>
         <p:spPr/>
         <p:txBody>
-          <a:bodyPr/>
-          <a:lstStyle/>
-          <a:p>
-            <a:r>
-              <a:rPr lang="pl-PL" dirty="0"/>
-              <a:t> Marek Dominiak - Prezentacja </a:t>
-            </a:r>
-            <a:r>
-              <a:rPr lang="en-GB" dirty="0" smtClean="0"/>
-              <a:t>“</a:t>
-            </a:r>
-            <a:r>
-              <a:rPr lang="pl-PL" dirty="0" smtClean="0"/>
-              <a:t>Pragmatyczne podejście </a:t>
-            </a:r>
-            <a:r>
-              <a:rPr lang="pl-PL" dirty="0"/>
-              <a:t>do pisania </a:t>
-            </a:r>
-            <a:r>
-              <a:rPr lang="pl-PL" dirty="0" smtClean="0"/>
-              <a:t>I</a:t>
-            </a:r>
-            <a:r>
-              <a:rPr lang="en-GB" dirty="0" smtClean="0"/>
-              <a:t> </a:t>
-            </a:r>
-            <a:r>
-              <a:rPr lang="pl-PL" dirty="0" smtClean="0"/>
-              <a:t> utrzymywania testów</a:t>
-            </a:r>
-            <a:r>
-              <a:rPr lang="en-GB" dirty="0" smtClean="0"/>
-              <a:t>”</a:t>
-            </a:r>
-            <a:endParaRPr lang="pl-PL" dirty="0"/>
-          </a:p>
-          <a:p>
-            <a:r>
-              <a:rPr lang="pl-PL" dirty="0"/>
-              <a:t> Adam Pierzchała </a:t>
-            </a:r>
-            <a:r>
-              <a:rPr lang="pl-PL" dirty="0" smtClean="0"/>
-              <a:t>– </a:t>
-            </a:r>
-            <a:r>
-              <a:rPr lang="en-GB" dirty="0" smtClean="0"/>
-              <a:t> </a:t>
-            </a:r>
-            <a:r>
-              <a:rPr lang="en-GB" dirty="0" err="1" smtClean="0"/>
-              <a:t>Prezentacja</a:t>
-            </a:r>
-            <a:r>
-              <a:rPr lang="en-GB" dirty="0" smtClean="0"/>
-              <a:t> “</a:t>
-            </a:r>
-            <a:r>
-              <a:rPr lang="pl-PL" dirty="0" smtClean="0"/>
-              <a:t>TDD</a:t>
-            </a:r>
-            <a:r>
-              <a:rPr lang="en-GB" dirty="0" smtClean="0"/>
-              <a:t>”</a:t>
-            </a:r>
-            <a:endParaRPr lang="pl-PL" dirty="0"/>
-          </a:p>
-          <a:p>
-            <a:r>
-              <a:rPr lang="pl-PL" dirty="0"/>
-              <a:t> Kent Beck </a:t>
-            </a:r>
-            <a:r>
-              <a:rPr lang="pl-PL" dirty="0" smtClean="0"/>
-              <a:t>– </a:t>
-            </a:r>
-            <a:r>
-              <a:rPr lang="en-GB" dirty="0" smtClean="0"/>
-              <a:t>“</a:t>
-            </a:r>
-            <a:r>
-              <a:rPr lang="pl-PL" dirty="0" smtClean="0"/>
-              <a:t>TDD</a:t>
-            </a:r>
-            <a:r>
-              <a:rPr lang="pl-PL" dirty="0"/>
-              <a:t>. Sztuka tworzenia dobrego </a:t>
-            </a:r>
-            <a:r>
-              <a:rPr lang="pl-PL" dirty="0" smtClean="0"/>
-              <a:t>kodu</a:t>
-            </a:r>
-            <a:r>
-              <a:rPr lang="en-GB" dirty="0" smtClean="0"/>
-              <a:t>”</a:t>
-            </a:r>
-            <a:endParaRPr lang="pl-PL" dirty="0"/>
-          </a:p>
-          <a:p>
-            <a:r>
-              <a:rPr lang="pl-PL" dirty="0"/>
-              <a:t> Krzysztof Chruściel, Agnieszka Pieszczek </a:t>
-            </a:r>
-            <a:r>
-              <a:rPr lang="pl-PL" dirty="0" smtClean="0"/>
-              <a:t>– </a:t>
-            </a:r>
-            <a:r>
-              <a:rPr lang="en-GB" dirty="0" smtClean="0"/>
-              <a:t>“</a:t>
-            </a:r>
-            <a:r>
-              <a:rPr lang="pl-PL" dirty="0" smtClean="0"/>
-              <a:t>CodeCouple.pl</a:t>
-            </a:r>
-            <a:r>
-              <a:rPr lang="en-GB" dirty="0" smtClean="0"/>
-              <a:t>”</a:t>
-            </a:r>
-            <a:endParaRPr lang="pl-PL" dirty="0"/>
-          </a:p>
-          <a:p>
-            <a:r>
-              <a:rPr lang="pl-PL" dirty="0"/>
-              <a:t> Steve </a:t>
-            </a:r>
-            <a:r>
-              <a:rPr lang="pl-PL" dirty="0" smtClean="0"/>
-              <a:t>Freeman</a:t>
-            </a:r>
-            <a:r>
-              <a:rPr lang="en-GB" dirty="0" smtClean="0"/>
-              <a:t> – “Growing </a:t>
-            </a:r>
-            <a:r>
-              <a:rPr lang="en-GB" dirty="0"/>
-              <a:t>Object-Oriented Programming. Guided By </a:t>
-            </a:r>
-            <a:r>
-              <a:rPr lang="en-GB" dirty="0" smtClean="0"/>
-              <a:t>Tests”</a:t>
-            </a:r>
-          </a:p>
-          <a:p>
-            <a:r>
-              <a:rPr lang="en-GB" dirty="0" smtClean="0"/>
-              <a:t> Kata - https</a:t>
-            </a:r>
-            <a:r>
-              <a:rPr lang="en-GB" dirty="0"/>
-              <a:t>://github.com/emilybache</a:t>
+          <a:bodyPr>
+            <a:normAutofit/>
+          </a:bodyPr>
+          <a:lstStyle/>
+          <a:p>
+            <a:r>
+              <a:rPr lang="pl-PL" dirty="0"/>
+              <a:t>W księgarni jest 5 różnych części sagi Harry Potter</a:t>
+            </a:r>
+          </a:p>
+          <a:p>
+            <a:r>
+              <a:rPr lang="pl-PL" dirty="0"/>
+              <a:t>Każda książka kosztuje 8 Euro</a:t>
+            </a:r>
+          </a:p>
+          <a:p>
+            <a:r>
+              <a:rPr lang="pl-PL" dirty="0"/>
+              <a:t>Jeżeli ktoś kupi różne książki dostaje rabat:</a:t>
+            </a:r>
+          </a:p>
+          <a:p>
+            <a:pPr lvl="1"/>
+            <a:r>
+              <a:rPr lang="pl-PL" dirty="0"/>
+              <a:t>2 różne -&gt; 5%</a:t>
+            </a:r>
+          </a:p>
+          <a:p>
+            <a:pPr lvl="1"/>
+            <a:r>
+              <a:rPr lang="pl-PL" dirty="0"/>
+              <a:t>3 różne -&gt; 10%</a:t>
+            </a:r>
+          </a:p>
+          <a:p>
+            <a:pPr lvl="1"/>
+            <a:r>
+              <a:rPr lang="pl-PL" dirty="0"/>
+              <a:t>4 różne -&gt; 20%</a:t>
+            </a:r>
+          </a:p>
+          <a:p>
+            <a:pPr lvl="1"/>
+            <a:r>
+              <a:rPr lang="pl-PL" dirty="0"/>
+              <a:t>5 różne -&gt; 25% </a:t>
+            </a:r>
+          </a:p>
+          <a:p>
+            <a:r>
+              <a:rPr lang="pl-PL" dirty="0"/>
+              <a:t>Rabat dotyczy tylko tych za którego go przyznano książek</a:t>
             </a:r>
           </a:p>
         </p:txBody>
@@ -10508,20 +9515,13 @@
     </p:spTree>
     <p:extLst>
       <p:ext uri="{BB962C8B-B14F-4D97-AF65-F5344CB8AC3E}">
-        <p14:creationId xmlns:p14="http://schemas.microsoft.com/office/powerpoint/2010/main" val="1756056549"/>
+        <p14:creationId xmlns:p14="http://schemas.microsoft.com/office/powerpoint/2010/main" val="2198741916"/>
       </p:ext>
     </p:extLst>
   </p:cSld>
   <p:clrMapOvr>
     <a:masterClrMapping/>
   </p:clrMapOvr>
-  <p:timing>
-    <p:tnLst>
-      <p:par>
-        <p:cTn id="1" dur="indefinite" restart="never" nodeType="tmRoot"/>
-      </p:par>
-    </p:tnLst>
-  </p:timing>
 </p:sld>
 </file>
 
@@ -10559,15 +9559,15 @@
           <a:p>
             <a:pPr algn="ctr"/>
             <a:r>
-              <a:rPr lang="en-GB" dirty="0" err="1" smtClean="0"/>
+              <a:rPr lang="en-GB" dirty="0" err="1"/>
               <a:t>Typy</a:t>
             </a:r>
             <a:r>
-              <a:rPr lang="en-GB" dirty="0" smtClean="0"/>
-              <a:t> </a:t>
-            </a:r>
-            <a:r>
-              <a:rPr lang="en-GB" dirty="0" err="1" smtClean="0"/>
+              <a:rPr lang="en-GB" dirty="0"/>
+              <a:t> </a:t>
+            </a:r>
+            <a:r>
+              <a:rPr lang="en-GB" dirty="0" err="1"/>
               <a:t>testów</a:t>
             </a:r>
             <a:endParaRPr lang="en-GB" dirty="0"/>
@@ -10609,29 +9609,25 @@
           <a:p>
             <a:r>
               <a:rPr lang="pl-PL" dirty="0"/>
-              <a:t>ze względu na wprowadzane </a:t>
-            </a:r>
-            <a:r>
-              <a:rPr lang="pl-PL" dirty="0" smtClean="0"/>
-              <a:t>zmiany</a:t>
-            </a:r>
-            <a:r>
-              <a:rPr lang="en-GB" dirty="0" smtClean="0"/>
+              <a:t>ze względu na wprowadzane zmiany</a:t>
+            </a:r>
+            <a:r>
+              <a:rPr lang="en-GB" dirty="0"/>
               <a:t> </a:t>
             </a:r>
           </a:p>
           <a:p>
             <a:pPr lvl="1"/>
             <a:r>
-              <a:rPr lang="en-GB" dirty="0" err="1" smtClean="0"/>
+              <a:rPr lang="en-GB" dirty="0" err="1"/>
               <a:t>regresywne</a:t>
             </a:r>
-            <a:endParaRPr lang="en-GB" dirty="0" smtClean="0"/>
+            <a:endParaRPr lang="en-GB" dirty="0"/>
           </a:p>
           <a:p>
             <a:pPr lvl="1"/>
             <a:r>
-              <a:rPr lang="en-GB" dirty="0" err="1" smtClean="0"/>
+              <a:rPr lang="en-GB" dirty="0" err="1"/>
               <a:t>retesty</a:t>
             </a:r>
             <a:endParaRPr lang="pl-PL" dirty="0"/>
@@ -10651,13 +9647,6 @@
   <p:clrMapOvr>
     <a:masterClrMapping/>
   </p:clrMapOvr>
-  <p:timing>
-    <p:tnLst>
-      <p:par>
-        <p:cTn id="1" dur="indefinite" restart="never" nodeType="tmRoot"/>
-      </p:par>
-    </p:tnLst>
-  </p:timing>
 </p:sld>
 </file>
 
@@ -10680,6 +9669,638 @@
       </p:grpSpPr>
       <p:sp>
         <p:nvSpPr>
+          <p:cNvPr id="2" name="Tytuł 1">
+            <a:extLst>
+              <a:ext uri="{FF2B5EF4-FFF2-40B4-BE49-F238E27FC236}">
+                <a16:creationId xmlns:a16="http://schemas.microsoft.com/office/drawing/2014/main" id="{EFEF585A-46FD-4B90-93A6-8D69238F9CAC}"/>
+              </a:ext>
+            </a:extLst>
+          </p:cNvPr>
+          <p:cNvSpPr>
+            <a:spLocks noGrp="1"/>
+          </p:cNvSpPr>
+          <p:nvPr>
+            <p:ph type="title"/>
+          </p:nvPr>
+        </p:nvSpPr>
+        <p:spPr/>
+        <p:txBody>
+          <a:bodyPr/>
+          <a:lstStyle/>
+          <a:p>
+            <a:r>
+              <a:rPr lang="pl-PL" dirty="0"/>
+              <a:t>Harry Potter – </a:t>
+            </a:r>
+            <a:r>
+              <a:rPr lang="pl-PL" dirty="0" err="1"/>
+              <a:t>Bookstore</a:t>
+            </a:r>
+            <a:r>
+              <a:rPr lang="pl-PL" dirty="0"/>
+              <a:t> cd</a:t>
+            </a:r>
+          </a:p>
+        </p:txBody>
+      </p:sp>
+      <p:sp>
+        <p:nvSpPr>
+          <p:cNvPr id="3" name="Symbol zastępczy zawartości 2">
+            <a:extLst>
+              <a:ext uri="{FF2B5EF4-FFF2-40B4-BE49-F238E27FC236}">
+                <a16:creationId xmlns:a16="http://schemas.microsoft.com/office/drawing/2014/main" id="{0DDE7450-90AE-488D-B14F-21BD2724E539}"/>
+              </a:ext>
+            </a:extLst>
+          </p:cNvPr>
+          <p:cNvSpPr>
+            <a:spLocks noGrp="1"/>
+          </p:cNvSpPr>
+          <p:nvPr>
+            <p:ph idx="1"/>
+          </p:nvPr>
+        </p:nvSpPr>
+        <p:spPr/>
+        <p:txBody>
+          <a:bodyPr/>
+          <a:lstStyle/>
+          <a:p>
+            <a:r>
+              <a:rPr lang="pl-PL" dirty="0"/>
+              <a:t>Zakupiono trzy książki:</a:t>
+            </a:r>
+          </a:p>
+          <a:p>
+            <a:pPr lvl="1"/>
+            <a:r>
+              <a:rPr lang="pl-PL" dirty="0"/>
+              <a:t>2 kopie części 1 (2 x Episode1)</a:t>
+            </a:r>
+          </a:p>
+          <a:p>
+            <a:pPr lvl="1"/>
+            <a:r>
+              <a:rPr lang="pl-PL" dirty="0"/>
+              <a:t>1 kopię części 2 (1 x Episode2)</a:t>
+            </a:r>
+          </a:p>
+          <a:p>
+            <a:r>
+              <a:rPr lang="pl-PL" dirty="0"/>
+              <a:t>Naliczone zniżki:</a:t>
+            </a:r>
+          </a:p>
+          <a:p>
+            <a:pPr lvl="1"/>
+            <a:r>
+              <a:rPr lang="pl-PL" dirty="0"/>
+              <a:t>5 % na książki Episode1 i Episode2 </a:t>
+            </a:r>
+          </a:p>
+          <a:p>
+            <a:pPr lvl="1"/>
+            <a:r>
+              <a:rPr lang="pl-PL" dirty="0"/>
+              <a:t>0% na książkę Episode1 </a:t>
+            </a:r>
+          </a:p>
+          <a:p>
+            <a:r>
+              <a:rPr lang="pl-PL" dirty="0"/>
+              <a:t>Do zapłaty:</a:t>
+            </a:r>
+          </a:p>
+          <a:p>
+            <a:pPr lvl="1"/>
+            <a:r>
+              <a:rPr lang="pl-PL" dirty="0"/>
+              <a:t>2 * 8.00 * 0.95 = 15.2 (Episode1 i Episode2 )</a:t>
+            </a:r>
+          </a:p>
+          <a:p>
+            <a:pPr lvl="1"/>
+            <a:r>
+              <a:rPr lang="pl-PL" dirty="0"/>
+              <a:t>1 * 8.00 = 8 (Episode1)</a:t>
+            </a:r>
+          </a:p>
+          <a:p>
+            <a:pPr lvl="1"/>
+            <a:r>
+              <a:rPr lang="pl-PL" dirty="0"/>
+              <a:t>Razem: 15.2 + 8 = 23.2</a:t>
+            </a:r>
+          </a:p>
+          <a:p>
+            <a:pPr lvl="1"/>
+            <a:endParaRPr lang="pl-PL" dirty="0"/>
+          </a:p>
+          <a:p>
+            <a:pPr lvl="1"/>
+            <a:endParaRPr lang="pl-PL" dirty="0"/>
+          </a:p>
+        </p:txBody>
+      </p:sp>
+    </p:spTree>
+    <p:extLst>
+      <p:ext uri="{BB962C8B-B14F-4D97-AF65-F5344CB8AC3E}">
+        <p14:creationId xmlns:p14="http://schemas.microsoft.com/office/powerpoint/2010/main" val="243602441"/>
+      </p:ext>
+    </p:extLst>
+  </p:cSld>
+  <p:clrMapOvr>
+    <a:masterClrMapping/>
+  </p:clrMapOvr>
+</p:sld>
+</file>
+
+<file path=ppt/slides/slide21.xml><?xml version="1.0" encoding="utf-8"?>
+<p:sld xmlns:a="http://schemas.openxmlformats.org/drawingml/2006/main" xmlns:r="http://schemas.openxmlformats.org/officeDocument/2006/relationships" xmlns:p="http://schemas.openxmlformats.org/presentationml/2006/main">
+  <p:cSld>
+    <p:spTree>
+      <p:nvGrpSpPr>
+        <p:cNvPr id="1" name=""/>
+        <p:cNvGrpSpPr/>
+        <p:nvPr/>
+      </p:nvGrpSpPr>
+      <p:grpSpPr>
+        <a:xfrm>
+          <a:off x="0" y="0"/>
+          <a:ext cx="0" cy="0"/>
+          <a:chOff x="0" y="0"/>
+          <a:chExt cx="0" cy="0"/>
+        </a:xfrm>
+      </p:grpSpPr>
+      <p:sp>
+        <p:nvSpPr>
+          <p:cNvPr id="2" name="Tytuł 1">
+            <a:extLst>
+              <a:ext uri="{FF2B5EF4-FFF2-40B4-BE49-F238E27FC236}">
+                <a16:creationId xmlns:a16="http://schemas.microsoft.com/office/drawing/2014/main" id="{8425860C-01CB-40BD-ACA2-BFDD1ABA4574}"/>
+              </a:ext>
+            </a:extLst>
+          </p:cNvPr>
+          <p:cNvSpPr>
+            <a:spLocks noGrp="1"/>
+          </p:cNvSpPr>
+          <p:nvPr>
+            <p:ph type="title"/>
+          </p:nvPr>
+        </p:nvSpPr>
+        <p:spPr/>
+        <p:txBody>
+          <a:bodyPr/>
+          <a:lstStyle/>
+          <a:p>
+            <a:r>
+              <a:rPr lang="pl-PL" dirty="0"/>
+              <a:t>Harry Potter – </a:t>
+            </a:r>
+            <a:r>
+              <a:rPr lang="pl-PL" dirty="0" err="1"/>
+              <a:t>Bookstore</a:t>
+            </a:r>
+            <a:r>
+              <a:rPr lang="pl-PL" dirty="0"/>
+              <a:t> cd</a:t>
+            </a:r>
+          </a:p>
+        </p:txBody>
+      </p:sp>
+      <p:sp>
+        <p:nvSpPr>
+          <p:cNvPr id="3" name="Symbol zastępczy zawartości 2">
+            <a:extLst>
+              <a:ext uri="{FF2B5EF4-FFF2-40B4-BE49-F238E27FC236}">
+                <a16:creationId xmlns:a16="http://schemas.microsoft.com/office/drawing/2014/main" id="{60383A0A-0BF5-4B3E-A700-5779420F7572}"/>
+              </a:ext>
+            </a:extLst>
+          </p:cNvPr>
+          <p:cNvSpPr>
+            <a:spLocks noGrp="1"/>
+          </p:cNvSpPr>
+          <p:nvPr>
+            <p:ph idx="1"/>
+          </p:nvPr>
+        </p:nvSpPr>
+        <p:spPr>
+          <a:xfrm>
+            <a:off x="609600" y="1825625"/>
+            <a:ext cx="11435644" cy="4351338"/>
+          </a:xfrm>
+        </p:spPr>
+        <p:txBody>
+          <a:bodyPr>
+            <a:normAutofit fontScale="92500" lnSpcReduction="20000"/>
+          </a:bodyPr>
+          <a:lstStyle/>
+          <a:p>
+            <a:r>
+              <a:rPr lang="pl-PL" dirty="0"/>
+              <a:t>Zakupiono trzy książki:</a:t>
+            </a:r>
+          </a:p>
+          <a:p>
+            <a:pPr lvl="1"/>
+            <a:r>
+              <a:rPr lang="pl-PL" dirty="0"/>
+              <a:t>2 kopie części 1 (2 x Episode1)</a:t>
+            </a:r>
+          </a:p>
+          <a:p>
+            <a:pPr lvl="1"/>
+            <a:r>
+              <a:rPr lang="pl-PL" dirty="0"/>
+              <a:t>2 kopię części 2 (2 x Episode2)</a:t>
+            </a:r>
+          </a:p>
+          <a:p>
+            <a:pPr lvl="1"/>
+            <a:r>
+              <a:rPr lang="pl-PL" dirty="0"/>
+              <a:t>1 kopię części 3 (2 x Episode3)</a:t>
+            </a:r>
+          </a:p>
+          <a:p>
+            <a:pPr lvl="1"/>
+            <a:r>
+              <a:rPr lang="pl-PL" dirty="0"/>
+              <a:t>1 kopię części 4 (1 x Episode4)</a:t>
+            </a:r>
+          </a:p>
+          <a:p>
+            <a:pPr lvl="1"/>
+            <a:r>
+              <a:rPr lang="pl-PL" dirty="0"/>
+              <a:t>1 kopię części 5 (1 x Episode5)</a:t>
+            </a:r>
+          </a:p>
+          <a:p>
+            <a:r>
+              <a:rPr lang="pl-PL" dirty="0"/>
+              <a:t>Naliczone zniżki:</a:t>
+            </a:r>
+          </a:p>
+          <a:p>
+            <a:pPr lvl="1"/>
+            <a:r>
+              <a:rPr lang="pl-PL" dirty="0"/>
+              <a:t>25 % na książki Episode1, Episode2, Episode3, Episode4 i</a:t>
+            </a:r>
+            <a:r>
+              <a:rPr lang="pl-PL" b="1" dirty="0"/>
+              <a:t> </a:t>
+            </a:r>
+            <a:r>
+              <a:rPr lang="pl-PL" dirty="0"/>
+              <a:t>Episode5</a:t>
+            </a:r>
+          </a:p>
+          <a:p>
+            <a:pPr lvl="1"/>
+            <a:r>
+              <a:rPr lang="pl-PL" dirty="0"/>
+              <a:t>10% na książkę Episode1, Episode2 i Episode3</a:t>
+            </a:r>
+          </a:p>
+          <a:p>
+            <a:r>
+              <a:rPr lang="pl-PL" dirty="0"/>
+              <a:t>Do zapłaty:</a:t>
+            </a:r>
+          </a:p>
+          <a:p>
+            <a:pPr lvl="1"/>
+            <a:r>
+              <a:rPr lang="pl-PL" dirty="0"/>
+              <a:t>5 * 8.00 * 0.75 = 30 (Episode1, Episode2, Episode3, Episode4 i</a:t>
+            </a:r>
+            <a:r>
+              <a:rPr lang="pl-PL" b="1" dirty="0"/>
+              <a:t> </a:t>
+            </a:r>
+            <a:r>
+              <a:rPr lang="pl-PL" dirty="0"/>
+              <a:t>Episode5 )</a:t>
+            </a:r>
+          </a:p>
+          <a:p>
+            <a:pPr lvl="1"/>
+            <a:r>
+              <a:rPr lang="pl-PL" dirty="0"/>
+              <a:t>3 * 8.00 * 0.9 = 21.6 (Episode1 i Episode2)</a:t>
+            </a:r>
+          </a:p>
+          <a:p>
+            <a:pPr lvl="1"/>
+            <a:r>
+              <a:rPr lang="pl-PL" dirty="0"/>
+              <a:t>Razem: 30 + 21.6 = 51.6</a:t>
+            </a:r>
+          </a:p>
+          <a:p>
+            <a:endParaRPr lang="pl-PL" dirty="0"/>
+          </a:p>
+        </p:txBody>
+      </p:sp>
+    </p:spTree>
+    <p:extLst>
+      <p:ext uri="{BB962C8B-B14F-4D97-AF65-F5344CB8AC3E}">
+        <p14:creationId xmlns:p14="http://schemas.microsoft.com/office/powerpoint/2010/main" val="4234468893"/>
+      </p:ext>
+    </p:extLst>
+  </p:cSld>
+  <p:clrMapOvr>
+    <a:masterClrMapping/>
+  </p:clrMapOvr>
+</p:sld>
+</file>
+
+<file path=ppt/slides/slide22.xml><?xml version="1.0" encoding="utf-8"?>
+<p:sld xmlns:a="http://schemas.openxmlformats.org/drawingml/2006/main" xmlns:r="http://schemas.openxmlformats.org/officeDocument/2006/relationships" xmlns:p="http://schemas.openxmlformats.org/presentationml/2006/main">
+  <p:cSld>
+    <p:spTree>
+      <p:nvGrpSpPr>
+        <p:cNvPr id="1" name=""/>
+        <p:cNvGrpSpPr/>
+        <p:nvPr/>
+      </p:nvGrpSpPr>
+      <p:grpSpPr>
+        <a:xfrm>
+          <a:off x="0" y="0"/>
+          <a:ext cx="0" cy="0"/>
+          <a:chOff x="0" y="0"/>
+          <a:chExt cx="0" cy="0"/>
+        </a:xfrm>
+      </p:grpSpPr>
+      <p:sp>
+        <p:nvSpPr>
+          <p:cNvPr id="2" name="Tytuł 1">
+            <a:extLst>
+              <a:ext uri="{FF2B5EF4-FFF2-40B4-BE49-F238E27FC236}">
+                <a16:creationId xmlns:a16="http://schemas.microsoft.com/office/drawing/2014/main" id="{0281F14E-4D17-4D07-8AC4-15FA06E8245E}"/>
+              </a:ext>
+            </a:extLst>
+          </p:cNvPr>
+          <p:cNvSpPr>
+            <a:spLocks noGrp="1"/>
+          </p:cNvSpPr>
+          <p:nvPr>
+            <p:ph type="title"/>
+          </p:nvPr>
+        </p:nvSpPr>
+        <p:spPr/>
+        <p:txBody>
+          <a:bodyPr/>
+          <a:lstStyle/>
+          <a:p>
+            <a:endParaRPr lang="pl-PL"/>
+          </a:p>
+        </p:txBody>
+      </p:sp>
+      <p:pic>
+        <p:nvPicPr>
+          <p:cNvPr id="5" name="Symbol zastępczy zawartości 4">
+            <a:extLst>
+              <a:ext uri="{FF2B5EF4-FFF2-40B4-BE49-F238E27FC236}">
+                <a16:creationId xmlns:a16="http://schemas.microsoft.com/office/drawing/2014/main" id="{6A32E48F-F03D-4DC2-AE31-E658C4B5D7BB}"/>
+              </a:ext>
+            </a:extLst>
+          </p:cNvPr>
+          <p:cNvPicPr>
+            <a:picLocks noGrp="1" noChangeAspect="1"/>
+          </p:cNvPicPr>
+          <p:nvPr>
+            <p:ph idx="1"/>
+          </p:nvPr>
+        </p:nvPicPr>
+        <p:blipFill>
+          <a:blip r:embed="rId2">
+            <a:extLst>
+              <a:ext uri="{28A0092B-C50C-407E-A947-70E740481C1C}">
+                <a14:useLocalDpi xmlns:a14="http://schemas.microsoft.com/office/drawing/2010/main" val="0"/>
+              </a:ext>
+            </a:extLst>
+          </a:blip>
+          <a:stretch>
+            <a:fillRect/>
+          </a:stretch>
+        </p:blipFill>
+        <p:spPr>
+          <a:xfrm>
+            <a:off x="365724" y="685800"/>
+            <a:ext cx="11745684" cy="5486400"/>
+          </a:xfrm>
+        </p:spPr>
+      </p:pic>
+    </p:spTree>
+    <p:extLst>
+      <p:ext uri="{BB962C8B-B14F-4D97-AF65-F5344CB8AC3E}">
+        <p14:creationId xmlns:p14="http://schemas.microsoft.com/office/powerpoint/2010/main" val="1670367867"/>
+      </p:ext>
+    </p:extLst>
+  </p:cSld>
+  <p:clrMapOvr>
+    <a:masterClrMapping/>
+  </p:clrMapOvr>
+</p:sld>
+</file>
+
+<file path=ppt/slides/slide23.xml><?xml version="1.0" encoding="utf-8"?>
+<p:sld xmlns:a="http://schemas.openxmlformats.org/drawingml/2006/main" xmlns:r="http://schemas.openxmlformats.org/officeDocument/2006/relationships" xmlns:p="http://schemas.openxmlformats.org/presentationml/2006/main">
+  <p:cSld>
+    <p:spTree>
+      <p:nvGrpSpPr>
+        <p:cNvPr id="1" name=""/>
+        <p:cNvGrpSpPr/>
+        <p:nvPr/>
+      </p:nvGrpSpPr>
+      <p:grpSpPr>
+        <a:xfrm>
+          <a:off x="0" y="0"/>
+          <a:ext cx="0" cy="0"/>
+          <a:chOff x="0" y="0"/>
+          <a:chExt cx="0" cy="0"/>
+        </a:xfrm>
+      </p:grpSpPr>
+      <p:sp>
+        <p:nvSpPr>
+          <p:cNvPr id="2" name="Tytuł 1"/>
+          <p:cNvSpPr>
+            <a:spLocks noGrp="1"/>
+          </p:cNvSpPr>
+          <p:nvPr>
+            <p:ph type="title"/>
+          </p:nvPr>
+        </p:nvSpPr>
+        <p:spPr/>
+        <p:txBody>
+          <a:bodyPr/>
+          <a:lstStyle/>
+          <a:p>
+            <a:r>
+              <a:rPr lang="en-GB" dirty="0" err="1"/>
+              <a:t>Źródła</a:t>
+            </a:r>
+            <a:endParaRPr lang="en-GB" dirty="0"/>
+          </a:p>
+        </p:txBody>
+      </p:sp>
+      <p:sp>
+        <p:nvSpPr>
+          <p:cNvPr id="3" name="Symbol zastępczy zawartości 2"/>
+          <p:cNvSpPr>
+            <a:spLocks noGrp="1"/>
+          </p:cNvSpPr>
+          <p:nvPr>
+            <p:ph idx="1"/>
+          </p:nvPr>
+        </p:nvSpPr>
+        <p:spPr/>
+        <p:txBody>
+          <a:bodyPr/>
+          <a:lstStyle/>
+          <a:p>
+            <a:r>
+              <a:rPr lang="pl-PL" dirty="0"/>
+              <a:t> Marek Dominiak - Prezentacja </a:t>
+            </a:r>
+            <a:r>
+              <a:rPr lang="en-GB" dirty="0"/>
+              <a:t>“</a:t>
+            </a:r>
+            <a:r>
+              <a:rPr lang="pl-PL" dirty="0"/>
+              <a:t>Pragmatyczne podejście do pisania I</a:t>
+            </a:r>
+            <a:r>
+              <a:rPr lang="en-GB" dirty="0"/>
+              <a:t> </a:t>
+            </a:r>
+            <a:r>
+              <a:rPr lang="pl-PL" dirty="0"/>
+              <a:t> utrzymywania testów</a:t>
+            </a:r>
+            <a:r>
+              <a:rPr lang="en-GB" dirty="0"/>
+              <a:t>”</a:t>
+            </a:r>
+            <a:endParaRPr lang="pl-PL" dirty="0"/>
+          </a:p>
+          <a:p>
+            <a:r>
+              <a:rPr lang="pl-PL" dirty="0"/>
+              <a:t> Adam Pierzchała – </a:t>
+            </a:r>
+            <a:r>
+              <a:rPr lang="en-GB" dirty="0"/>
+              <a:t> </a:t>
+            </a:r>
+            <a:r>
+              <a:rPr lang="en-GB" dirty="0" err="1"/>
+              <a:t>Prezentacja</a:t>
+            </a:r>
+            <a:r>
+              <a:rPr lang="en-GB" dirty="0"/>
+              <a:t> “</a:t>
+            </a:r>
+            <a:r>
+              <a:rPr lang="pl-PL" dirty="0"/>
+              <a:t>TDD</a:t>
+            </a:r>
+            <a:r>
+              <a:rPr lang="en-GB" dirty="0"/>
+              <a:t>”</a:t>
+            </a:r>
+            <a:endParaRPr lang="pl-PL" dirty="0"/>
+          </a:p>
+          <a:p>
+            <a:r>
+              <a:rPr lang="pl-PL" dirty="0"/>
+              <a:t> Kent Beck – </a:t>
+            </a:r>
+            <a:r>
+              <a:rPr lang="en-GB" dirty="0"/>
+              <a:t>“</a:t>
+            </a:r>
+            <a:r>
+              <a:rPr lang="pl-PL" dirty="0"/>
+              <a:t>TDD. Sztuka tworzenia dobrego kodu</a:t>
+            </a:r>
+            <a:r>
+              <a:rPr lang="en-GB" dirty="0"/>
+              <a:t>”</a:t>
+            </a:r>
+            <a:endParaRPr lang="pl-PL" dirty="0"/>
+          </a:p>
+          <a:p>
+            <a:r>
+              <a:rPr lang="pl-PL" dirty="0"/>
+              <a:t> Krzysztof Chruściel, Agnieszka Pieszczek – </a:t>
+            </a:r>
+            <a:r>
+              <a:rPr lang="en-GB" dirty="0"/>
+              <a:t>“</a:t>
+            </a:r>
+            <a:r>
+              <a:rPr lang="pl-PL" dirty="0"/>
+              <a:t>CodeCouple.pl</a:t>
+            </a:r>
+            <a:r>
+              <a:rPr lang="en-GB" dirty="0"/>
+              <a:t>”</a:t>
+            </a:r>
+            <a:endParaRPr lang="pl-PL" dirty="0"/>
+          </a:p>
+          <a:p>
+            <a:r>
+              <a:rPr lang="pl-PL" dirty="0"/>
+              <a:t> Steve Freeman</a:t>
+            </a:r>
+            <a:r>
+              <a:rPr lang="en-GB" dirty="0"/>
+              <a:t> – “Growing Object-Oriented Programming. Guided By Tests”</a:t>
+            </a:r>
+          </a:p>
+          <a:p>
+            <a:r>
+              <a:rPr lang="en-GB" dirty="0"/>
+              <a:t> Kata - https://github.com/emilybache</a:t>
+            </a:r>
+          </a:p>
+        </p:txBody>
+      </p:sp>
+    </p:spTree>
+    <p:extLst>
+      <p:ext uri="{BB962C8B-B14F-4D97-AF65-F5344CB8AC3E}">
+        <p14:creationId xmlns:p14="http://schemas.microsoft.com/office/powerpoint/2010/main" val="1756056549"/>
+      </p:ext>
+    </p:extLst>
+  </p:cSld>
+  <p:clrMapOvr>
+    <a:masterClrMapping/>
+  </p:clrMapOvr>
+</p:sld>
+</file>
+
+<file path=ppt/slides/slide24.xml><?xml version="1.0" encoding="utf-8"?>
+<p:sld xmlns:a="http://schemas.openxmlformats.org/drawingml/2006/main" xmlns:r="http://schemas.openxmlformats.org/officeDocument/2006/relationships" xmlns:p="http://schemas.openxmlformats.org/presentationml/2006/main">
+  <p:cSld>
+    <p:spTree>
+      <p:nvGrpSpPr>
+        <p:cNvPr id="1" name=""/>
+        <p:cNvGrpSpPr/>
+        <p:nvPr/>
+      </p:nvGrpSpPr>
+      <p:grpSpPr>
+        <a:xfrm>
+          <a:off x="0" y="0"/>
+          <a:ext cx="0" cy="0"/>
+          <a:chOff x="0" y="0"/>
+          <a:chExt cx="0" cy="0"/>
+        </a:xfrm>
+      </p:grpSpPr>
+      <p:sp>
+        <p:nvSpPr>
           <p:cNvPr id="2" name="Tytuł 1"/>
           <p:cNvSpPr>
             <a:spLocks noGrp="1"/>
@@ -10715,50 +10336,50 @@
             <a:pPr marL="0" indent="0">
               <a:buNone/>
             </a:pPr>
-            <a:endParaRPr lang="en-GB" dirty="0" smtClean="0"/>
+            <a:endParaRPr lang="en-GB" dirty="0"/>
           </a:p>
           <a:p>
             <a:pPr marL="0" indent="0">
               <a:buNone/>
             </a:pPr>
             <a:r>
-              <a:rPr lang="en-GB" dirty="0" smtClean="0"/>
+              <a:rPr lang="en-GB" dirty="0"/>
               <a:t>		</a:t>
             </a:r>
             <a:r>
-              <a:rPr lang="en-GB" dirty="0" err="1" smtClean="0"/>
+              <a:rPr lang="en-GB" dirty="0" err="1"/>
               <a:t>Musisz</a:t>
             </a:r>
             <a:r>
-              <a:rPr lang="en-GB" dirty="0" smtClean="0"/>
-              <a:t> </a:t>
-            </a:r>
-            <a:r>
-              <a:rPr lang="en-GB" dirty="0" err="1" smtClean="0"/>
+              <a:rPr lang="en-GB" dirty="0"/>
+              <a:t> </a:t>
+            </a:r>
+            <a:r>
+              <a:rPr lang="en-GB" dirty="0" err="1"/>
               <a:t>mieć</a:t>
             </a:r>
             <a:r>
-              <a:rPr lang="en-GB" dirty="0" smtClean="0"/>
+              <a:rPr lang="en-GB" dirty="0"/>
               <a:t> 100% </a:t>
             </a:r>
             <a:r>
-              <a:rPr lang="en-GB" dirty="0" err="1" smtClean="0"/>
+              <a:rPr lang="en-GB" dirty="0" err="1"/>
               <a:t>pokrycia</a:t>
             </a:r>
             <a:r>
-              <a:rPr lang="en-GB" dirty="0" smtClean="0"/>
-              <a:t> </a:t>
-            </a:r>
-            <a:r>
-              <a:rPr lang="en-GB" dirty="0" err="1" smtClean="0"/>
+              <a:rPr lang="en-GB" dirty="0"/>
+              <a:t> </a:t>
+            </a:r>
+            <a:r>
+              <a:rPr lang="en-GB" dirty="0" err="1"/>
               <a:t>kodu</a:t>
             </a:r>
             <a:r>
-              <a:rPr lang="en-GB" dirty="0" smtClean="0"/>
+              <a:rPr lang="en-GB" dirty="0"/>
               <a:t> w </a:t>
             </a:r>
             <a:r>
-              <a:rPr lang="en-GB" dirty="0" err="1" smtClean="0"/>
+              <a:rPr lang="en-GB" dirty="0" err="1"/>
               <a:t>testach</a:t>
             </a:r>
             <a:endParaRPr lang="en-GB" dirty="0"/>
@@ -10767,25 +10388,16 @@
             <a:pPr marL="0" indent="0">
               <a:buNone/>
             </a:pPr>
-            <a:endParaRPr lang="en-GB" dirty="0" smtClean="0"/>
+            <a:endParaRPr lang="en-GB" dirty="0"/>
           </a:p>
           <a:p>
             <a:pPr marL="0" indent="0">
               <a:buNone/>
             </a:pPr>
             <a:r>
-              <a:rPr lang="en-GB" dirty="0" smtClean="0"/>
-              <a:t>			Robert </a:t>
-            </a:r>
-            <a:r>
-              <a:rPr lang="en-GB" dirty="0"/>
-              <a:t>C. </a:t>
-            </a:r>
-            <a:r>
-              <a:rPr lang="en-GB" dirty="0" smtClean="0"/>
-              <a:t>Martina (Uncle Bob)</a:t>
-            </a:r>
-            <a:endParaRPr lang="en-GB" dirty="0"/>
+              <a:rPr lang="en-GB" dirty="0"/>
+              <a:t>			Robert C. Martina (Uncle Bob)</a:t>
+            </a:r>
           </a:p>
         </p:txBody>
       </p:sp>
@@ -10952,7 +10564,7 @@
           <p:cNvPr id="2" name="Tytuł 1">
             <a:extLst>
               <a:ext uri="{FF2B5EF4-FFF2-40B4-BE49-F238E27FC236}">
-                <a16:creationId xmlns:a16="http://schemas.microsoft.com/office/drawing/2014/main" xmlns="" id="{1EBF7C03-C213-4E1D-8F80-B54B1FC0E860}"/>
+                <a16:creationId xmlns:a16="http://schemas.microsoft.com/office/drawing/2014/main" id="{1EBF7C03-C213-4E1D-8F80-B54B1FC0E860}"/>
               </a:ext>
             </a:extLst>
           </p:cNvPr>
@@ -10970,15 +10582,15 @@
           <a:p>
             <a:pPr algn="ctr"/>
             <a:r>
-              <a:rPr lang="en-GB" dirty="0" err="1" smtClean="0"/>
+              <a:rPr lang="en-GB" dirty="0" err="1"/>
               <a:t>Poziomy</a:t>
             </a:r>
             <a:r>
-              <a:rPr lang="en-GB" dirty="0" smtClean="0"/>
-              <a:t> </a:t>
-            </a:r>
-            <a:r>
-              <a:rPr lang="en-GB" dirty="0" err="1" smtClean="0"/>
+              <a:rPr lang="en-GB" dirty="0"/>
+              <a:t> </a:t>
+            </a:r>
+            <a:r>
+              <a:rPr lang="en-GB" dirty="0" err="1"/>
               <a:t>testów</a:t>
             </a:r>
             <a:endParaRPr lang="pl-PL" dirty="0"/>
@@ -10990,7 +10602,7 @@
           <p:cNvPr id="6" name="Symbol zastępczy zawartości 5">
             <a:extLst>
               <a:ext uri="{FF2B5EF4-FFF2-40B4-BE49-F238E27FC236}">
-                <a16:creationId xmlns:a16="http://schemas.microsoft.com/office/drawing/2014/main" xmlns="" id="{8F2AA4AF-9E7E-4A93-85C0-964572AC6F0B}"/>
+                <a16:creationId xmlns:a16="http://schemas.microsoft.com/office/drawing/2014/main" id="{8F2AA4AF-9E7E-4A93-85C0-964572AC6F0B}"/>
               </a:ext>
             </a:extLst>
           </p:cNvPr>
@@ -11030,13 +10642,6 @@
   <p:clrMapOvr>
     <a:masterClrMapping/>
   </p:clrMapOvr>
-  <p:timing>
-    <p:tnLst>
-      <p:par>
-        <p:cTn id="1" dur="indefinite" restart="never" nodeType="tmRoot"/>
-      </p:par>
-    </p:tnLst>
-  </p:timing>
 </p:sld>
 </file>
 
@@ -11073,62 +10678,57 @@
           <a:lstStyle/>
           <a:p>
             <a:r>
-              <a:rPr lang="en-GB" dirty="0" smtClean="0"/>
+              <a:rPr lang="en-GB" dirty="0"/>
               <a:t>Ile </a:t>
             </a:r>
             <a:r>
-              <a:rPr lang="en-GB" dirty="0" err="1" smtClean="0"/>
+              <a:rPr lang="en-GB" dirty="0" err="1"/>
               <a:t>powinno</a:t>
             </a:r>
             <a:r>
-              <a:rPr lang="en-GB" dirty="0" smtClean="0"/>
-              <a:t> </a:t>
-            </a:r>
-            <a:r>
-              <a:rPr lang="en-GB" dirty="0" err="1" smtClean="0"/>
+              <a:rPr lang="en-GB" dirty="0"/>
+              <a:t> </a:t>
+            </a:r>
+            <a:r>
+              <a:rPr lang="en-GB" dirty="0" err="1"/>
               <a:t>być</a:t>
             </a:r>
             <a:r>
-              <a:rPr lang="en-GB" dirty="0" smtClean="0"/>
-              <a:t> </a:t>
-            </a:r>
-            <a:r>
-              <a:rPr lang="en-GB" dirty="0" err="1" smtClean="0"/>
+              <a:rPr lang="en-GB" dirty="0"/>
+              <a:t> </a:t>
+            </a:r>
+            <a:r>
+              <a:rPr lang="en-GB" dirty="0" err="1"/>
               <a:t>testów</a:t>
             </a:r>
             <a:r>
-              <a:rPr lang="en-GB" dirty="0" smtClean="0"/>
+              <a:rPr lang="en-GB" dirty="0"/>
               <a:t>?</a:t>
             </a:r>
+          </a:p>
+        </p:txBody>
+      </p:sp>
+      <p:sp>
+        <p:nvSpPr>
+          <p:cNvPr id="3" name="Symbol zastępczy zawartości 2"/>
+          <p:cNvSpPr>
+            <a:spLocks noGrp="1"/>
+          </p:cNvSpPr>
+          <p:nvPr>
+            <p:ph idx="1"/>
+          </p:nvPr>
+        </p:nvSpPr>
+        <p:spPr/>
+        <p:txBody>
+          <a:bodyPr/>
+          <a:lstStyle/>
+          <a:p>
+            <a:r>
+              <a:rPr lang="pl-PL" dirty="0"/>
+              <a:t>Jednostkowe - 80-90%</a:t>
+            </a:r>
             <a:endParaRPr lang="en-GB" dirty="0"/>
           </a:p>
-        </p:txBody>
-      </p:sp>
-      <p:sp>
-        <p:nvSpPr>
-          <p:cNvPr id="3" name="Symbol zastępczy zawartości 2"/>
-          <p:cNvSpPr>
-            <a:spLocks noGrp="1"/>
-          </p:cNvSpPr>
-          <p:nvPr>
-            <p:ph idx="1"/>
-          </p:nvPr>
-        </p:nvSpPr>
-        <p:spPr/>
-        <p:txBody>
-          <a:bodyPr/>
-          <a:lstStyle/>
-          <a:p>
-            <a:r>
-              <a:rPr lang="pl-PL" dirty="0"/>
-              <a:t>Jednostkowe - 80-90</a:t>
-            </a:r>
-            <a:r>
-              <a:rPr lang="pl-PL" dirty="0" smtClean="0"/>
-              <a:t>%</a:t>
-            </a:r>
-            <a:endParaRPr lang="en-GB" dirty="0" smtClean="0"/>
-          </a:p>
           <a:p>
             <a:endParaRPr lang="pl-PL" dirty="0"/>
           </a:p>
@@ -11139,13 +10739,9 @@
             </a:r>
             <a:r>
               <a:rPr lang="pl-PL" dirty="0"/>
-              <a:t> - 5-15</a:t>
-            </a:r>
-            <a:r>
-              <a:rPr lang="pl-PL" dirty="0" smtClean="0"/>
-              <a:t>%</a:t>
-            </a:r>
-            <a:endParaRPr lang="en-GB" dirty="0" smtClean="0"/>
+              <a:t> - 5-15%</a:t>
+            </a:r>
+            <a:endParaRPr lang="en-GB" dirty="0"/>
           </a:p>
           <a:p>
             <a:endParaRPr lang="pl-PL" dirty="0"/>
@@ -11169,13 +10765,6 @@
   <p:clrMapOvr>
     <a:masterClrMapping/>
   </p:clrMapOvr>
-  <p:timing>
-    <p:tnLst>
-      <p:par>
-        <p:cTn id="1" dur="indefinite" restart="never" nodeType="tmRoot"/>
-      </p:par>
-    </p:tnLst>
-  </p:timing>
 </p:sld>
 </file>
 
@@ -11285,13 +10874,6 @@
   <p:clrMapOvr>
     <a:masterClrMapping/>
   </p:clrMapOvr>
-  <p:timing>
-    <p:tnLst>
-      <p:par>
-        <p:cTn id="1" dur="indefinite" restart="never" nodeType="tmRoot"/>
-      </p:par>
-    </p:tnLst>
-  </p:timing>
 </p:sld>
 </file>
 
@@ -11317,7 +10899,7 @@
           <p:cNvPr id="2" name="Tytuł 1">
             <a:extLst>
               <a:ext uri="{FF2B5EF4-FFF2-40B4-BE49-F238E27FC236}">
-                <a16:creationId xmlns:a16="http://schemas.microsoft.com/office/drawing/2014/main" xmlns="" id="{7536D0A4-B3CC-44A3-B12E-FB0251F0E9ED}"/>
+                <a16:creationId xmlns:a16="http://schemas.microsoft.com/office/drawing/2014/main" id="{7536D0A4-B3CC-44A3-B12E-FB0251F0E9ED}"/>
               </a:ext>
             </a:extLst>
           </p:cNvPr>
@@ -11346,7 +10928,7 @@
           <p:cNvPr id="3" name="Symbol zastępczy zawartości 2">
             <a:extLst>
               <a:ext uri="{FF2B5EF4-FFF2-40B4-BE49-F238E27FC236}">
-                <a16:creationId xmlns:a16="http://schemas.microsoft.com/office/drawing/2014/main" xmlns="" id="{7347DFB0-4EE7-44E0-AEA2-A998C8F8E483}"/>
+                <a16:creationId xmlns:a16="http://schemas.microsoft.com/office/drawing/2014/main" id="{7347DFB0-4EE7-44E0-AEA2-A998C8F8E483}"/>
               </a:ext>
             </a:extLst>
           </p:cNvPr>
@@ -11373,11 +10955,11 @@
               <a:t>nie mam czasu na uczenie się kolejnego </a:t>
             </a:r>
             <a:r>
-              <a:rPr lang="pl-PL" dirty="0" err="1" smtClean="0"/>
+              <a:rPr lang="pl-PL" dirty="0" err="1"/>
               <a:t>framework</a:t>
             </a:r>
             <a:r>
-              <a:rPr lang="en-GB" dirty="0" smtClean="0"/>
+              <a:rPr lang="en-GB" dirty="0"/>
               <a:t>’a</a:t>
             </a:r>
             <a:endParaRPr lang="pl-PL" dirty="0"/>
@@ -11391,23 +10973,15 @@
           <a:p>
             <a:r>
               <a:rPr lang="pl-PL" dirty="0"/>
-              <a:t>kod jest zbyt prosty (nie </a:t>
-            </a:r>
-            <a:r>
-              <a:rPr lang="pl-PL" dirty="0" smtClean="0"/>
-              <a:t>potrzebuj</a:t>
-            </a:r>
-            <a:r>
-              <a:rPr lang="en-GB" dirty="0" smtClean="0"/>
+              <a:t>kod jest zbyt prosty (nie potrzebuj</a:t>
+            </a:r>
+            <a:r>
+              <a:rPr lang="en-GB" dirty="0"/>
               <a:t>ę</a:t>
             </a:r>
             <a:r>
-              <a:rPr lang="pl-PL" dirty="0" smtClean="0"/>
-              <a:t> </a:t>
-            </a:r>
-            <a:r>
-              <a:rPr lang="pl-PL" dirty="0"/>
-              <a:t>testów)</a:t>
+              <a:rPr lang="pl-PL" dirty="0"/>
+              <a:t> testów)</a:t>
             </a:r>
           </a:p>
           <a:p>
@@ -11434,13 +11008,6 @@
   <p:clrMapOvr>
     <a:masterClrMapping/>
   </p:clrMapOvr>
-  <p:timing>
-    <p:tnLst>
-      <p:par>
-        <p:cTn id="1" dur="indefinite" restart="never" nodeType="tmRoot"/>
-      </p:par>
-    </p:tnLst>
-  </p:timing>
 </p:sld>
 </file>
 
@@ -11477,162 +11044,145 @@
           <a:lstStyle/>
           <a:p>
             <a:r>
-              <a:rPr lang="en-GB" dirty="0" smtClean="0"/>
+              <a:rPr lang="en-GB" dirty="0"/>
               <a:t>Co </a:t>
             </a:r>
             <a:r>
-              <a:rPr lang="en-GB" dirty="0" err="1" smtClean="0"/>
+              <a:rPr lang="en-GB" dirty="0" err="1"/>
               <a:t>dają</a:t>
             </a:r>
             <a:r>
-              <a:rPr lang="en-GB" dirty="0" smtClean="0"/>
-              <a:t> </a:t>
-            </a:r>
-            <a:r>
-              <a:rPr lang="en-GB" dirty="0" err="1" smtClean="0"/>
+              <a:rPr lang="en-GB" dirty="0"/>
+              <a:t> </a:t>
+            </a:r>
+            <a:r>
+              <a:rPr lang="en-GB" dirty="0" err="1"/>
               <a:t>nam</a:t>
             </a:r>
             <a:r>
-              <a:rPr lang="en-GB" dirty="0" smtClean="0"/>
+              <a:rPr lang="en-GB" dirty="0"/>
               <a:t> testy</a:t>
             </a:r>
+          </a:p>
+        </p:txBody>
+      </p:sp>
+      <p:sp>
+        <p:nvSpPr>
+          <p:cNvPr id="3" name="Symbol zastępczy zawartości 2"/>
+          <p:cNvSpPr>
+            <a:spLocks noGrp="1"/>
+          </p:cNvSpPr>
+          <p:nvPr>
+            <p:ph idx="1"/>
+          </p:nvPr>
+        </p:nvSpPr>
+        <p:spPr/>
+        <p:txBody>
+          <a:bodyPr/>
+          <a:lstStyle/>
+          <a:p>
+            <a:r>
+              <a:rPr lang="pl-PL" dirty="0" err="1"/>
+              <a:t>mog</a:t>
+            </a:r>
+            <a:r>
+              <a:rPr lang="en-GB" dirty="0"/>
+              <a:t>ą</a:t>
+            </a:r>
+            <a:r>
+              <a:rPr lang="pl-PL" dirty="0"/>
+              <a:t> </a:t>
+            </a:r>
+            <a:r>
+              <a:rPr lang="pl-PL" dirty="0" err="1"/>
+              <a:t>zweryfiko</a:t>
+            </a:r>
+            <a:r>
+              <a:rPr lang="en-GB" dirty="0"/>
+              <a:t>w</a:t>
+            </a:r>
+            <a:r>
+              <a:rPr lang="pl-PL" dirty="0"/>
+              <a:t>a</a:t>
+            </a:r>
+            <a:r>
+              <a:rPr lang="en-GB" dirty="0"/>
+              <a:t>ć</a:t>
+            </a:r>
+            <a:r>
+              <a:rPr lang="pl-PL" dirty="0"/>
+              <a:t> czy kod działa</a:t>
+            </a:r>
             <a:endParaRPr lang="en-GB" dirty="0"/>
           </a:p>
-        </p:txBody>
-      </p:sp>
-      <p:sp>
-        <p:nvSpPr>
-          <p:cNvPr id="3" name="Symbol zastępczy zawartości 2"/>
-          <p:cNvSpPr>
-            <a:spLocks noGrp="1"/>
-          </p:cNvSpPr>
-          <p:nvPr>
-            <p:ph idx="1"/>
-          </p:nvPr>
-        </p:nvSpPr>
-        <p:spPr/>
-        <p:txBody>
-          <a:bodyPr/>
-          <a:lstStyle/>
-          <a:p>
-            <a:r>
-              <a:rPr lang="pl-PL" dirty="0" err="1" smtClean="0"/>
-              <a:t>mog</a:t>
-            </a:r>
-            <a:r>
-              <a:rPr lang="en-GB" dirty="0" smtClean="0"/>
-              <a:t>ą</a:t>
-            </a:r>
-            <a:r>
-              <a:rPr lang="pl-PL" dirty="0" smtClean="0"/>
-              <a:t> </a:t>
-            </a:r>
-            <a:r>
-              <a:rPr lang="pl-PL" dirty="0" err="1" smtClean="0"/>
-              <a:t>zweryfiko</a:t>
-            </a:r>
-            <a:r>
-              <a:rPr lang="en-GB" dirty="0" smtClean="0"/>
-              <a:t>w</a:t>
-            </a:r>
-            <a:r>
-              <a:rPr lang="pl-PL" dirty="0" smtClean="0"/>
-              <a:t>a</a:t>
-            </a:r>
-            <a:r>
-              <a:rPr lang="en-GB" dirty="0" smtClean="0"/>
-              <a:t>ć</a:t>
-            </a:r>
-            <a:r>
-              <a:rPr lang="pl-PL" dirty="0" smtClean="0"/>
-              <a:t> </a:t>
-            </a:r>
-            <a:r>
-              <a:rPr lang="pl-PL" dirty="0"/>
-              <a:t>czy kod </a:t>
-            </a:r>
-            <a:r>
-              <a:rPr lang="pl-PL" dirty="0" smtClean="0"/>
-              <a:t>działa</a:t>
-            </a:r>
-            <a:endParaRPr lang="en-GB" dirty="0" smtClean="0"/>
-          </a:p>
-          <a:p>
-            <a:r>
-              <a:rPr lang="en-GB" dirty="0" err="1"/>
-              <a:t>m</a:t>
-            </a:r>
-            <a:r>
-              <a:rPr lang="en-GB" dirty="0" err="1" smtClean="0"/>
-              <a:t>ogą</a:t>
-            </a:r>
-            <a:r>
-              <a:rPr lang="en-GB" dirty="0" smtClean="0"/>
-              <a:t> </a:t>
-            </a:r>
-            <a:r>
-              <a:rPr lang="en-GB" dirty="0" err="1" smtClean="0"/>
+          <a:p>
+            <a:r>
+              <a:rPr lang="en-GB" dirty="0" err="1"/>
+              <a:t>mogą</a:t>
+            </a:r>
+            <a:r>
+              <a:rPr lang="en-GB" dirty="0"/>
+              <a:t> </a:t>
+            </a:r>
+            <a:r>
+              <a:rPr lang="en-GB" dirty="0" err="1"/>
               <a:t>być</a:t>
             </a:r>
             <a:r>
-              <a:rPr lang="en-GB" dirty="0" smtClean="0"/>
-              <a:t> </a:t>
-            </a:r>
-            <a:r>
-              <a:rPr lang="en-GB" dirty="0" err="1" smtClean="0"/>
+              <a:rPr lang="en-GB" dirty="0"/>
+              <a:t> </a:t>
+            </a:r>
+            <a:r>
+              <a:rPr lang="en-GB" dirty="0" err="1"/>
               <a:t>dokumentacją</a:t>
             </a:r>
-            <a:endParaRPr lang="en-GB" dirty="0" smtClean="0"/>
-          </a:p>
-          <a:p>
-            <a:r>
-              <a:rPr lang="en-GB" dirty="0" err="1" smtClean="0"/>
+            <a:endParaRPr lang="en-GB" dirty="0"/>
+          </a:p>
+          <a:p>
+            <a:r>
+              <a:rPr lang="en-GB" dirty="0" err="1"/>
               <a:t>ułatwiają</a:t>
             </a:r>
             <a:r>
-              <a:rPr lang="en-GB" dirty="0" smtClean="0"/>
-              <a:t> </a:t>
-            </a:r>
-            <a:r>
-              <a:rPr lang="en-GB" dirty="0" err="1" smtClean="0"/>
+              <a:rPr lang="en-GB" dirty="0"/>
+              <a:t> </a:t>
+            </a:r>
+            <a:r>
+              <a:rPr lang="en-GB" dirty="0" err="1"/>
               <a:t>implemnatcję</a:t>
             </a:r>
-            <a:endParaRPr lang="en-GB" dirty="0" smtClean="0"/>
-          </a:p>
-          <a:p>
-            <a:r>
-              <a:rPr lang="en-GB" dirty="0" err="1"/>
-              <a:t>b</a:t>
-            </a:r>
-            <a:r>
-              <a:rPr lang="en-GB" dirty="0" err="1" smtClean="0"/>
-              <a:t>ezpieczna</a:t>
-            </a:r>
-            <a:r>
-              <a:rPr lang="en-GB" dirty="0" smtClean="0"/>
-              <a:t> </a:t>
-            </a:r>
-            <a:r>
-              <a:rPr lang="en-GB" dirty="0" err="1" smtClean="0"/>
+            <a:endParaRPr lang="en-GB" dirty="0"/>
+          </a:p>
+          <a:p>
+            <a:r>
+              <a:rPr lang="en-GB" dirty="0" err="1"/>
+              <a:t>bezpieczna</a:t>
+            </a:r>
+            <a:r>
+              <a:rPr lang="en-GB" dirty="0"/>
+              <a:t> </a:t>
+            </a:r>
+            <a:r>
+              <a:rPr lang="en-GB" dirty="0" err="1"/>
               <a:t>zmiana</a:t>
             </a:r>
             <a:r>
-              <a:rPr lang="en-GB" dirty="0" smtClean="0"/>
-              <a:t> </a:t>
-            </a:r>
-            <a:r>
-              <a:rPr lang="en-GB" dirty="0" err="1" smtClean="0"/>
+              <a:rPr lang="en-GB" dirty="0"/>
+              <a:t> </a:t>
+            </a:r>
+            <a:r>
+              <a:rPr lang="en-GB" dirty="0" err="1"/>
               <a:t>kodu</a:t>
             </a:r>
             <a:r>
-              <a:rPr lang="en-GB" dirty="0" smtClean="0"/>
+              <a:rPr lang="en-GB" dirty="0"/>
               <a:t> / </a:t>
             </a:r>
             <a:r>
-              <a:rPr lang="en-GB" dirty="0" err="1" smtClean="0"/>
+              <a:rPr lang="en-GB" dirty="0" err="1"/>
               <a:t>refactoryzacja</a:t>
             </a:r>
-            <a:endParaRPr lang="en-GB" dirty="0" smtClean="0"/>
+            <a:endParaRPr lang="en-GB" dirty="0"/>
           </a:p>
           <a:p>
             <a:r>
@@ -11644,11 +11194,11 @@
               <a:t> </a:t>
             </a:r>
             <a:r>
-              <a:rPr lang="en-GB" dirty="0" err="1" smtClean="0"/>
+              <a:rPr lang="en-GB" dirty="0" err="1"/>
               <a:t>się</a:t>
             </a:r>
             <a:r>
-              <a:rPr lang="en-GB" dirty="0" smtClean="0"/>
+              <a:rPr lang="en-GB" dirty="0"/>
               <a:t> </a:t>
             </a:r>
             <a:r>
@@ -11660,10 +11210,10 @@
               <a:t> </a:t>
             </a:r>
             <a:r>
-              <a:rPr lang="en-GB" dirty="0" err="1" smtClean="0"/>
+              <a:rPr lang="en-GB" dirty="0" err="1"/>
               <a:t>regresją</a:t>
             </a:r>
-            <a:endParaRPr lang="en-GB" dirty="0" smtClean="0"/>
+            <a:endParaRPr lang="en-GB" dirty="0"/>
           </a:p>
           <a:p>
             <a:r>
@@ -11687,13 +11237,6 @@
   <p:clrMapOvr>
     <a:masterClrMapping/>
   </p:clrMapOvr>
-  <p:timing>
-    <p:tnLst>
-      <p:par>
-        <p:cTn id="1" dur="indefinite" restart="never" nodeType="tmRoot"/>
-      </p:par>
-    </p:tnLst>
-  </p:timing>
 </p:sld>
 </file>
 
@@ -11731,63 +11274,62 @@
           <a:p>
             <a:pPr algn="ctr"/>
             <a:r>
-              <a:rPr lang="en-GB" dirty="0" err="1" smtClean="0"/>
+              <a:rPr lang="en-GB" dirty="0" err="1"/>
               <a:t>Struktura</a:t>
             </a:r>
             <a:r>
-              <a:rPr lang="en-GB" dirty="0" smtClean="0"/>
-              <a:t> </a:t>
-            </a:r>
-            <a:r>
-              <a:rPr lang="en-GB" dirty="0" err="1" smtClean="0"/>
+              <a:rPr lang="en-GB" dirty="0"/>
+              <a:t> </a:t>
+            </a:r>
+            <a:r>
+              <a:rPr lang="en-GB" dirty="0" err="1"/>
               <a:t>testów</a:t>
             </a:r>
             <a:r>
-              <a:rPr lang="en-GB" dirty="0" smtClean="0"/>
-              <a:t> </a:t>
-            </a:r>
+              <a:rPr lang="en-GB" dirty="0"/>
+              <a:t> </a:t>
+            </a:r>
+          </a:p>
+        </p:txBody>
+      </p:sp>
+      <p:sp>
+        <p:nvSpPr>
+          <p:cNvPr id="3" name="Symbol zastępczy zawartości 2"/>
+          <p:cNvSpPr>
+            <a:spLocks noGrp="1"/>
+          </p:cNvSpPr>
+          <p:nvPr>
+            <p:ph idx="1"/>
+          </p:nvPr>
+        </p:nvSpPr>
+        <p:spPr/>
+        <p:txBody>
+          <a:bodyPr/>
+          <a:lstStyle/>
+          <a:p>
             <a:endParaRPr lang="en-GB" dirty="0"/>
           </a:p>
-        </p:txBody>
-      </p:sp>
-      <p:sp>
-        <p:nvSpPr>
-          <p:cNvPr id="3" name="Symbol zastępczy zawartości 2"/>
-          <p:cNvSpPr>
-            <a:spLocks noGrp="1"/>
-          </p:cNvSpPr>
-          <p:nvPr>
-            <p:ph idx="1"/>
-          </p:nvPr>
-        </p:nvSpPr>
-        <p:spPr/>
-        <p:txBody>
-          <a:bodyPr/>
-          <a:lstStyle/>
-          <a:p>
-            <a:endParaRPr lang="en-GB" dirty="0" smtClean="0"/>
-          </a:p>
-          <a:p>
-            <a:r>
-              <a:rPr lang="en-GB" dirty="0" smtClean="0"/>
+          <a:p>
+            <a:r>
+              <a:rPr lang="en-GB" dirty="0"/>
               <a:t>Given</a:t>
             </a:r>
           </a:p>
           <a:p>
-            <a:endParaRPr lang="en-GB" dirty="0" smtClean="0"/>
-          </a:p>
-          <a:p>
-            <a:r>
-              <a:rPr lang="en-GB" dirty="0" smtClean="0"/>
+            <a:endParaRPr lang="en-GB" dirty="0"/>
+          </a:p>
+          <a:p>
+            <a:r>
+              <a:rPr lang="en-GB" dirty="0"/>
               <a:t>When</a:t>
             </a:r>
           </a:p>
           <a:p>
-            <a:endParaRPr lang="en-GB" dirty="0" smtClean="0"/>
-          </a:p>
-          <a:p>
-            <a:r>
-              <a:rPr lang="en-GB" dirty="0" smtClean="0"/>
+            <a:endParaRPr lang="en-GB" dirty="0"/>
+          </a:p>
+          <a:p>
+            <a:r>
+              <a:rPr lang="en-GB" dirty="0"/>
               <a:t>Then</a:t>
             </a:r>
           </a:p>
@@ -11806,13 +11348,6 @@
   <p:clrMapOvr>
     <a:masterClrMapping/>
   </p:clrMapOvr>
-  <p:timing>
-    <p:tnLst>
-      <p:par>
-        <p:cTn id="1" dur="indefinite" restart="never" nodeType="tmRoot"/>
-      </p:par>
-    </p:tnLst>
-  </p:timing>
 </p:sld>
 </file>
 
@@ -11876,7 +11411,7 @@
               <a:t> do istniejącego </a:t>
             </a:r>
             <a:r>
-              <a:rPr lang="pl-PL" b="1" dirty="0" smtClean="0"/>
+              <a:rPr lang="pl-PL" b="1" dirty="0"/>
               <a:t>kodu</a:t>
             </a:r>
             <a:r>
@@ -11889,13 +11424,9 @@
             </a:r>
             <a:r>
               <a:rPr lang="pl-PL" dirty="0"/>
-              <a:t> po </a:t>
-            </a:r>
-            <a:r>
-              <a:rPr lang="pl-PL" dirty="0" smtClean="0"/>
-              <a:t>seksie</a:t>
-            </a:r>
-            <a:endParaRPr lang="en-GB" dirty="0" smtClean="0"/>
+              <a:t> po seksie</a:t>
+            </a:r>
+            <a:endParaRPr lang="en-GB" dirty="0"/>
           </a:p>
           <a:p>
             <a:endParaRPr lang="en-GB" dirty="0"/>
@@ -11905,19 +11436,19 @@
               <a:buNone/>
             </a:pPr>
             <a:r>
-              <a:rPr lang="en-GB" dirty="0" smtClean="0"/>
+              <a:rPr lang="en-GB" dirty="0"/>
               <a:t>				</a:t>
             </a:r>
             <a:r>
-              <a:rPr lang="en-GB" dirty="0" err="1" smtClean="0"/>
+              <a:rPr lang="en-GB" dirty="0" err="1"/>
               <a:t>Maciej</a:t>
             </a:r>
             <a:r>
-              <a:rPr lang="en-GB" dirty="0" smtClean="0"/>
-              <a:t> </a:t>
-            </a:r>
-            <a:r>
-              <a:rPr lang="en-GB" dirty="0" err="1" smtClean="0"/>
+              <a:rPr lang="en-GB" dirty="0"/>
+              <a:t> </a:t>
+            </a:r>
+            <a:r>
+              <a:rPr lang="en-GB" dirty="0" err="1"/>
               <a:t>Aniserowicz</a:t>
             </a:r>
             <a:endParaRPr lang="en-GB" dirty="0"/>
@@ -11934,13 +11465,6 @@
   <p:clrMapOvr>
     <a:masterClrMapping/>
   </p:clrMapOvr>
-  <p:timing>
-    <p:tnLst>
-      <p:par>
-        <p:cTn id="1" dur="indefinite" restart="never" nodeType="tmRoot"/>
-      </p:par>
-    </p:tnLst>
-  </p:timing>
 </p:sld>
 </file>
 
@@ -12233,7 +11757,7 @@
   <a:extraClrSchemeLst/>
   <a:extLst>
     <a:ext uri="{05A4C25C-085E-4340-85A3-A5531E510DB2}">
-      <thm15:themeFamily xmlns:thm15="http://schemas.microsoft.com/office/thememl/2012/main" xmlns="" name="Office Theme" id="{62F939B6-93AF-4DB8-9C6B-D6C7DFDC589F}" vid="{4A3C46E8-61CC-4603-A589-7422A47A8E4A}"/>
+      <thm15:themeFamily xmlns:thm15="http://schemas.microsoft.com/office/thememl/2012/main" name="Office Theme" id="{62F939B6-93AF-4DB8-9C6B-D6C7DFDC589F}" vid="{4A3C46E8-61CC-4603-A589-7422A47A8E4A}"/>
     </a:ext>
   </a:extLst>
 </a:theme>
@@ -12528,7 +12052,7 @@
   <a:extraClrSchemeLst/>
   <a:extLst>
     <a:ext uri="{05A4C25C-085E-4340-85A3-A5531E510DB2}">
-      <thm15:themeFamily xmlns:thm15="http://schemas.microsoft.com/office/thememl/2012/main" xmlns="" name="Office Theme" id="{62F939B6-93AF-4DB8-9C6B-D6C7DFDC589F}" vid="{4A3C46E8-61CC-4603-A589-7422A47A8E4A}"/>
+      <thm15:themeFamily xmlns:thm15="http://schemas.microsoft.com/office/thememl/2012/main" name="Office Theme" id="{62F939B6-93AF-4DB8-9C6B-D6C7DFDC589F}" vid="{4A3C46E8-61CC-4603-A589-7422A47A8E4A}"/>
     </a:ext>
   </a:extLst>
 </a:theme>

--- a/tdd-presentation/Droga perfekcjonisty-TDD.pptx
+++ b/tdd-presentation/Droga perfekcjonisty-TDD.pptx
@@ -10424,7 +10424,7 @@
         </p:blipFill>
         <p:spPr bwMode="auto">
           <a:xfrm>
-            <a:off x="1248681" y="3787853"/>
+            <a:off x="1204686" y="3995504"/>
             <a:ext cx="2002519" cy="2862496"/>
           </a:xfrm>
           <a:prstGeom prst="rect">
